--- a/folien/Semester_03_Termin_04_Kapitel04.pptx
+++ b/folien/Semester_03_Termin_04_Kapitel04.pptx
@@ -178,7 +178,7 @@
   </p:defaultTextStyle>
   <p:extLst>
     <p:ext uri="{EFAFB233-063F-42B5-8137-9DF3F51BA10A}">
-      <p15:sldGuideLst xmlns:p15="http://schemas.microsoft.com/office/powerpoint/2012/main" xmlns="">
+      <p15:sldGuideLst xmlns:p15="http://schemas.microsoft.com/office/powerpoint/2012/main">
         <p15:guide id="1" orient="horz" pos="2160">
           <p15:clr>
             <a:srgbClr val="A4A3A4"/>
@@ -192,7 +192,7 @@
       </p15:sldGuideLst>
     </p:ext>
     <p:ext uri="{2D200454-40CA-4A62-9FC3-DE9A4176ACB9}">
-      <p15:notesGuideLst xmlns:p15="http://schemas.microsoft.com/office/powerpoint/2012/main" xmlns="">
+      <p15:notesGuideLst xmlns:p15="http://schemas.microsoft.com/office/powerpoint/2012/main">
         <p15:guide id="1" orient="horz" pos="2880">
           <p15:clr>
             <a:srgbClr val="A4A3A4"/>
@@ -287,14 +287,14 @@
           <a:effectLst/>
           <a:extLst>
             <a:ext uri="{909E8E84-426E-40DD-AFC4-6F175D3DCCD1}">
-              <a14:hiddenFill xmlns:a14="http://schemas.microsoft.com/office/drawing/2010/main" xmlns="">
+              <a14:hiddenFill xmlns:a14="http://schemas.microsoft.com/office/drawing/2010/main">
                 <a:solidFill>
                   <a:srgbClr val="FFFFFF"/>
                 </a:solidFill>
               </a14:hiddenFill>
             </a:ext>
             <a:ext uri="{91240B29-F687-4F45-9708-019B960494DF}">
-              <a14:hiddenLine xmlns:a14="http://schemas.microsoft.com/office/drawing/2010/main" xmlns="" w="9525">
+              <a14:hiddenLine xmlns:a14="http://schemas.microsoft.com/office/drawing/2010/main" w="9525">
                 <a:solidFill>
                   <a:srgbClr val="000000"/>
                 </a:solidFill>
@@ -304,7 +304,7 @@
               </a14:hiddenLine>
             </a:ext>
             <a:ext uri="{AF507438-7753-43E0-B8FC-AC1667EBCBE1}">
-              <a14:hiddenEffects xmlns:a14="http://schemas.microsoft.com/office/drawing/2010/main" xmlns="">
+              <a14:hiddenEffects xmlns:a14="http://schemas.microsoft.com/office/drawing/2010/main">
                 <a:effectLst>
                   <a:outerShdw dist="35921" dir="2700000" algn="ctr" rotWithShape="0">
                     <a:schemeClr val="bg2"/>
@@ -352,14 +352,14 @@
           <a:effectLst/>
           <a:extLst>
             <a:ext uri="{909E8E84-426E-40DD-AFC4-6F175D3DCCD1}">
-              <a14:hiddenFill xmlns:a14="http://schemas.microsoft.com/office/drawing/2010/main" xmlns="">
+              <a14:hiddenFill xmlns:a14="http://schemas.microsoft.com/office/drawing/2010/main">
                 <a:solidFill>
                   <a:srgbClr val="FFFFFF"/>
                 </a:solidFill>
               </a14:hiddenFill>
             </a:ext>
             <a:ext uri="{91240B29-F687-4F45-9708-019B960494DF}">
-              <a14:hiddenLine xmlns:a14="http://schemas.microsoft.com/office/drawing/2010/main" xmlns="" w="9525">
+              <a14:hiddenLine xmlns:a14="http://schemas.microsoft.com/office/drawing/2010/main" w="9525">
                 <a:solidFill>
                   <a:srgbClr val="000000"/>
                 </a:solidFill>
@@ -369,7 +369,7 @@
               </a14:hiddenLine>
             </a:ext>
             <a:ext uri="{AF507438-7753-43E0-B8FC-AC1667EBCBE1}">
-              <a14:hiddenEffects xmlns:a14="http://schemas.microsoft.com/office/drawing/2010/main" xmlns="">
+              <a14:hiddenEffects xmlns:a14="http://schemas.microsoft.com/office/drawing/2010/main">
                 <a:effectLst>
                   <a:outerShdw dist="35921" dir="2700000" algn="ctr" rotWithShape="0">
                     <a:schemeClr val="bg2"/>
@@ -444,14 +444,14 @@
           <a:effectLst/>
           <a:extLst>
             <a:ext uri="{909E8E84-426E-40DD-AFC4-6F175D3DCCD1}">
-              <a14:hiddenFill xmlns:a14="http://schemas.microsoft.com/office/drawing/2010/main" xmlns="">
+              <a14:hiddenFill xmlns:a14="http://schemas.microsoft.com/office/drawing/2010/main">
                 <a:solidFill>
                   <a:srgbClr val="FFFFFF"/>
                 </a:solidFill>
               </a14:hiddenFill>
             </a:ext>
             <a:ext uri="{91240B29-F687-4F45-9708-019B960494DF}">
-              <a14:hiddenLine xmlns:a14="http://schemas.microsoft.com/office/drawing/2010/main" xmlns="" w="9525">
+              <a14:hiddenLine xmlns:a14="http://schemas.microsoft.com/office/drawing/2010/main" w="9525">
                 <a:solidFill>
                   <a:srgbClr val="000000"/>
                 </a:solidFill>
@@ -461,7 +461,7 @@
               </a14:hiddenLine>
             </a:ext>
             <a:ext uri="{AF507438-7753-43E0-B8FC-AC1667EBCBE1}">
-              <a14:hiddenEffects xmlns:a14="http://schemas.microsoft.com/office/drawing/2010/main" xmlns="">
+              <a14:hiddenEffects xmlns:a14="http://schemas.microsoft.com/office/drawing/2010/main">
                 <a:effectLst>
                   <a:outerShdw dist="35921" dir="2700000" algn="ctr" rotWithShape="0">
                     <a:schemeClr val="bg2"/>
@@ -536,14 +536,14 @@
           <a:effectLst/>
           <a:extLst>
             <a:ext uri="{909E8E84-426E-40DD-AFC4-6F175D3DCCD1}">
-              <a14:hiddenFill xmlns:a14="http://schemas.microsoft.com/office/drawing/2010/main" xmlns="">
+              <a14:hiddenFill xmlns:a14="http://schemas.microsoft.com/office/drawing/2010/main">
                 <a:solidFill>
                   <a:srgbClr val="FFFFFF"/>
                 </a:solidFill>
               </a14:hiddenFill>
             </a:ext>
             <a:ext uri="{91240B29-F687-4F45-9708-019B960494DF}">
-              <a14:hiddenLine xmlns:a14="http://schemas.microsoft.com/office/drawing/2010/main" xmlns="" w="9525">
+              <a14:hiddenLine xmlns:a14="http://schemas.microsoft.com/office/drawing/2010/main" w="9525">
                 <a:solidFill>
                   <a:srgbClr val="000000"/>
                 </a:solidFill>
@@ -553,7 +553,7 @@
               </a14:hiddenLine>
             </a:ext>
             <a:ext uri="{AF507438-7753-43E0-B8FC-AC1667EBCBE1}">
-              <a14:hiddenEffects xmlns:a14="http://schemas.microsoft.com/office/drawing/2010/main" xmlns="">
+              <a14:hiddenEffects xmlns:a14="http://schemas.microsoft.com/office/drawing/2010/main">
                 <a:effectLst>
                   <a:outerShdw dist="35921" dir="2700000" algn="ctr" rotWithShape="0">
                     <a:schemeClr val="bg2"/>
@@ -628,14 +628,14 @@
           <a:effectLst/>
           <a:extLst>
             <a:ext uri="{909E8E84-426E-40DD-AFC4-6F175D3DCCD1}">
-              <a14:hiddenFill xmlns:a14="http://schemas.microsoft.com/office/drawing/2010/main" xmlns="">
+              <a14:hiddenFill xmlns:a14="http://schemas.microsoft.com/office/drawing/2010/main">
                 <a:solidFill>
                   <a:srgbClr val="FFFFFF"/>
                 </a:solidFill>
               </a14:hiddenFill>
             </a:ext>
             <a:ext uri="{91240B29-F687-4F45-9708-019B960494DF}">
-              <a14:hiddenLine xmlns:a14="http://schemas.microsoft.com/office/drawing/2010/main" xmlns="" w="9525">
+              <a14:hiddenLine xmlns:a14="http://schemas.microsoft.com/office/drawing/2010/main" w="9525">
                 <a:solidFill>
                   <a:srgbClr val="000000"/>
                 </a:solidFill>
@@ -645,7 +645,7 @@
               </a14:hiddenLine>
             </a:ext>
             <a:ext uri="{AF507438-7753-43E0-B8FC-AC1667EBCBE1}">
-              <a14:hiddenEffects xmlns:a14="http://schemas.microsoft.com/office/drawing/2010/main" xmlns="">
+              <a14:hiddenEffects xmlns:a14="http://schemas.microsoft.com/office/drawing/2010/main">
                 <a:effectLst>
                   <a:outerShdw dist="35921" dir="2700000" algn="ctr" rotWithShape="0">
                     <a:schemeClr val="bg2"/>
@@ -699,7 +699,7 @@
     </p:spTree>
     <p:extLst>
       <p:ext uri="{BB962C8B-B14F-4D97-AF65-F5344CB8AC3E}">
-        <p14:creationId xmlns:p14="http://schemas.microsoft.com/office/powerpoint/2010/main" xmlns="" val="1353072141"/>
+        <p14:creationId xmlns:p14="http://schemas.microsoft.com/office/powerpoint/2010/main" val="1353072141"/>
       </p:ext>
     </p:extLst>
   </p:cSld>
@@ -966,7 +966,7 @@
     </p:spTree>
     <p:extLst>
       <p:ext uri="{BB962C8B-B14F-4D97-AF65-F5344CB8AC3E}">
-        <p14:creationId xmlns:p14="http://schemas.microsoft.com/office/powerpoint/2010/main" xmlns="" val="1402018495"/>
+        <p14:creationId xmlns:p14="http://schemas.microsoft.com/office/powerpoint/2010/main" val="1402018495"/>
       </p:ext>
     </p:extLst>
   </p:cSld>
@@ -1088,7 +1088,7 @@
     </p:spTree>
     <p:extLst>
       <p:ext uri="{BB962C8B-B14F-4D97-AF65-F5344CB8AC3E}">
-        <p14:creationId xmlns:p14="http://schemas.microsoft.com/office/powerpoint/2010/main" xmlns="" val="2851915897"/>
+        <p14:creationId xmlns:p14="http://schemas.microsoft.com/office/powerpoint/2010/main" val="2851915897"/>
       </p:ext>
     </p:extLst>
   </p:cSld>
@@ -1210,7 +1210,7 @@
     </p:spTree>
     <p:extLst>
       <p:ext uri="{BB962C8B-B14F-4D97-AF65-F5344CB8AC3E}">
-        <p14:creationId xmlns:p14="http://schemas.microsoft.com/office/powerpoint/2010/main" xmlns="" val="2728494318"/>
+        <p14:creationId xmlns:p14="http://schemas.microsoft.com/office/powerpoint/2010/main" val="2728494318"/>
       </p:ext>
     </p:extLst>
   </p:cSld>
@@ -1332,7 +1332,7 @@
     </p:spTree>
     <p:extLst>
       <p:ext uri="{BB962C8B-B14F-4D97-AF65-F5344CB8AC3E}">
-        <p14:creationId xmlns:p14="http://schemas.microsoft.com/office/powerpoint/2010/main" xmlns="" val="1178295753"/>
+        <p14:creationId xmlns:p14="http://schemas.microsoft.com/office/powerpoint/2010/main" val="1178295753"/>
       </p:ext>
     </p:extLst>
   </p:cSld>
@@ -1454,7 +1454,7 @@
     </p:spTree>
     <p:extLst>
       <p:ext uri="{BB962C8B-B14F-4D97-AF65-F5344CB8AC3E}">
-        <p14:creationId xmlns:p14="http://schemas.microsoft.com/office/powerpoint/2010/main" xmlns="" val="514487273"/>
+        <p14:creationId xmlns:p14="http://schemas.microsoft.com/office/powerpoint/2010/main" val="514487273"/>
       </p:ext>
     </p:extLst>
   </p:cSld>
@@ -1576,7 +1576,7 @@
     </p:spTree>
     <p:extLst>
       <p:ext uri="{BB962C8B-B14F-4D97-AF65-F5344CB8AC3E}">
-        <p14:creationId xmlns:p14="http://schemas.microsoft.com/office/powerpoint/2010/main" xmlns="" val="1693511283"/>
+        <p14:creationId xmlns:p14="http://schemas.microsoft.com/office/powerpoint/2010/main" val="1693511283"/>
       </p:ext>
     </p:extLst>
   </p:cSld>
@@ -1698,7 +1698,7 @@
     </p:spTree>
     <p:extLst>
       <p:ext uri="{BB962C8B-B14F-4D97-AF65-F5344CB8AC3E}">
-        <p14:creationId xmlns:p14="http://schemas.microsoft.com/office/powerpoint/2010/main" xmlns="" val="3122530262"/>
+        <p14:creationId xmlns:p14="http://schemas.microsoft.com/office/powerpoint/2010/main" val="3122530262"/>
       </p:ext>
     </p:extLst>
   </p:cSld>
@@ -1820,7 +1820,7 @@
     </p:spTree>
     <p:extLst>
       <p:ext uri="{BB962C8B-B14F-4D97-AF65-F5344CB8AC3E}">
-        <p14:creationId xmlns:p14="http://schemas.microsoft.com/office/powerpoint/2010/main" xmlns="" val="4160048597"/>
+        <p14:creationId xmlns:p14="http://schemas.microsoft.com/office/powerpoint/2010/main" val="4160048597"/>
       </p:ext>
     </p:extLst>
   </p:cSld>
@@ -1942,7 +1942,7 @@
     </p:spTree>
     <p:extLst>
       <p:ext uri="{BB962C8B-B14F-4D97-AF65-F5344CB8AC3E}">
-        <p14:creationId xmlns:p14="http://schemas.microsoft.com/office/powerpoint/2010/main" xmlns="" val="4267682929"/>
+        <p14:creationId xmlns:p14="http://schemas.microsoft.com/office/powerpoint/2010/main" val="4267682929"/>
       </p:ext>
     </p:extLst>
   </p:cSld>
@@ -2064,7 +2064,7 @@
     </p:spTree>
     <p:extLst>
       <p:ext uri="{BB962C8B-B14F-4D97-AF65-F5344CB8AC3E}">
-        <p14:creationId xmlns:p14="http://schemas.microsoft.com/office/powerpoint/2010/main" xmlns="" val="3940163836"/>
+        <p14:creationId xmlns:p14="http://schemas.microsoft.com/office/powerpoint/2010/main" val="3940163836"/>
       </p:ext>
     </p:extLst>
   </p:cSld>
@@ -2186,7 +2186,7 @@
     </p:spTree>
     <p:extLst>
       <p:ext uri="{BB962C8B-B14F-4D97-AF65-F5344CB8AC3E}">
-        <p14:creationId xmlns:p14="http://schemas.microsoft.com/office/powerpoint/2010/main" xmlns="" val="68063457"/>
+        <p14:creationId xmlns:p14="http://schemas.microsoft.com/office/powerpoint/2010/main" val="68063457"/>
       </p:ext>
     </p:extLst>
   </p:cSld>
@@ -2308,7 +2308,7 @@
     </p:spTree>
     <p:extLst>
       <p:ext uri="{BB962C8B-B14F-4D97-AF65-F5344CB8AC3E}">
-        <p14:creationId xmlns:p14="http://schemas.microsoft.com/office/powerpoint/2010/main" xmlns="" val="1711895410"/>
+        <p14:creationId xmlns:p14="http://schemas.microsoft.com/office/powerpoint/2010/main" val="1711895410"/>
       </p:ext>
     </p:extLst>
   </p:cSld>
@@ -2430,7 +2430,7 @@
     </p:spTree>
     <p:extLst>
       <p:ext uri="{BB962C8B-B14F-4D97-AF65-F5344CB8AC3E}">
-        <p14:creationId xmlns:p14="http://schemas.microsoft.com/office/powerpoint/2010/main" xmlns="" val="899455001"/>
+        <p14:creationId xmlns:p14="http://schemas.microsoft.com/office/powerpoint/2010/main" val="899455001"/>
       </p:ext>
     </p:extLst>
   </p:cSld>
@@ -2552,7 +2552,7 @@
     </p:spTree>
     <p:extLst>
       <p:ext uri="{BB962C8B-B14F-4D97-AF65-F5344CB8AC3E}">
-        <p14:creationId xmlns:p14="http://schemas.microsoft.com/office/powerpoint/2010/main" xmlns="" val="1470655625"/>
+        <p14:creationId xmlns:p14="http://schemas.microsoft.com/office/powerpoint/2010/main" val="1470655625"/>
       </p:ext>
     </p:extLst>
   </p:cSld>
@@ -2674,7 +2674,7 @@
     </p:spTree>
     <p:extLst>
       <p:ext uri="{BB962C8B-B14F-4D97-AF65-F5344CB8AC3E}">
-        <p14:creationId xmlns:p14="http://schemas.microsoft.com/office/powerpoint/2010/main" xmlns="" val="2847039128"/>
+        <p14:creationId xmlns:p14="http://schemas.microsoft.com/office/powerpoint/2010/main" val="2847039128"/>
       </p:ext>
     </p:extLst>
   </p:cSld>
@@ -2796,7 +2796,7 @@
     </p:spTree>
     <p:extLst>
       <p:ext uri="{BB962C8B-B14F-4D97-AF65-F5344CB8AC3E}">
-        <p14:creationId xmlns:p14="http://schemas.microsoft.com/office/powerpoint/2010/main" xmlns="" val="117629850"/>
+        <p14:creationId xmlns:p14="http://schemas.microsoft.com/office/powerpoint/2010/main" val="117629850"/>
       </p:ext>
     </p:extLst>
   </p:cSld>
@@ -2918,7 +2918,7 @@
     </p:spTree>
     <p:extLst>
       <p:ext uri="{BB962C8B-B14F-4D97-AF65-F5344CB8AC3E}">
-        <p14:creationId xmlns:p14="http://schemas.microsoft.com/office/powerpoint/2010/main" xmlns="" val="3352754044"/>
+        <p14:creationId xmlns:p14="http://schemas.microsoft.com/office/powerpoint/2010/main" val="3352754044"/>
       </p:ext>
     </p:extLst>
   </p:cSld>
@@ -3040,7 +3040,7 @@
     </p:spTree>
     <p:extLst>
       <p:ext uri="{BB962C8B-B14F-4D97-AF65-F5344CB8AC3E}">
-        <p14:creationId xmlns:p14="http://schemas.microsoft.com/office/powerpoint/2010/main" xmlns="" val="1771759847"/>
+        <p14:creationId xmlns:p14="http://schemas.microsoft.com/office/powerpoint/2010/main" val="1771759847"/>
       </p:ext>
     </p:extLst>
   </p:cSld>
@@ -3162,7 +3162,7 @@
     </p:spTree>
     <p:extLst>
       <p:ext uri="{BB962C8B-B14F-4D97-AF65-F5344CB8AC3E}">
-        <p14:creationId xmlns:p14="http://schemas.microsoft.com/office/powerpoint/2010/main" xmlns="" val="329787695"/>
+        <p14:creationId xmlns:p14="http://schemas.microsoft.com/office/powerpoint/2010/main" val="329787695"/>
       </p:ext>
     </p:extLst>
   </p:cSld>
@@ -3284,7 +3284,7 @@
     </p:spTree>
     <p:extLst>
       <p:ext uri="{BB962C8B-B14F-4D97-AF65-F5344CB8AC3E}">
-        <p14:creationId xmlns:p14="http://schemas.microsoft.com/office/powerpoint/2010/main" xmlns="" val="2240116794"/>
+        <p14:creationId xmlns:p14="http://schemas.microsoft.com/office/powerpoint/2010/main" val="2240116794"/>
       </p:ext>
     </p:extLst>
   </p:cSld>
@@ -3406,7 +3406,7 @@
     </p:spTree>
     <p:extLst>
       <p:ext uri="{BB962C8B-B14F-4D97-AF65-F5344CB8AC3E}">
-        <p14:creationId xmlns:p14="http://schemas.microsoft.com/office/powerpoint/2010/main" xmlns="" val="2435026453"/>
+        <p14:creationId xmlns:p14="http://schemas.microsoft.com/office/powerpoint/2010/main" val="2435026453"/>
       </p:ext>
     </p:extLst>
   </p:cSld>
@@ -3528,7 +3528,7 @@
     </p:spTree>
     <p:extLst>
       <p:ext uri="{BB962C8B-B14F-4D97-AF65-F5344CB8AC3E}">
-        <p14:creationId xmlns:p14="http://schemas.microsoft.com/office/powerpoint/2010/main" xmlns="" val="1356346911"/>
+        <p14:creationId xmlns:p14="http://schemas.microsoft.com/office/powerpoint/2010/main" val="1356346911"/>
       </p:ext>
     </p:extLst>
   </p:cSld>
@@ -3650,7 +3650,7 @@
     </p:spTree>
     <p:extLst>
       <p:ext uri="{BB962C8B-B14F-4D97-AF65-F5344CB8AC3E}">
-        <p14:creationId xmlns:p14="http://schemas.microsoft.com/office/powerpoint/2010/main" xmlns="" val="1354444463"/>
+        <p14:creationId xmlns:p14="http://schemas.microsoft.com/office/powerpoint/2010/main" val="1354444463"/>
       </p:ext>
     </p:extLst>
   </p:cSld>
@@ -3772,7 +3772,7 @@
     </p:spTree>
     <p:extLst>
       <p:ext uri="{BB962C8B-B14F-4D97-AF65-F5344CB8AC3E}">
-        <p14:creationId xmlns:p14="http://schemas.microsoft.com/office/powerpoint/2010/main" xmlns="" val="1265940335"/>
+        <p14:creationId xmlns:p14="http://schemas.microsoft.com/office/powerpoint/2010/main" val="1265940335"/>
       </p:ext>
     </p:extLst>
   </p:cSld>
@@ -3894,7 +3894,7 @@
     </p:spTree>
     <p:extLst>
       <p:ext uri="{BB962C8B-B14F-4D97-AF65-F5344CB8AC3E}">
-        <p14:creationId xmlns:p14="http://schemas.microsoft.com/office/powerpoint/2010/main" xmlns="" val="2687369029"/>
+        <p14:creationId xmlns:p14="http://schemas.microsoft.com/office/powerpoint/2010/main" val="2687369029"/>
       </p:ext>
     </p:extLst>
   </p:cSld>
@@ -4016,7 +4016,7 @@
     </p:spTree>
     <p:extLst>
       <p:ext uri="{BB962C8B-B14F-4D97-AF65-F5344CB8AC3E}">
-        <p14:creationId xmlns:p14="http://schemas.microsoft.com/office/powerpoint/2010/main" xmlns="" val="2323719904"/>
+        <p14:creationId xmlns:p14="http://schemas.microsoft.com/office/powerpoint/2010/main" val="2323719904"/>
       </p:ext>
     </p:extLst>
   </p:cSld>
@@ -4138,7 +4138,7 @@
     </p:spTree>
     <p:extLst>
       <p:ext uri="{BB962C8B-B14F-4D97-AF65-F5344CB8AC3E}">
-        <p14:creationId xmlns:p14="http://schemas.microsoft.com/office/powerpoint/2010/main" xmlns="" val="1455822051"/>
+        <p14:creationId xmlns:p14="http://schemas.microsoft.com/office/powerpoint/2010/main" val="1455822051"/>
       </p:ext>
     </p:extLst>
   </p:cSld>
@@ -4260,7 +4260,7 @@
     </p:spTree>
     <p:extLst>
       <p:ext uri="{BB962C8B-B14F-4D97-AF65-F5344CB8AC3E}">
-        <p14:creationId xmlns:p14="http://schemas.microsoft.com/office/powerpoint/2010/main" xmlns="" val="3318547516"/>
+        <p14:creationId xmlns:p14="http://schemas.microsoft.com/office/powerpoint/2010/main" val="3318547516"/>
       </p:ext>
     </p:extLst>
   </p:cSld>
@@ -4382,7 +4382,7 @@
     </p:spTree>
     <p:extLst>
       <p:ext uri="{BB962C8B-B14F-4D97-AF65-F5344CB8AC3E}">
-        <p14:creationId xmlns:p14="http://schemas.microsoft.com/office/powerpoint/2010/main" xmlns="" val="521475189"/>
+        <p14:creationId xmlns:p14="http://schemas.microsoft.com/office/powerpoint/2010/main" val="521475189"/>
       </p:ext>
     </p:extLst>
   </p:cSld>
@@ -4504,7 +4504,7 @@
     </p:spTree>
     <p:extLst>
       <p:ext uri="{BB962C8B-B14F-4D97-AF65-F5344CB8AC3E}">
-        <p14:creationId xmlns:p14="http://schemas.microsoft.com/office/powerpoint/2010/main" xmlns="" val="1520364575"/>
+        <p14:creationId xmlns:p14="http://schemas.microsoft.com/office/powerpoint/2010/main" val="1520364575"/>
       </p:ext>
     </p:extLst>
   </p:cSld>
@@ -4626,7 +4626,7 @@
     </p:spTree>
     <p:extLst>
       <p:ext uri="{BB962C8B-B14F-4D97-AF65-F5344CB8AC3E}">
-        <p14:creationId xmlns:p14="http://schemas.microsoft.com/office/powerpoint/2010/main" xmlns="" val="2660516330"/>
+        <p14:creationId xmlns:p14="http://schemas.microsoft.com/office/powerpoint/2010/main" val="2660516330"/>
       </p:ext>
     </p:extLst>
   </p:cSld>
@@ -4748,7 +4748,7 @@
     </p:spTree>
     <p:extLst>
       <p:ext uri="{BB962C8B-B14F-4D97-AF65-F5344CB8AC3E}">
-        <p14:creationId xmlns:p14="http://schemas.microsoft.com/office/powerpoint/2010/main" xmlns="" val="3973176568"/>
+        <p14:creationId xmlns:p14="http://schemas.microsoft.com/office/powerpoint/2010/main" val="3973176568"/>
       </p:ext>
     </p:extLst>
   </p:cSld>
@@ -4870,7 +4870,7 @@
     </p:spTree>
     <p:extLst>
       <p:ext uri="{BB962C8B-B14F-4D97-AF65-F5344CB8AC3E}">
-        <p14:creationId xmlns:p14="http://schemas.microsoft.com/office/powerpoint/2010/main" xmlns="" val="940175915"/>
+        <p14:creationId xmlns:p14="http://schemas.microsoft.com/office/powerpoint/2010/main" val="940175915"/>
       </p:ext>
     </p:extLst>
   </p:cSld>
@@ -4992,7 +4992,7 @@
     </p:spTree>
     <p:extLst>
       <p:ext uri="{BB962C8B-B14F-4D97-AF65-F5344CB8AC3E}">
-        <p14:creationId xmlns:p14="http://schemas.microsoft.com/office/powerpoint/2010/main" xmlns="" val="1872864231"/>
+        <p14:creationId xmlns:p14="http://schemas.microsoft.com/office/powerpoint/2010/main" val="1872864231"/>
       </p:ext>
     </p:extLst>
   </p:cSld>
@@ -5114,7 +5114,7 @@
     </p:spTree>
     <p:extLst>
       <p:ext uri="{BB962C8B-B14F-4D97-AF65-F5344CB8AC3E}">
-        <p14:creationId xmlns:p14="http://schemas.microsoft.com/office/powerpoint/2010/main" xmlns="" val="2809603695"/>
+        <p14:creationId xmlns:p14="http://schemas.microsoft.com/office/powerpoint/2010/main" val="2809603695"/>
       </p:ext>
     </p:extLst>
   </p:cSld>
@@ -5236,7 +5236,7 @@
     </p:spTree>
     <p:extLst>
       <p:ext uri="{BB962C8B-B14F-4D97-AF65-F5344CB8AC3E}">
-        <p14:creationId xmlns:p14="http://schemas.microsoft.com/office/powerpoint/2010/main" xmlns="" val="1872864231"/>
+        <p14:creationId xmlns:p14="http://schemas.microsoft.com/office/powerpoint/2010/main" val="1872864231"/>
       </p:ext>
     </p:extLst>
   </p:cSld>
@@ -5358,7 +5358,7 @@
     </p:spTree>
     <p:extLst>
       <p:ext uri="{BB962C8B-B14F-4D97-AF65-F5344CB8AC3E}">
-        <p14:creationId xmlns:p14="http://schemas.microsoft.com/office/powerpoint/2010/main" xmlns="" val="1872864231"/>
+        <p14:creationId xmlns:p14="http://schemas.microsoft.com/office/powerpoint/2010/main" val="1872864231"/>
       </p:ext>
     </p:extLst>
   </p:cSld>
@@ -5480,7 +5480,7 @@
     </p:spTree>
     <p:extLst>
       <p:ext uri="{BB962C8B-B14F-4D97-AF65-F5344CB8AC3E}">
-        <p14:creationId xmlns:p14="http://schemas.microsoft.com/office/powerpoint/2010/main" xmlns="" val="1872864231"/>
+        <p14:creationId xmlns:p14="http://schemas.microsoft.com/office/powerpoint/2010/main" val="1872864231"/>
       </p:ext>
     </p:extLst>
   </p:cSld>
@@ -5602,7 +5602,7 @@
     </p:spTree>
     <p:extLst>
       <p:ext uri="{BB962C8B-B14F-4D97-AF65-F5344CB8AC3E}">
-        <p14:creationId xmlns:p14="http://schemas.microsoft.com/office/powerpoint/2010/main" xmlns="" val="970742463"/>
+        <p14:creationId xmlns:p14="http://schemas.microsoft.com/office/powerpoint/2010/main" val="970742463"/>
       </p:ext>
     </p:extLst>
   </p:cSld>
@@ -5724,7 +5724,7 @@
     </p:spTree>
     <p:extLst>
       <p:ext uri="{BB962C8B-B14F-4D97-AF65-F5344CB8AC3E}">
-        <p14:creationId xmlns:p14="http://schemas.microsoft.com/office/powerpoint/2010/main" xmlns="" val="2718065938"/>
+        <p14:creationId xmlns:p14="http://schemas.microsoft.com/office/powerpoint/2010/main" val="2718065938"/>
       </p:ext>
     </p:extLst>
   </p:cSld>
@@ -8488,14 +8488,14 @@
           <a:effectLst/>
           <a:extLst>
             <a:ext uri="{909E8E84-426E-40DD-AFC4-6F175D3DCCD1}">
-              <a14:hiddenFill xmlns:a14="http://schemas.microsoft.com/office/drawing/2010/main" xmlns="">
+              <a14:hiddenFill xmlns:a14="http://schemas.microsoft.com/office/drawing/2010/main">
                 <a:solidFill>
                   <a:srgbClr val="FFFFFF"/>
                 </a:solidFill>
               </a14:hiddenFill>
             </a:ext>
             <a:ext uri="{91240B29-F687-4F45-9708-019B960494DF}">
-              <a14:hiddenLine xmlns:a14="http://schemas.microsoft.com/office/drawing/2010/main" xmlns="" w="9525">
+              <a14:hiddenLine xmlns:a14="http://schemas.microsoft.com/office/drawing/2010/main" w="9525">
                 <a:solidFill>
                   <a:srgbClr val="000000"/>
                 </a:solidFill>
@@ -8505,7 +8505,7 @@
               </a14:hiddenLine>
             </a:ext>
             <a:ext uri="{AF507438-7753-43E0-B8FC-AC1667EBCBE1}">
-              <a14:hiddenEffects xmlns:a14="http://schemas.microsoft.com/office/drawing/2010/main" xmlns="">
+              <a14:hiddenEffects xmlns:a14="http://schemas.microsoft.com/office/drawing/2010/main">
                 <a:effectLst>
                   <a:outerShdw dist="35921" dir="2700000" algn="ctr" rotWithShape="0">
                     <a:schemeClr val="bg2"/>
@@ -8579,14 +8579,14 @@
           <a:effectLst/>
           <a:extLst>
             <a:ext uri="{909E8E84-426E-40DD-AFC4-6F175D3DCCD1}">
-              <a14:hiddenFill xmlns:a14="http://schemas.microsoft.com/office/drawing/2010/main" xmlns="">
+              <a14:hiddenFill xmlns:a14="http://schemas.microsoft.com/office/drawing/2010/main">
                 <a:solidFill>
                   <a:srgbClr val="FFFFFF"/>
                 </a:solidFill>
               </a14:hiddenFill>
             </a:ext>
             <a:ext uri="{91240B29-F687-4F45-9708-019B960494DF}">
-              <a14:hiddenLine xmlns:a14="http://schemas.microsoft.com/office/drawing/2010/main" xmlns="" w="9525">
+              <a14:hiddenLine xmlns:a14="http://schemas.microsoft.com/office/drawing/2010/main" w="9525">
                 <a:solidFill>
                   <a:srgbClr val="000000"/>
                 </a:solidFill>
@@ -8596,7 +8596,7 @@
               </a14:hiddenLine>
             </a:ext>
             <a:ext uri="{AF507438-7753-43E0-B8FC-AC1667EBCBE1}">
-              <a14:hiddenEffects xmlns:a14="http://schemas.microsoft.com/office/drawing/2010/main" xmlns="">
+              <a14:hiddenEffects xmlns:a14="http://schemas.microsoft.com/office/drawing/2010/main">
                 <a:effectLst>
                   <a:outerShdw dist="35921" dir="2700000" algn="ctr" rotWithShape="0">
                     <a:schemeClr val="bg2"/>
@@ -8671,14 +8671,14 @@
           <a:effectLst/>
           <a:extLst>
             <a:ext uri="{909E8E84-426E-40DD-AFC4-6F175D3DCCD1}">
-              <a14:hiddenFill xmlns:a14="http://schemas.microsoft.com/office/drawing/2010/main" xmlns="">
+              <a14:hiddenFill xmlns:a14="http://schemas.microsoft.com/office/drawing/2010/main">
                 <a:solidFill>
                   <a:srgbClr val="FFFFFF"/>
                 </a:solidFill>
               </a14:hiddenFill>
             </a:ext>
             <a:ext uri="{91240B29-F687-4F45-9708-019B960494DF}">
-              <a14:hiddenLine xmlns:a14="http://schemas.microsoft.com/office/drawing/2010/main" xmlns="" w="9525">
+              <a14:hiddenLine xmlns:a14="http://schemas.microsoft.com/office/drawing/2010/main" w="9525">
                 <a:solidFill>
                   <a:srgbClr val="000000"/>
                 </a:solidFill>
@@ -8688,7 +8688,7 @@
               </a14:hiddenLine>
             </a:ext>
             <a:ext uri="{AF507438-7753-43E0-B8FC-AC1667EBCBE1}">
-              <a14:hiddenEffects xmlns:a14="http://schemas.microsoft.com/office/drawing/2010/main" xmlns="">
+              <a14:hiddenEffects xmlns:a14="http://schemas.microsoft.com/office/drawing/2010/main">
                 <a:effectLst>
                   <a:outerShdw dist="35921" dir="2700000" algn="ctr" rotWithShape="0">
                     <a:schemeClr val="bg2"/>
@@ -23564,53 +23564,53 @@
               </a:tabLst>
             </a:pPr>
             <a:r>
-              <a:rPr lang="de-DE" altLang="de-DE" sz="2600" smtClean="0"/>
+              <a:rPr lang="de-DE" altLang="de-DE" sz="2600" dirty="0" smtClean="0"/>
               <a:t>Schreiben Sie eine Methode </a:t>
             </a:r>
             <a:r>
-              <a:rPr lang="de-DE" altLang="de-DE" sz="2600" smtClean="0">
+              <a:rPr lang="de-DE" altLang="de-DE" sz="2600" dirty="0" err="1" smtClean="0">
                 <a:latin typeface="Courier New" pitchFamily="49" charset="0"/>
               </a:rPr>
               <a:t>bruchDarstellen</a:t>
             </a:r>
             <a:r>
-              <a:rPr lang="de-DE" altLang="de-DE" sz="2600" smtClean="0"/>
+              <a:rPr lang="de-DE" altLang="de-DE" sz="2600" dirty="0" smtClean="0"/>
               <a:t>, die zwei Parameter vom Typ </a:t>
             </a:r>
             <a:r>
-              <a:rPr lang="de-DE" altLang="de-DE" sz="2600" smtClean="0">
+              <a:rPr lang="de-DE" altLang="de-DE" sz="2600" dirty="0" err="1" smtClean="0">
                 <a:latin typeface="Courier New" pitchFamily="49" charset="0"/>
               </a:rPr>
               <a:t>int</a:t>
             </a:r>
             <a:r>
-              <a:rPr lang="de-DE" altLang="de-DE" sz="2600" smtClean="0"/>
+              <a:rPr lang="de-DE" altLang="de-DE" sz="2600" dirty="0" smtClean="0"/>
               <a:t> erwartet (</a:t>
             </a:r>
             <a:r>
-              <a:rPr lang="de-DE" altLang="de-DE" sz="2600" smtClean="0">
+              <a:rPr lang="de-DE" altLang="de-DE" sz="2600" dirty="0" err="1" smtClean="0">
                 <a:latin typeface="Courier New" pitchFamily="49" charset="0"/>
               </a:rPr>
               <a:t>zaehler</a:t>
             </a:r>
             <a:r>
-              <a:rPr lang="de-DE" altLang="de-DE" sz="2600" smtClean="0"/>
+              <a:rPr lang="de-DE" altLang="de-DE" sz="2600" dirty="0" smtClean="0"/>
               <a:t> und </a:t>
             </a:r>
             <a:r>
-              <a:rPr lang="de-DE" altLang="de-DE" sz="2600" smtClean="0">
+              <a:rPr lang="de-DE" altLang="de-DE" sz="2600" dirty="0" err="1" smtClean="0">
                 <a:latin typeface="Courier New" pitchFamily="49" charset="0"/>
               </a:rPr>
               <a:t>nenner</a:t>
             </a:r>
             <a:r>
-              <a:rPr lang="de-DE" altLang="de-DE" sz="2600" smtClean="0"/>
+              <a:rPr lang="de-DE" altLang="de-DE" sz="2600" dirty="0" smtClean="0"/>
               <a:t>) und kein Ergebnis liefert.</a:t>
             </a:r>
             <a:br>
-              <a:rPr lang="de-DE" altLang="de-DE" sz="2600" smtClean="0"/>
+              <a:rPr lang="de-DE" altLang="de-DE" sz="2600" dirty="0" smtClean="0"/>
             </a:br>
-            <a:endParaRPr lang="de-DE" altLang="de-DE" sz="2600" smtClean="0"/>
+            <a:endParaRPr lang="de-DE" altLang="de-DE" sz="2600" dirty="0" smtClean="0"/>
           </a:p>
           <a:p>
             <a:pPr marL="269875" indent="-269875" eaLnBrk="1">
@@ -23636,41 +23636,57 @@
               </a:tabLst>
             </a:pPr>
             <a:r>
-              <a:rPr lang="de-DE" altLang="de-DE" sz="2600" smtClean="0"/>
+              <a:rPr lang="de-DE" altLang="de-DE" sz="2600" dirty="0" smtClean="0"/>
               <a:t>Diese Methode soll drei Zeilen auf der Konsole nach folgendem Muster ausgeben:</a:t>
             </a:r>
             <a:br>
-              <a:rPr lang="de-DE" altLang="de-DE" sz="2600" smtClean="0"/>
+              <a:rPr lang="de-DE" altLang="de-DE" sz="2600" dirty="0" smtClean="0"/>
             </a:br>
             <a:r>
-              <a:rPr lang="de-DE" altLang="de-DE" sz="2600" smtClean="0"/>
+              <a:rPr lang="de-DE" altLang="de-DE" sz="2600" dirty="0" smtClean="0"/>
               <a:t/>
             </a:r>
             <a:br>
-              <a:rPr lang="de-DE" altLang="de-DE" sz="2600" smtClean="0"/>
+              <a:rPr lang="de-DE" altLang="de-DE" sz="2600" dirty="0" smtClean="0"/>
             </a:br>
             <a:r>
-              <a:rPr lang="de-DE" altLang="de-DE" sz="2600" smtClean="0"/>
-              <a:t>&lt;wert von zaehler&gt;</a:t>
+              <a:rPr lang="de-DE" altLang="de-DE" sz="2600" dirty="0" smtClean="0"/>
+              <a:t>&lt;wert von </a:t>
+            </a:r>
+            <a:r>
+              <a:rPr lang="de-DE" altLang="de-DE" sz="2600" dirty="0" err="1" smtClean="0"/>
+              <a:t>zaehler</a:t>
+            </a:r>
+            <a:r>
+              <a:rPr lang="de-DE" altLang="de-DE" sz="2600" dirty="0" smtClean="0"/>
+              <a:t>&gt;</a:t>
             </a:r>
             <a:br>
-              <a:rPr lang="de-DE" altLang="de-DE" sz="2600" smtClean="0"/>
+              <a:rPr lang="de-DE" altLang="de-DE" sz="2600" dirty="0" smtClean="0"/>
             </a:br>
             <a:r>
-              <a:rPr lang="de-DE" altLang="de-DE" sz="2600" smtClean="0"/>
+              <a:rPr lang="de-DE" altLang="de-DE" sz="2600" dirty="0" smtClean="0"/>
               <a:t>--------------------------    =    &lt;kommazahl&gt;</a:t>
             </a:r>
             <a:br>
-              <a:rPr lang="de-DE" altLang="de-DE" sz="2600" smtClean="0"/>
+              <a:rPr lang="de-DE" altLang="de-DE" sz="2600" dirty="0" smtClean="0"/>
             </a:br>
             <a:r>
-              <a:rPr lang="de-DE" altLang="de-DE" sz="2600" smtClean="0"/>
-              <a:t>&lt;wert von nenner&gt;</a:t>
+              <a:rPr lang="de-DE" altLang="de-DE" sz="2600" dirty="0" smtClean="0"/>
+              <a:t>&lt;wert von </a:t>
+            </a:r>
+            <a:r>
+              <a:rPr lang="de-DE" altLang="de-DE" sz="2600" dirty="0" err="1" smtClean="0"/>
+              <a:t>nenner</a:t>
+            </a:r>
+            <a:r>
+              <a:rPr lang="de-DE" altLang="de-DE" sz="2600" dirty="0" smtClean="0"/>
+              <a:t>&gt;</a:t>
             </a:r>
             <a:br>
-              <a:rPr lang="de-DE" altLang="de-DE" sz="2600" smtClean="0"/>
+              <a:rPr lang="de-DE" altLang="de-DE" sz="2600" dirty="0" smtClean="0"/>
             </a:br>
-            <a:endParaRPr lang="de-DE" altLang="de-DE" sz="2600" smtClean="0"/>
+            <a:endParaRPr lang="de-DE" altLang="de-DE" sz="2600" dirty="0" smtClean="0"/>
           </a:p>
           <a:p>
             <a:pPr marL="269875" indent="-269875" eaLnBrk="1">
@@ -23696,8 +23712,40 @@
               </a:tabLst>
             </a:pPr>
             <a:r>
-              <a:rPr lang="de-DE" altLang="de-DE" sz="2600" smtClean="0"/>
-              <a:t>Testen Sie die Methode, indem Sie sie mindestens dreimal verwenden.</a:t>
+              <a:rPr lang="de-DE" altLang="de-DE" sz="2600" dirty="0" smtClean="0"/>
+              <a:t>Testen Sie die Methode, indem Sie sie mindestens dreimal verwenden</a:t>
+            </a:r>
+            <a:r>
+              <a:rPr lang="de-DE" altLang="de-DE" sz="2600" dirty="0" smtClean="0"/>
+              <a:t>.</a:t>
+            </a:r>
+          </a:p>
+          <a:p>
+            <a:pPr marL="269875" indent="-269875" eaLnBrk="1">
+              <a:spcAft>
+                <a:spcPct val="0"/>
+              </a:spcAft>
+              <a:buSzPct val="45000"/>
+              <a:buFont typeface="Wingdings" charset="2"/>
+              <a:buChar char=""/>
+              <a:tabLst>
+                <a:tab pos="723900" algn="l"/>
+                <a:tab pos="1447800" algn="l"/>
+                <a:tab pos="2171700" algn="l"/>
+                <a:tab pos="2895600" algn="l"/>
+                <a:tab pos="3619500" algn="l"/>
+                <a:tab pos="4343400" algn="l"/>
+                <a:tab pos="5067300" algn="l"/>
+                <a:tab pos="5791200" algn="l"/>
+                <a:tab pos="6515100" algn="l"/>
+                <a:tab pos="7239000" algn="l"/>
+                <a:tab pos="7962900" algn="l"/>
+                <a:tab pos="8686800" algn="l"/>
+              </a:tabLst>
+            </a:pPr>
+            <a:r>
+              <a:rPr lang="de-DE" altLang="de-DE" sz="2600" dirty="0" smtClean="0"/>
+              <a:t>Bonus: Sorgen Sie für die richtige Länge des Bruchstrichs!</a:t>
             </a:r>
           </a:p>
           <a:p>
@@ -23723,7 +23771,7 @@
                 <a:tab pos="8686800" algn="l"/>
               </a:tabLst>
             </a:pPr>
-            <a:endParaRPr lang="de-DE" altLang="de-DE" smtClean="0"/>
+            <a:endParaRPr lang="de-DE" altLang="de-DE" dirty="0" smtClean="0"/>
           </a:p>
           <a:p>
             <a:pPr marL="269875" indent="-269875" eaLnBrk="1">
@@ -23748,7 +23796,7 @@
                 <a:tab pos="8686800" algn="l"/>
               </a:tabLst>
             </a:pPr>
-            <a:endParaRPr lang="de-DE" altLang="de-DE" smtClean="0"/>
+            <a:endParaRPr lang="de-DE" altLang="de-DE" dirty="0" smtClean="0"/>
           </a:p>
         </p:txBody>
       </p:sp>
@@ -27006,7 +27054,7 @@
     </p:spTree>
     <p:extLst>
       <p:ext uri="{BB962C8B-B14F-4D97-AF65-F5344CB8AC3E}">
-        <p14:creationId xmlns:p14="http://schemas.microsoft.com/office/powerpoint/2010/main" xmlns="" val="2698768157"/>
+        <p14:creationId xmlns:p14="http://schemas.microsoft.com/office/powerpoint/2010/main" val="2698768157"/>
       </p:ext>
     </p:extLst>
   </p:cSld>
@@ -27582,11 +27630,6 @@
               </a:rPr>
               <a:t> passiert</a:t>
             </a:r>
-            <a:endParaRPr lang="de-DE" altLang="de-DE" sz="4000" dirty="0" smtClean="0">
-              <a:solidFill>
-                <a:srgbClr val="FFFFFF"/>
-              </a:solidFill>
-            </a:endParaRPr>
           </a:p>
         </p:txBody>
       </p:sp>
@@ -27812,7 +27855,6 @@
               <a:rPr lang="de-DE" altLang="de-DE" sz="2800" dirty="0" smtClean="0"/>
               <a:t> in angemeldetem Zustand</a:t>
             </a:r>
-            <a:endParaRPr lang="de-DE" altLang="de-DE" sz="2800" dirty="0" smtClean="0"/>
           </a:p>
         </p:txBody>
       </p:sp>
@@ -27854,7 +27896,7 @@
     </p:spTree>
     <p:extLst>
       <p:ext uri="{BB962C8B-B14F-4D97-AF65-F5344CB8AC3E}">
-        <p14:creationId xmlns:p14="http://schemas.microsoft.com/office/powerpoint/2010/main" xmlns="" val="2698768157"/>
+        <p14:creationId xmlns:p14="http://schemas.microsoft.com/office/powerpoint/2010/main" val="2698768157"/>
       </p:ext>
     </p:extLst>
   </p:cSld>
@@ -28086,11 +28128,6 @@
               </a:rPr>
               <a:t>-Stalking</a:t>
             </a:r>
-            <a:endParaRPr lang="de-DE" altLang="de-DE" sz="4000" dirty="0" smtClean="0">
-              <a:solidFill>
-                <a:srgbClr val="FFFFFF"/>
-              </a:solidFill>
-            </a:endParaRPr>
           </a:p>
         </p:txBody>
       </p:sp>
@@ -28446,7 +28483,6 @@
               <a:rPr lang="de-DE" altLang="de-DE" sz="2000" dirty="0" smtClean="0"/>
               <a:t>Stern für Repository vergeben</a:t>
             </a:r>
-            <a:endParaRPr lang="de-DE" altLang="de-DE" sz="2000" dirty="0" smtClean="0"/>
           </a:p>
           <a:p>
             <a:pPr marL="269875" indent="-269875" eaLnBrk="1">
@@ -28508,7 +28544,7 @@
     </p:spTree>
     <p:extLst>
       <p:ext uri="{BB962C8B-B14F-4D97-AF65-F5344CB8AC3E}">
-        <p14:creationId xmlns:p14="http://schemas.microsoft.com/office/powerpoint/2010/main" xmlns="" val="2698768157"/>
+        <p14:creationId xmlns:p14="http://schemas.microsoft.com/office/powerpoint/2010/main" val="2698768157"/>
       </p:ext>
     </p:extLst>
   </p:cSld>
@@ -28740,11 +28776,6 @@
               </a:rPr>
               <a:t>-Sternchen</a:t>
             </a:r>
-            <a:endParaRPr lang="de-DE" altLang="de-DE" sz="4000" dirty="0" smtClean="0">
-              <a:solidFill>
-                <a:srgbClr val="FFFFFF"/>
-              </a:solidFill>
-            </a:endParaRPr>
           </a:p>
         </p:txBody>
       </p:sp>
@@ -28792,23 +28823,13 @@
             </a:pPr>
             <a:r>
               <a:rPr lang="de-DE" altLang="de-DE" sz="2800" dirty="0" smtClean="0"/>
-              <a:t>Besuchen Sie ein für Sie interessantes Repository, z.B</a:t>
-            </a:r>
-            <a:r>
-              <a:rPr lang="de-DE" altLang="de-DE" sz="2800" dirty="0" smtClean="0"/>
-              <a:t>. </a:t>
+              <a:t>Besuchen Sie ein für Sie interessantes Repository, z.B. </a:t>
             </a:r>
             <a:r>
               <a:rPr lang="de-DE" altLang="de-DE" sz="2000" dirty="0" smtClean="0">
                 <a:hlinkClick r:id="rId3"/>
               </a:rPr>
-              <a:t>https://</a:t>
-            </a:r>
-            <a:r>
-              <a:rPr lang="de-DE" altLang="de-DE" sz="2000" dirty="0" smtClean="0">
-                <a:hlinkClick r:id="rId3"/>
-              </a:rPr>
-              <a:t>github.com/nordakademie-einfuehrung-java/vorlesungsskript</a:t>
+              <a:t>https://github.com/nordakademie-einfuehrung-java/vorlesungsskript</a:t>
             </a:r>
             <a:r>
               <a:rPr lang="de-DE" altLang="de-DE" sz="2800" dirty="0" smtClean="0"/>
@@ -29000,7 +29021,6 @@
               <a:rPr lang="de-DE" altLang="de-DE" sz="2800" dirty="0" smtClean="0"/>
               <a:t>Finden Sie ein Repository besonders toll, oder wollen es sich für später „merken“, können Sie es mit einem Sternchen versehen</a:t>
             </a:r>
-            <a:endParaRPr lang="de-DE" altLang="de-DE" sz="2800" dirty="0" smtClean="0"/>
           </a:p>
         </p:txBody>
       </p:sp>
@@ -29042,7 +29062,7 @@
     </p:spTree>
     <p:extLst>
       <p:ext uri="{BB962C8B-B14F-4D97-AF65-F5344CB8AC3E}">
-        <p14:creationId xmlns:p14="http://schemas.microsoft.com/office/powerpoint/2010/main" xmlns="" val="2698768157"/>
+        <p14:creationId xmlns:p14="http://schemas.microsoft.com/office/powerpoint/2010/main" val="2698768157"/>
       </p:ext>
     </p:extLst>
   </p:cSld>
@@ -30145,7 +30165,7 @@
         <a:effectLst/>
         <a:extLst>
           <a:ext uri="{AF507438-7753-43E0-B8FC-AC1667EBCBE1}">
-            <a14:hiddenEffects xmlns:a14="http://schemas.microsoft.com/office/drawing/2010/main" xmlns="">
+            <a14:hiddenEffects xmlns:a14="http://schemas.microsoft.com/office/drawing/2010/main">
               <a:effectLst>
                 <a:outerShdw dist="35921" dir="2700000" algn="ctr" rotWithShape="0">
                   <a:schemeClr val="bg2"/>
@@ -30218,7 +30238,7 @@
         <a:effectLst/>
         <a:extLst>
           <a:ext uri="{AF507438-7753-43E0-B8FC-AC1667EBCBE1}">
-            <a14:hiddenEffects xmlns:a14="http://schemas.microsoft.com/office/drawing/2010/main" xmlns="">
+            <a14:hiddenEffects xmlns:a14="http://schemas.microsoft.com/office/drawing/2010/main">
               <a:effectLst>
                 <a:outerShdw dist="35921" dir="2700000" algn="ctr" rotWithShape="0">
                   <a:schemeClr val="bg2"/>
@@ -30554,7 +30574,7 @@
   </a:extraClrSchemeLst>
   <a:extLst>
     <a:ext uri="{05A4C25C-085E-4340-85A3-A5531E510DB2}">
-      <thm15:themeFamily xmlns:thm15="http://schemas.microsoft.com/office/thememl/2012/main" xmlns="" name="Office Theme" id="{62F939B6-93AF-4DB8-9C6B-D6C7DFDC589F}" vid="{4A3C46E8-61CC-4603-A589-7422A47A8E4A}"/>
+      <thm15:themeFamily xmlns:thm15="http://schemas.microsoft.com/office/thememl/2012/main" name="Office Theme" id="{62F939B6-93AF-4DB8-9C6B-D6C7DFDC589F}" vid="{4A3C46E8-61CC-4603-A589-7422A47A8E4A}"/>
     </a:ext>
   </a:extLst>
 </a:theme>
@@ -30815,7 +30835,7 @@
   <a:extraClrSchemeLst/>
   <a:extLst>
     <a:ext uri="{05A4C25C-085E-4340-85A3-A5531E510DB2}">
-      <thm15:themeFamily xmlns:thm15="http://schemas.microsoft.com/office/thememl/2012/main" xmlns="" name="Office Theme" id="{62F939B6-93AF-4DB8-9C6B-D6C7DFDC589F}" vid="{4A3C46E8-61CC-4603-A589-7422A47A8E4A}"/>
+      <thm15:themeFamily xmlns:thm15="http://schemas.microsoft.com/office/thememl/2012/main" name="Office Theme" id="{62F939B6-93AF-4DB8-9C6B-D6C7DFDC589F}" vid="{4A3C46E8-61CC-4603-A589-7422A47A8E4A}"/>
     </a:ext>
   </a:extLst>
 </a:theme>

--- a/folien/Semester_03_Termin_04_Kapitel04.pptx
+++ b/folien/Semester_03_Termin_04_Kapitel04.pptx
@@ -323,7 +323,7 @@
           <a:lstStyle/>
           <a:p>
             <a:pPr lvl="0"/>
-            <a:endParaRPr lang="de-DE" altLang="de-DE" noProof="0" smtClean="0"/>
+            <a:endParaRPr lang="de-DE" altLang="de-DE" noProof="0"/>
           </a:p>
         </p:txBody>
       </p:sp>
@@ -957,7 +957,7 @@
           <a:bodyPr wrap="none" anchor="ctr"/>
           <a:lstStyle/>
           <a:p>
-            <a:endParaRPr lang="de-DE" altLang="de-DE" smtClean="0">
+            <a:endParaRPr lang="de-DE" altLang="de-DE">
               <a:latin typeface="Times New Roman" pitchFamily="16" charset="0"/>
             </a:endParaRPr>
           </a:p>
@@ -1079,7 +1079,7 @@
           <a:bodyPr wrap="none" anchor="ctr"/>
           <a:lstStyle/>
           <a:p>
-            <a:endParaRPr lang="de-DE" altLang="de-DE" smtClean="0">
+            <a:endParaRPr lang="de-DE" altLang="de-DE">
               <a:latin typeface="Times New Roman" pitchFamily="16" charset="0"/>
             </a:endParaRPr>
           </a:p>
@@ -1201,7 +1201,7 @@
           <a:bodyPr wrap="none" anchor="ctr"/>
           <a:lstStyle/>
           <a:p>
-            <a:endParaRPr lang="de-DE" altLang="de-DE" smtClean="0">
+            <a:endParaRPr lang="de-DE" altLang="de-DE">
               <a:latin typeface="Times New Roman" pitchFamily="16" charset="0"/>
             </a:endParaRPr>
           </a:p>
@@ -1323,7 +1323,7 @@
           <a:bodyPr wrap="none" anchor="ctr"/>
           <a:lstStyle/>
           <a:p>
-            <a:endParaRPr lang="de-DE" altLang="de-DE" smtClean="0">
+            <a:endParaRPr lang="de-DE" altLang="de-DE">
               <a:latin typeface="Times New Roman" pitchFamily="16" charset="0"/>
             </a:endParaRPr>
           </a:p>
@@ -1445,7 +1445,7 @@
           <a:bodyPr wrap="none" anchor="ctr"/>
           <a:lstStyle/>
           <a:p>
-            <a:endParaRPr lang="de-DE" altLang="de-DE" smtClean="0">
+            <a:endParaRPr lang="de-DE" altLang="de-DE">
               <a:latin typeface="Times New Roman" pitchFamily="16" charset="0"/>
             </a:endParaRPr>
           </a:p>
@@ -1567,7 +1567,7 @@
           <a:bodyPr wrap="none" anchor="ctr"/>
           <a:lstStyle/>
           <a:p>
-            <a:endParaRPr lang="de-DE" altLang="de-DE" smtClean="0">
+            <a:endParaRPr lang="de-DE" altLang="de-DE">
               <a:latin typeface="Times New Roman" pitchFamily="16" charset="0"/>
             </a:endParaRPr>
           </a:p>
@@ -1689,7 +1689,7 @@
           <a:bodyPr wrap="none" anchor="ctr"/>
           <a:lstStyle/>
           <a:p>
-            <a:endParaRPr lang="de-DE" altLang="de-DE" smtClean="0">
+            <a:endParaRPr lang="de-DE" altLang="de-DE">
               <a:latin typeface="Times New Roman" pitchFamily="16" charset="0"/>
             </a:endParaRPr>
           </a:p>
@@ -1811,7 +1811,7 @@
           <a:bodyPr wrap="none" anchor="ctr"/>
           <a:lstStyle/>
           <a:p>
-            <a:endParaRPr lang="de-DE" altLang="de-DE" smtClean="0">
+            <a:endParaRPr lang="de-DE" altLang="de-DE">
               <a:latin typeface="Times New Roman" pitchFamily="16" charset="0"/>
             </a:endParaRPr>
           </a:p>
@@ -1933,7 +1933,7 @@
           <a:bodyPr wrap="none" anchor="ctr"/>
           <a:lstStyle/>
           <a:p>
-            <a:endParaRPr lang="de-DE" altLang="de-DE" smtClean="0">
+            <a:endParaRPr lang="de-DE" altLang="de-DE">
               <a:latin typeface="Times New Roman" pitchFamily="16" charset="0"/>
             </a:endParaRPr>
           </a:p>
@@ -2055,7 +2055,7 @@
           <a:bodyPr wrap="none" anchor="ctr"/>
           <a:lstStyle/>
           <a:p>
-            <a:endParaRPr lang="de-DE" altLang="de-DE" smtClean="0">
+            <a:endParaRPr lang="de-DE" altLang="de-DE">
               <a:latin typeface="Times New Roman" pitchFamily="16" charset="0"/>
             </a:endParaRPr>
           </a:p>
@@ -2177,7 +2177,7 @@
           <a:bodyPr wrap="none" anchor="ctr"/>
           <a:lstStyle/>
           <a:p>
-            <a:endParaRPr lang="de-DE" altLang="de-DE" smtClean="0">
+            <a:endParaRPr lang="de-DE" altLang="de-DE">
               <a:latin typeface="Times New Roman" pitchFamily="16" charset="0"/>
             </a:endParaRPr>
           </a:p>
@@ -2299,7 +2299,7 @@
           <a:bodyPr wrap="none" anchor="ctr"/>
           <a:lstStyle/>
           <a:p>
-            <a:endParaRPr lang="de-DE" altLang="de-DE" smtClean="0">
+            <a:endParaRPr lang="de-DE" altLang="de-DE">
               <a:latin typeface="Times New Roman" pitchFamily="16" charset="0"/>
             </a:endParaRPr>
           </a:p>
@@ -2421,7 +2421,7 @@
           <a:bodyPr wrap="none" anchor="ctr"/>
           <a:lstStyle/>
           <a:p>
-            <a:endParaRPr lang="de-DE" altLang="de-DE" smtClean="0">
+            <a:endParaRPr lang="de-DE" altLang="de-DE">
               <a:latin typeface="Times New Roman" pitchFamily="16" charset="0"/>
             </a:endParaRPr>
           </a:p>
@@ -2543,7 +2543,7 @@
           <a:bodyPr wrap="none" anchor="ctr"/>
           <a:lstStyle/>
           <a:p>
-            <a:endParaRPr lang="de-DE" altLang="de-DE" smtClean="0">
+            <a:endParaRPr lang="de-DE" altLang="de-DE">
               <a:latin typeface="Times New Roman" pitchFamily="16" charset="0"/>
             </a:endParaRPr>
           </a:p>
@@ -2665,7 +2665,7 @@
           <a:bodyPr wrap="none" anchor="ctr"/>
           <a:lstStyle/>
           <a:p>
-            <a:endParaRPr lang="de-DE" altLang="de-DE" smtClean="0">
+            <a:endParaRPr lang="de-DE" altLang="de-DE">
               <a:latin typeface="Times New Roman" pitchFamily="16" charset="0"/>
             </a:endParaRPr>
           </a:p>
@@ -2787,7 +2787,7 @@
           <a:bodyPr wrap="none" anchor="ctr"/>
           <a:lstStyle/>
           <a:p>
-            <a:endParaRPr lang="de-DE" altLang="de-DE" smtClean="0">
+            <a:endParaRPr lang="de-DE" altLang="de-DE">
               <a:latin typeface="Times New Roman" pitchFamily="16" charset="0"/>
             </a:endParaRPr>
           </a:p>
@@ -2909,7 +2909,7 @@
           <a:bodyPr wrap="none" anchor="ctr"/>
           <a:lstStyle/>
           <a:p>
-            <a:endParaRPr lang="de-DE" altLang="de-DE" smtClean="0">
+            <a:endParaRPr lang="de-DE" altLang="de-DE">
               <a:latin typeface="Times New Roman" pitchFamily="16" charset="0"/>
             </a:endParaRPr>
           </a:p>
@@ -3031,7 +3031,7 @@
           <a:bodyPr wrap="none" anchor="ctr"/>
           <a:lstStyle/>
           <a:p>
-            <a:endParaRPr lang="de-DE" altLang="de-DE" smtClean="0">
+            <a:endParaRPr lang="de-DE" altLang="de-DE">
               <a:latin typeface="Times New Roman" pitchFamily="16" charset="0"/>
             </a:endParaRPr>
           </a:p>
@@ -3153,7 +3153,7 @@
           <a:bodyPr wrap="none" anchor="ctr"/>
           <a:lstStyle/>
           <a:p>
-            <a:endParaRPr lang="de-DE" altLang="de-DE" smtClean="0">
+            <a:endParaRPr lang="de-DE" altLang="de-DE">
               <a:latin typeface="Times New Roman" pitchFamily="16" charset="0"/>
             </a:endParaRPr>
           </a:p>
@@ -3275,7 +3275,7 @@
           <a:bodyPr wrap="none" anchor="ctr"/>
           <a:lstStyle/>
           <a:p>
-            <a:endParaRPr lang="de-DE" altLang="de-DE" smtClean="0">
+            <a:endParaRPr lang="de-DE" altLang="de-DE">
               <a:latin typeface="Times New Roman" pitchFamily="16" charset="0"/>
             </a:endParaRPr>
           </a:p>
@@ -3397,7 +3397,7 @@
           <a:bodyPr wrap="none" anchor="ctr"/>
           <a:lstStyle/>
           <a:p>
-            <a:endParaRPr lang="de-DE" altLang="de-DE" smtClean="0">
+            <a:endParaRPr lang="de-DE" altLang="de-DE">
               <a:latin typeface="Times New Roman" pitchFamily="16" charset="0"/>
             </a:endParaRPr>
           </a:p>
@@ -3519,7 +3519,7 @@
           <a:bodyPr wrap="none" anchor="ctr"/>
           <a:lstStyle/>
           <a:p>
-            <a:endParaRPr lang="de-DE" altLang="de-DE" smtClean="0">
+            <a:endParaRPr lang="de-DE" altLang="de-DE">
               <a:latin typeface="Times New Roman" pitchFamily="16" charset="0"/>
             </a:endParaRPr>
           </a:p>
@@ -3641,7 +3641,7 @@
           <a:bodyPr wrap="none" anchor="ctr"/>
           <a:lstStyle/>
           <a:p>
-            <a:endParaRPr lang="de-DE" altLang="de-DE" smtClean="0">
+            <a:endParaRPr lang="de-DE" altLang="de-DE">
               <a:latin typeface="Times New Roman" pitchFamily="16" charset="0"/>
             </a:endParaRPr>
           </a:p>
@@ -3763,7 +3763,7 @@
           <a:bodyPr wrap="none" anchor="ctr"/>
           <a:lstStyle/>
           <a:p>
-            <a:endParaRPr lang="de-DE" altLang="de-DE" smtClean="0">
+            <a:endParaRPr lang="de-DE" altLang="de-DE">
               <a:latin typeface="Times New Roman" pitchFamily="16" charset="0"/>
             </a:endParaRPr>
           </a:p>
@@ -3885,7 +3885,7 @@
           <a:bodyPr wrap="none" anchor="ctr"/>
           <a:lstStyle/>
           <a:p>
-            <a:endParaRPr lang="de-DE" altLang="de-DE" smtClean="0">
+            <a:endParaRPr lang="de-DE" altLang="de-DE">
               <a:latin typeface="Times New Roman" pitchFamily="16" charset="0"/>
             </a:endParaRPr>
           </a:p>
@@ -4007,7 +4007,7 @@
           <a:bodyPr wrap="none" anchor="ctr"/>
           <a:lstStyle/>
           <a:p>
-            <a:endParaRPr lang="de-DE" altLang="de-DE" smtClean="0">
+            <a:endParaRPr lang="de-DE" altLang="de-DE">
               <a:latin typeface="Times New Roman" pitchFamily="16" charset="0"/>
             </a:endParaRPr>
           </a:p>
@@ -4129,7 +4129,7 @@
           <a:bodyPr wrap="none" anchor="ctr"/>
           <a:lstStyle/>
           <a:p>
-            <a:endParaRPr lang="de-DE" altLang="de-DE" smtClean="0">
+            <a:endParaRPr lang="de-DE" altLang="de-DE">
               <a:latin typeface="Times New Roman" pitchFamily="16" charset="0"/>
             </a:endParaRPr>
           </a:p>
@@ -4251,7 +4251,7 @@
           <a:bodyPr wrap="none" anchor="ctr"/>
           <a:lstStyle/>
           <a:p>
-            <a:endParaRPr lang="de-DE" altLang="de-DE" smtClean="0">
+            <a:endParaRPr lang="de-DE" altLang="de-DE">
               <a:latin typeface="Times New Roman" pitchFamily="16" charset="0"/>
             </a:endParaRPr>
           </a:p>
@@ -4373,7 +4373,7 @@
           <a:bodyPr wrap="none" anchor="ctr"/>
           <a:lstStyle/>
           <a:p>
-            <a:endParaRPr lang="de-DE" altLang="de-DE" smtClean="0">
+            <a:endParaRPr lang="de-DE" altLang="de-DE">
               <a:latin typeface="Times New Roman" pitchFamily="16" charset="0"/>
             </a:endParaRPr>
           </a:p>
@@ -4495,7 +4495,7 @@
           <a:bodyPr wrap="none" anchor="ctr"/>
           <a:lstStyle/>
           <a:p>
-            <a:endParaRPr lang="de-DE" altLang="de-DE" smtClean="0">
+            <a:endParaRPr lang="de-DE" altLang="de-DE">
               <a:latin typeface="Times New Roman" pitchFamily="16" charset="0"/>
             </a:endParaRPr>
           </a:p>
@@ -4617,7 +4617,7 @@
           <a:bodyPr wrap="none" anchor="ctr"/>
           <a:lstStyle/>
           <a:p>
-            <a:endParaRPr lang="de-DE" altLang="de-DE" smtClean="0">
+            <a:endParaRPr lang="de-DE" altLang="de-DE">
               <a:latin typeface="Times New Roman" pitchFamily="16" charset="0"/>
             </a:endParaRPr>
           </a:p>
@@ -4739,7 +4739,7 @@
           <a:bodyPr wrap="none" anchor="ctr"/>
           <a:lstStyle/>
           <a:p>
-            <a:endParaRPr lang="de-DE" altLang="de-DE" smtClean="0">
+            <a:endParaRPr lang="de-DE" altLang="de-DE">
               <a:latin typeface="Times New Roman" pitchFamily="16" charset="0"/>
             </a:endParaRPr>
           </a:p>
@@ -4861,7 +4861,7 @@
           <a:bodyPr wrap="none" anchor="ctr"/>
           <a:lstStyle/>
           <a:p>
-            <a:endParaRPr lang="de-DE" altLang="de-DE" smtClean="0">
+            <a:endParaRPr lang="de-DE" altLang="de-DE">
               <a:latin typeface="Times New Roman" pitchFamily="16" charset="0"/>
             </a:endParaRPr>
           </a:p>
@@ -4983,7 +4983,7 @@
           <a:bodyPr wrap="none" anchor="ctr"/>
           <a:lstStyle/>
           <a:p>
-            <a:endParaRPr lang="de-DE" altLang="de-DE" smtClean="0">
+            <a:endParaRPr lang="de-DE" altLang="de-DE">
               <a:latin typeface="Times New Roman" pitchFamily="16" charset="0"/>
             </a:endParaRPr>
           </a:p>
@@ -5105,7 +5105,7 @@
           <a:bodyPr wrap="none" anchor="ctr"/>
           <a:lstStyle/>
           <a:p>
-            <a:endParaRPr lang="de-DE" altLang="de-DE" smtClean="0">
+            <a:endParaRPr lang="de-DE" altLang="de-DE">
               <a:latin typeface="Times New Roman" pitchFamily="16" charset="0"/>
             </a:endParaRPr>
           </a:p>
@@ -5227,7 +5227,7 @@
           <a:bodyPr wrap="none" anchor="ctr"/>
           <a:lstStyle/>
           <a:p>
-            <a:endParaRPr lang="de-DE" altLang="de-DE" smtClean="0">
+            <a:endParaRPr lang="de-DE" altLang="de-DE">
               <a:latin typeface="Times New Roman" pitchFamily="16" charset="0"/>
             </a:endParaRPr>
           </a:p>
@@ -5349,7 +5349,7 @@
           <a:bodyPr wrap="none" anchor="ctr"/>
           <a:lstStyle/>
           <a:p>
-            <a:endParaRPr lang="de-DE" altLang="de-DE" smtClean="0">
+            <a:endParaRPr lang="de-DE" altLang="de-DE">
               <a:latin typeface="Times New Roman" pitchFamily="16" charset="0"/>
             </a:endParaRPr>
           </a:p>
@@ -5471,7 +5471,7 @@
           <a:bodyPr wrap="none" anchor="ctr"/>
           <a:lstStyle/>
           <a:p>
-            <a:endParaRPr lang="de-DE" altLang="de-DE" smtClean="0">
+            <a:endParaRPr lang="de-DE" altLang="de-DE">
               <a:latin typeface="Times New Roman" pitchFamily="16" charset="0"/>
             </a:endParaRPr>
           </a:p>
@@ -5593,7 +5593,7 @@
           <a:bodyPr wrap="none" anchor="ctr"/>
           <a:lstStyle/>
           <a:p>
-            <a:endParaRPr lang="de-DE" altLang="de-DE" smtClean="0">
+            <a:endParaRPr lang="de-DE" altLang="de-DE">
               <a:latin typeface="Times New Roman" pitchFamily="16" charset="0"/>
             </a:endParaRPr>
           </a:p>
@@ -5715,7 +5715,7 @@
           <a:bodyPr wrap="none" anchor="ctr"/>
           <a:lstStyle/>
           <a:p>
-            <a:endParaRPr lang="de-DE" altLang="de-DE" smtClean="0">
+            <a:endParaRPr lang="de-DE" altLang="de-DE">
               <a:latin typeface="Times New Roman" pitchFamily="16" charset="0"/>
             </a:endParaRPr>
           </a:p>
@@ -5776,10 +5776,9 @@
           </a:lstStyle>
           <a:p>
             <a:r>
-              <a:rPr lang="de-DE" smtClean="0"/>
+              <a:rPr lang="de-DE"/>
               <a:t>Titelmasterformat durch Klicken bearbeiten</a:t>
             </a:r>
-            <a:endParaRPr lang="de-DE"/>
           </a:p>
         </p:txBody>
       </p:sp>
@@ -5841,10 +5840,9 @@
           </a:lstStyle>
           <a:p>
             <a:r>
-              <a:rPr lang="de-DE" smtClean="0"/>
+              <a:rPr lang="de-DE"/>
               <a:t>Formatvorlage des Untertitelmasters durch Klicken bearbeiten</a:t>
             </a:r>
-            <a:endParaRPr lang="de-DE"/>
           </a:p>
         </p:txBody>
       </p:sp>
@@ -5975,10 +5973,9 @@
           <a:lstStyle/>
           <a:p>
             <a:r>
-              <a:rPr lang="de-DE" smtClean="0"/>
+              <a:rPr lang="de-DE"/>
               <a:t>Titelmasterformat durch Klicken bearbeiten</a:t>
             </a:r>
-            <a:endParaRPr lang="de-DE"/>
           </a:p>
         </p:txBody>
       </p:sp>
@@ -5999,38 +5996,37 @@
           <a:p>
             <a:pPr lvl="0"/>
             <a:r>
-              <a:rPr lang="de-DE" smtClean="0"/>
+              <a:rPr lang="de-DE"/>
               <a:t>Textmasterformat bearbeiten</a:t>
             </a:r>
           </a:p>
           <a:p>
             <a:pPr lvl="1"/>
             <a:r>
-              <a:rPr lang="de-DE" smtClean="0"/>
+              <a:rPr lang="de-DE"/>
               <a:t>Zweite Ebene</a:t>
             </a:r>
           </a:p>
           <a:p>
             <a:pPr lvl="2"/>
             <a:r>
-              <a:rPr lang="de-DE" smtClean="0"/>
+              <a:rPr lang="de-DE"/>
               <a:t>Dritte Ebene</a:t>
             </a:r>
           </a:p>
           <a:p>
             <a:pPr lvl="3"/>
             <a:r>
-              <a:rPr lang="de-DE" smtClean="0"/>
+              <a:rPr lang="de-DE"/>
               <a:t>Vierte Ebene</a:t>
             </a:r>
           </a:p>
           <a:p>
             <a:pPr lvl="4"/>
             <a:r>
-              <a:rPr lang="de-DE" smtClean="0"/>
+              <a:rPr lang="de-DE"/>
               <a:t>Fünfte Ebene</a:t>
             </a:r>
-            <a:endParaRPr lang="de-DE"/>
           </a:p>
         </p:txBody>
       </p:sp>
@@ -6166,10 +6162,9 @@
           <a:lstStyle/>
           <a:p>
             <a:r>
-              <a:rPr lang="de-DE" smtClean="0"/>
+              <a:rPr lang="de-DE"/>
               <a:t>Titelmasterformat durch Klicken bearbeiten</a:t>
             </a:r>
-            <a:endParaRPr lang="de-DE"/>
           </a:p>
         </p:txBody>
       </p:sp>
@@ -6195,38 +6190,37 @@
           <a:p>
             <a:pPr lvl="0"/>
             <a:r>
-              <a:rPr lang="de-DE" smtClean="0"/>
+              <a:rPr lang="de-DE"/>
               <a:t>Textmasterformat bearbeiten</a:t>
             </a:r>
           </a:p>
           <a:p>
             <a:pPr lvl="1"/>
             <a:r>
-              <a:rPr lang="de-DE" smtClean="0"/>
+              <a:rPr lang="de-DE"/>
               <a:t>Zweite Ebene</a:t>
             </a:r>
           </a:p>
           <a:p>
             <a:pPr lvl="2"/>
             <a:r>
-              <a:rPr lang="de-DE" smtClean="0"/>
+              <a:rPr lang="de-DE"/>
               <a:t>Dritte Ebene</a:t>
             </a:r>
           </a:p>
           <a:p>
             <a:pPr lvl="3"/>
             <a:r>
-              <a:rPr lang="de-DE" smtClean="0"/>
+              <a:rPr lang="de-DE"/>
               <a:t>Vierte Ebene</a:t>
             </a:r>
           </a:p>
           <a:p>
             <a:pPr lvl="4"/>
             <a:r>
-              <a:rPr lang="de-DE" smtClean="0"/>
+              <a:rPr lang="de-DE"/>
               <a:t>Fünfte Ebene</a:t>
             </a:r>
-            <a:endParaRPr lang="de-DE"/>
           </a:p>
         </p:txBody>
       </p:sp>
@@ -6362,10 +6356,9 @@
           <a:lstStyle/>
           <a:p>
             <a:r>
-              <a:rPr lang="de-DE" smtClean="0"/>
+              <a:rPr lang="de-DE"/>
               <a:t>Titelmasterformat durch Klicken bearbeiten</a:t>
             </a:r>
-            <a:endParaRPr lang="de-DE"/>
           </a:p>
         </p:txBody>
       </p:sp>
@@ -6496,10 +6489,9 @@
           <a:lstStyle/>
           <a:p>
             <a:r>
-              <a:rPr lang="de-DE" smtClean="0"/>
+              <a:rPr lang="de-DE"/>
               <a:t>Titelmasterformat durch Klicken bearbeiten</a:t>
             </a:r>
-            <a:endParaRPr lang="de-DE"/>
           </a:p>
         </p:txBody>
       </p:sp>
@@ -6520,38 +6512,37 @@
           <a:p>
             <a:pPr lvl="0"/>
             <a:r>
-              <a:rPr lang="de-DE" smtClean="0"/>
+              <a:rPr lang="de-DE"/>
               <a:t>Textmasterformat bearbeiten</a:t>
             </a:r>
           </a:p>
           <a:p>
             <a:pPr lvl="1"/>
             <a:r>
-              <a:rPr lang="de-DE" smtClean="0"/>
+              <a:rPr lang="de-DE"/>
               <a:t>Zweite Ebene</a:t>
             </a:r>
           </a:p>
           <a:p>
             <a:pPr lvl="2"/>
             <a:r>
-              <a:rPr lang="de-DE" smtClean="0"/>
+              <a:rPr lang="de-DE"/>
               <a:t>Dritte Ebene</a:t>
             </a:r>
           </a:p>
           <a:p>
             <a:pPr lvl="3"/>
             <a:r>
-              <a:rPr lang="de-DE" smtClean="0"/>
+              <a:rPr lang="de-DE"/>
               <a:t>Vierte Ebene</a:t>
             </a:r>
           </a:p>
           <a:p>
             <a:pPr lvl="4"/>
             <a:r>
-              <a:rPr lang="de-DE" smtClean="0"/>
+              <a:rPr lang="de-DE"/>
               <a:t>Fünfte Ebene</a:t>
             </a:r>
-            <a:endParaRPr lang="de-DE"/>
           </a:p>
         </p:txBody>
       </p:sp>
@@ -6691,10 +6682,9 @@
           </a:lstStyle>
           <a:p>
             <a:r>
-              <a:rPr lang="de-DE" smtClean="0"/>
+              <a:rPr lang="de-DE"/>
               <a:t>Titelmasterformat durch Klicken bearbeiten</a:t>
             </a:r>
-            <a:endParaRPr lang="de-DE"/>
           </a:p>
         </p:txBody>
       </p:sp>
@@ -6757,7 +6747,7 @@
           <a:p>
             <a:pPr lvl="0"/>
             <a:r>
-              <a:rPr lang="de-DE" smtClean="0"/>
+              <a:rPr lang="de-DE"/>
               <a:t>Textmasterformat bearbeiten</a:t>
             </a:r>
           </a:p>
@@ -6890,10 +6880,9 @@
           <a:lstStyle/>
           <a:p>
             <a:r>
-              <a:rPr lang="de-DE" smtClean="0"/>
+              <a:rPr lang="de-DE"/>
               <a:t>Titelmasterformat durch Klicken bearbeiten</a:t>
             </a:r>
-            <a:endParaRPr lang="de-DE"/>
           </a:p>
         </p:txBody>
       </p:sp>
@@ -6919,38 +6908,37 @@
           <a:p>
             <a:pPr lvl="0"/>
             <a:r>
-              <a:rPr lang="de-DE" smtClean="0"/>
+              <a:rPr lang="de-DE"/>
               <a:t>Textmasterformat bearbeiten</a:t>
             </a:r>
           </a:p>
           <a:p>
             <a:pPr lvl="1"/>
             <a:r>
-              <a:rPr lang="de-DE" smtClean="0"/>
+              <a:rPr lang="de-DE"/>
               <a:t>Zweite Ebene</a:t>
             </a:r>
           </a:p>
           <a:p>
             <a:pPr lvl="2"/>
             <a:r>
-              <a:rPr lang="de-DE" smtClean="0"/>
+              <a:rPr lang="de-DE"/>
               <a:t>Dritte Ebene</a:t>
             </a:r>
           </a:p>
           <a:p>
             <a:pPr lvl="3"/>
             <a:r>
-              <a:rPr lang="de-DE" smtClean="0"/>
+              <a:rPr lang="de-DE"/>
               <a:t>Vierte Ebene</a:t>
             </a:r>
           </a:p>
           <a:p>
             <a:pPr lvl="4"/>
             <a:r>
-              <a:rPr lang="de-DE" smtClean="0"/>
+              <a:rPr lang="de-DE"/>
               <a:t>Fünfte Ebene</a:t>
             </a:r>
-            <a:endParaRPr lang="de-DE"/>
           </a:p>
         </p:txBody>
       </p:sp>
@@ -6976,38 +6964,37 @@
           <a:p>
             <a:pPr lvl="0"/>
             <a:r>
-              <a:rPr lang="de-DE" smtClean="0"/>
+              <a:rPr lang="de-DE"/>
               <a:t>Textmasterformat bearbeiten</a:t>
             </a:r>
           </a:p>
           <a:p>
             <a:pPr lvl="1"/>
             <a:r>
-              <a:rPr lang="de-DE" smtClean="0"/>
+              <a:rPr lang="de-DE"/>
               <a:t>Zweite Ebene</a:t>
             </a:r>
           </a:p>
           <a:p>
             <a:pPr lvl="2"/>
             <a:r>
-              <a:rPr lang="de-DE" smtClean="0"/>
+              <a:rPr lang="de-DE"/>
               <a:t>Dritte Ebene</a:t>
             </a:r>
           </a:p>
           <a:p>
             <a:pPr lvl="3"/>
             <a:r>
-              <a:rPr lang="de-DE" smtClean="0"/>
+              <a:rPr lang="de-DE"/>
               <a:t>Vierte Ebene</a:t>
             </a:r>
           </a:p>
           <a:p>
             <a:pPr lvl="4"/>
             <a:r>
-              <a:rPr lang="de-DE" smtClean="0"/>
+              <a:rPr lang="de-DE"/>
               <a:t>Fünfte Ebene</a:t>
             </a:r>
-            <a:endParaRPr lang="de-DE"/>
           </a:p>
         </p:txBody>
       </p:sp>
@@ -7143,10 +7130,9 @@
           <a:lstStyle/>
           <a:p>
             <a:r>
-              <a:rPr lang="de-DE" smtClean="0"/>
+              <a:rPr lang="de-DE"/>
               <a:t>Titelmasterformat durch Klicken bearbeiten</a:t>
             </a:r>
-            <a:endParaRPr lang="de-DE"/>
           </a:p>
         </p:txBody>
       </p:sp>
@@ -7209,7 +7195,7 @@
           <a:p>
             <a:pPr lvl="0"/>
             <a:r>
-              <a:rPr lang="de-DE" smtClean="0"/>
+              <a:rPr lang="de-DE"/>
               <a:t>Textmasterformat bearbeiten</a:t>
             </a:r>
           </a:p>
@@ -7237,38 +7223,37 @@
           <a:p>
             <a:pPr lvl="0"/>
             <a:r>
-              <a:rPr lang="de-DE" smtClean="0"/>
+              <a:rPr lang="de-DE"/>
               <a:t>Textmasterformat bearbeiten</a:t>
             </a:r>
           </a:p>
           <a:p>
             <a:pPr lvl="1"/>
             <a:r>
-              <a:rPr lang="de-DE" smtClean="0"/>
+              <a:rPr lang="de-DE"/>
               <a:t>Zweite Ebene</a:t>
             </a:r>
           </a:p>
           <a:p>
             <a:pPr lvl="2"/>
             <a:r>
-              <a:rPr lang="de-DE" smtClean="0"/>
+              <a:rPr lang="de-DE"/>
               <a:t>Dritte Ebene</a:t>
             </a:r>
           </a:p>
           <a:p>
             <a:pPr lvl="3"/>
             <a:r>
-              <a:rPr lang="de-DE" smtClean="0"/>
+              <a:rPr lang="de-DE"/>
               <a:t>Vierte Ebene</a:t>
             </a:r>
           </a:p>
           <a:p>
             <a:pPr lvl="4"/>
             <a:r>
-              <a:rPr lang="de-DE" smtClean="0"/>
+              <a:rPr lang="de-DE"/>
               <a:t>Fünfte Ebene</a:t>
             </a:r>
-            <a:endParaRPr lang="de-DE"/>
           </a:p>
         </p:txBody>
       </p:sp>
@@ -7331,7 +7316,7 @@
           <a:p>
             <a:pPr lvl="0"/>
             <a:r>
-              <a:rPr lang="de-DE" smtClean="0"/>
+              <a:rPr lang="de-DE"/>
               <a:t>Textmasterformat bearbeiten</a:t>
             </a:r>
           </a:p>
@@ -7359,38 +7344,37 @@
           <a:p>
             <a:pPr lvl="0"/>
             <a:r>
-              <a:rPr lang="de-DE" smtClean="0"/>
+              <a:rPr lang="de-DE"/>
               <a:t>Textmasterformat bearbeiten</a:t>
             </a:r>
           </a:p>
           <a:p>
             <a:pPr lvl="1"/>
             <a:r>
-              <a:rPr lang="de-DE" smtClean="0"/>
+              <a:rPr lang="de-DE"/>
               <a:t>Zweite Ebene</a:t>
             </a:r>
           </a:p>
           <a:p>
             <a:pPr lvl="2"/>
             <a:r>
-              <a:rPr lang="de-DE" smtClean="0"/>
+              <a:rPr lang="de-DE"/>
               <a:t>Dritte Ebene</a:t>
             </a:r>
           </a:p>
           <a:p>
             <a:pPr lvl="3"/>
             <a:r>
-              <a:rPr lang="de-DE" smtClean="0"/>
+              <a:rPr lang="de-DE"/>
               <a:t>Vierte Ebene</a:t>
             </a:r>
           </a:p>
           <a:p>
             <a:pPr lvl="4"/>
             <a:r>
-              <a:rPr lang="de-DE" smtClean="0"/>
+              <a:rPr lang="de-DE"/>
               <a:t>Fünfte Ebene</a:t>
             </a:r>
-            <a:endParaRPr lang="de-DE"/>
           </a:p>
         </p:txBody>
       </p:sp>
@@ -7521,10 +7505,9 @@
           <a:lstStyle/>
           <a:p>
             <a:r>
-              <a:rPr lang="de-DE" smtClean="0"/>
+              <a:rPr lang="de-DE"/>
               <a:t>Titelmasterformat durch Klicken bearbeiten</a:t>
             </a:r>
-            <a:endParaRPr lang="de-DE"/>
           </a:p>
         </p:txBody>
       </p:sp>
@@ -7775,10 +7758,9 @@
           </a:lstStyle>
           <a:p>
             <a:r>
-              <a:rPr lang="de-DE" smtClean="0"/>
+              <a:rPr lang="de-DE"/>
               <a:t>Titelmasterformat durch Klicken bearbeiten</a:t>
             </a:r>
-            <a:endParaRPr lang="de-DE"/>
           </a:p>
         </p:txBody>
       </p:sp>
@@ -7832,38 +7814,37 @@
           <a:p>
             <a:pPr lvl="0"/>
             <a:r>
-              <a:rPr lang="de-DE" smtClean="0"/>
+              <a:rPr lang="de-DE"/>
               <a:t>Textmasterformat bearbeiten</a:t>
             </a:r>
           </a:p>
           <a:p>
             <a:pPr lvl="1"/>
             <a:r>
-              <a:rPr lang="de-DE" smtClean="0"/>
+              <a:rPr lang="de-DE"/>
               <a:t>Zweite Ebene</a:t>
             </a:r>
           </a:p>
           <a:p>
             <a:pPr lvl="2"/>
             <a:r>
-              <a:rPr lang="de-DE" smtClean="0"/>
+              <a:rPr lang="de-DE"/>
               <a:t>Dritte Ebene</a:t>
             </a:r>
           </a:p>
           <a:p>
             <a:pPr lvl="3"/>
             <a:r>
-              <a:rPr lang="de-DE" smtClean="0"/>
+              <a:rPr lang="de-DE"/>
               <a:t>Vierte Ebene</a:t>
             </a:r>
           </a:p>
           <a:p>
             <a:pPr lvl="4"/>
             <a:r>
-              <a:rPr lang="de-DE" smtClean="0"/>
+              <a:rPr lang="de-DE"/>
               <a:t>Fünfte Ebene</a:t>
             </a:r>
-            <a:endParaRPr lang="de-DE"/>
           </a:p>
         </p:txBody>
       </p:sp>
@@ -7926,7 +7907,7 @@
           <a:p>
             <a:pPr lvl="0"/>
             <a:r>
-              <a:rPr lang="de-DE" smtClean="0"/>
+              <a:rPr lang="de-DE"/>
               <a:t>Textmasterformat bearbeiten</a:t>
             </a:r>
           </a:p>
@@ -8068,10 +8049,9 @@
           </a:lstStyle>
           <a:p>
             <a:r>
-              <a:rPr lang="de-DE" smtClean="0"/>
+              <a:rPr lang="de-DE"/>
               <a:t>Titelmasterformat durch Klicken bearbeiten</a:t>
             </a:r>
-            <a:endParaRPr lang="de-DE"/>
           </a:p>
         </p:txBody>
       </p:sp>
@@ -8133,7 +8113,7 @@
           </a:lstStyle>
           <a:p>
             <a:pPr lvl="0"/>
-            <a:endParaRPr lang="de-DE" noProof="0" smtClean="0"/>
+            <a:endParaRPr lang="de-DE" noProof="0"/>
           </a:p>
         </p:txBody>
       </p:sp>
@@ -8196,7 +8176,7 @@
           <a:p>
             <a:pPr lvl="0"/>
             <a:r>
-              <a:rPr lang="de-DE" smtClean="0"/>
+              <a:rPr lang="de-DE"/>
               <a:t>Textmasterformat bearbeiten</a:t>
             </a:r>
           </a:p>
@@ -8358,7 +8338,7 @@
           <a:p>
             <a:pPr lvl="0"/>
             <a:r>
-              <a:rPr lang="en-GB" altLang="de-DE" smtClean="0"/>
+              <a:rPr lang="en-GB" altLang="de-DE"/>
               <a:t>Klicken Sie, um das Format des Titeltextes zu bearbeiten</a:t>
             </a:r>
           </a:p>
@@ -8401,63 +8381,63 @@
           <a:p>
             <a:pPr lvl="0"/>
             <a:r>
-              <a:rPr lang="en-GB" altLang="de-DE" smtClean="0"/>
+              <a:rPr lang="en-GB" altLang="de-DE"/>
               <a:t>Klicken Sie, um die Formate des Gliederungstextes zu bearbeiten</a:t>
             </a:r>
           </a:p>
           <a:p>
             <a:pPr lvl="1"/>
             <a:r>
-              <a:rPr lang="en-GB" altLang="de-DE" smtClean="0"/>
+              <a:rPr lang="en-GB" altLang="de-DE"/>
               <a:t>Zweite Gliederungsebene</a:t>
             </a:r>
           </a:p>
           <a:p>
             <a:pPr lvl="2"/>
             <a:r>
-              <a:rPr lang="en-GB" altLang="de-DE" smtClean="0"/>
+              <a:rPr lang="en-GB" altLang="de-DE"/>
               <a:t>Dritte Gliederungsebene</a:t>
             </a:r>
           </a:p>
           <a:p>
             <a:pPr lvl="3"/>
             <a:r>
-              <a:rPr lang="en-GB" altLang="de-DE" smtClean="0"/>
+              <a:rPr lang="en-GB" altLang="de-DE"/>
               <a:t>Vierte Gliederungsebene</a:t>
             </a:r>
           </a:p>
           <a:p>
             <a:pPr lvl="4"/>
             <a:r>
-              <a:rPr lang="en-GB" altLang="de-DE" smtClean="0"/>
+              <a:rPr lang="en-GB" altLang="de-DE"/>
               <a:t>Fünfte Gliederungsebene</a:t>
             </a:r>
           </a:p>
           <a:p>
             <a:pPr lvl="4"/>
             <a:r>
-              <a:rPr lang="en-GB" altLang="de-DE" smtClean="0"/>
+              <a:rPr lang="en-GB" altLang="de-DE"/>
               <a:t>Sechste Gliederungsebene</a:t>
             </a:r>
           </a:p>
           <a:p>
             <a:pPr lvl="4"/>
             <a:r>
-              <a:rPr lang="en-GB" altLang="de-DE" smtClean="0"/>
+              <a:rPr lang="en-GB" altLang="de-DE"/>
               <a:t>Siebente Gliederungsebene</a:t>
             </a:r>
           </a:p>
           <a:p>
             <a:pPr lvl="4"/>
             <a:r>
-              <a:rPr lang="en-GB" altLang="de-DE" smtClean="0"/>
+              <a:rPr lang="en-GB" altLang="de-DE"/>
               <a:t>Achte Gliederungsebene</a:t>
             </a:r>
           </a:p>
           <a:p>
             <a:pPr lvl="4"/>
             <a:r>
-              <a:rPr lang="en-GB" altLang="de-DE" smtClean="0"/>
+              <a:rPr lang="en-GB" altLang="de-DE"/>
               <a:t>Neunte Gliederungsebene</a:t>
             </a:r>
           </a:p>
@@ -9362,7 +9342,7 @@
               </a:tabLst>
             </a:pPr>
             <a:r>
-              <a:rPr lang="de-DE" altLang="de-DE" smtClean="0"/>
+              <a:rPr lang="de-DE" altLang="de-DE"/>
               <a:t> </a:t>
             </a:r>
           </a:p>
@@ -9408,7 +9388,7 @@
               </a:tabLst>
             </a:pPr>
             <a:r>
-              <a:rPr lang="de-DE" altLang="de-DE" b="1" smtClean="0"/>
+              <a:rPr lang="de-DE" altLang="de-DE" b="1"/>
               <a:t>W120</a:t>
             </a:r>
           </a:p>
@@ -9432,7 +9412,7 @@
                 <a:tab pos="8686800" algn="l"/>
               </a:tabLst>
             </a:pPr>
-            <a:endParaRPr lang="de-DE" altLang="de-DE" b="1" smtClean="0"/>
+            <a:endParaRPr lang="de-DE" altLang="de-DE" b="1"/>
           </a:p>
           <a:p>
             <a:pPr marL="0" indent="0" algn="ctr" eaLnBrk="1">
@@ -9455,7 +9435,7 @@
               </a:tabLst>
             </a:pPr>
             <a:r>
-              <a:rPr lang="de-DE" altLang="de-DE" b="1" smtClean="0"/>
+              <a:rPr lang="de-DE" altLang="de-DE" b="1"/>
               <a:t>Einführung in die Software-Entwicklung</a:t>
             </a:r>
           </a:p>
@@ -9479,7 +9459,7 @@
                 <a:tab pos="8686800" algn="l"/>
               </a:tabLst>
             </a:pPr>
-            <a:endParaRPr lang="de-DE" altLang="de-DE" smtClean="0"/>
+            <a:endParaRPr lang="de-DE" altLang="de-DE"/>
           </a:p>
           <a:p>
             <a:pPr marL="0" indent="0" algn="ctr" eaLnBrk="1">
@@ -9501,7 +9481,7 @@
                 <a:tab pos="8686800" algn="l"/>
               </a:tabLst>
             </a:pPr>
-            <a:endParaRPr lang="de-DE" altLang="de-DE" smtClean="0"/>
+            <a:endParaRPr lang="de-DE" altLang="de-DE"/>
           </a:p>
           <a:p>
             <a:pPr marL="0" indent="0" algn="ctr" eaLnBrk="1">
@@ -9524,7 +9504,7 @@
               </a:tabLst>
             </a:pPr>
             <a:r>
-              <a:rPr lang="de-DE" altLang="de-DE" smtClean="0"/>
+              <a:rPr lang="de-DE" altLang="de-DE"/>
               <a:t>Kapitel 4</a:t>
             </a:r>
           </a:p>
@@ -9737,7 +9717,7 @@
               </a:tabLst>
             </a:pPr>
             <a:r>
-              <a:rPr lang="de-DE" altLang="de-DE" sz="4000" smtClean="0">
+              <a:rPr lang="de-DE" altLang="de-DE" sz="4000">
                 <a:solidFill>
                   <a:srgbClr val="FFFFFF"/>
                 </a:solidFill>
@@ -9787,7 +9767,7 @@
               </a:tabLst>
             </a:pPr>
             <a:r>
-              <a:rPr lang="de-DE" altLang="de-DE" sz="2800" smtClean="0"/>
+              <a:rPr lang="de-DE" altLang="de-DE" sz="2800"/>
               <a:t>Die Einschränkungen sind:</a:t>
             </a:r>
           </a:p>
@@ -9814,7 +9794,7 @@
                 <a:tab pos="8686800" algn="l"/>
               </a:tabLst>
             </a:pPr>
-            <a:endParaRPr lang="de-DE" altLang="de-DE" sz="2800" smtClean="0"/>
+            <a:endParaRPr lang="de-DE" altLang="de-DE" sz="2800"/>
           </a:p>
           <a:p>
             <a:pPr marL="269875" indent="-269875" eaLnBrk="1">
@@ -9840,23 +9820,23 @@
               </a:tabLst>
             </a:pPr>
             <a:r>
-              <a:rPr lang="de-DE" altLang="de-DE" sz="2800" smtClean="0"/>
+              <a:rPr lang="de-DE" altLang="de-DE" sz="2800"/>
               <a:t>Es kann immer nur gegen einen einzigen variablen Wert verglichen werden, der vom Typ </a:t>
             </a:r>
             <a:r>
-              <a:rPr lang="de-DE" altLang="de-DE" sz="2400" smtClean="0"/>
+              <a:rPr lang="de-DE" altLang="de-DE" sz="2400"/>
               <a:t>"</a:t>
             </a:r>
             <a:r>
-              <a:rPr lang="de-DE" altLang="de-DE" sz="2800" smtClean="0"/>
+              <a:rPr lang="de-DE" altLang="de-DE" sz="2800"/>
               <a:t>int</a:t>
             </a:r>
             <a:r>
-              <a:rPr lang="de-DE" altLang="de-DE" sz="2400" smtClean="0"/>
+              <a:rPr lang="de-DE" altLang="de-DE" sz="2400"/>
               <a:t>"</a:t>
             </a:r>
             <a:r>
-              <a:rPr lang="de-DE" altLang="de-DE" sz="2800" smtClean="0"/>
+              <a:rPr lang="de-DE" altLang="de-DE" sz="2800"/>
               <a:t> sein muss (oder als solcher darstellbar sein muss). </a:t>
             </a:r>
           </a:p>
@@ -9884,13 +9864,13 @@
               </a:tabLst>
             </a:pPr>
             <a:r>
-              <a:rPr lang="de-DE" altLang="de-DE" sz="2800" smtClean="0"/>
+              <a:rPr lang="de-DE" altLang="de-DE" sz="2800"/>
               <a:t>Jeder Vergleich erfolgt immer nur auf Gleichheit und immer gegen einen konstanten Wert (also keine Variable).</a:t>
             </a:r>
             <a:br>
-              <a:rPr lang="de-DE" altLang="de-DE" sz="2800" smtClean="0"/>
+              <a:rPr lang="de-DE" altLang="de-DE" sz="2800"/>
             </a:br>
-            <a:endParaRPr lang="de-DE" altLang="de-DE" sz="2800" smtClean="0"/>
+            <a:endParaRPr lang="de-DE" altLang="de-DE" sz="2800"/>
           </a:p>
           <a:p>
             <a:pPr marL="269875" indent="-269875" eaLnBrk="1">
@@ -9917,7 +9897,7 @@
               </a:tabLst>
             </a:pPr>
             <a:r>
-              <a:rPr lang="de-DE" altLang="de-DE" sz="2800" smtClean="0"/>
+              <a:rPr lang="de-DE" altLang="de-DE" sz="2800"/>
               <a:t>=&gt; switch-case ist nur sehr selten anwendbar, aber wenn</a:t>
             </a:r>
           </a:p>
@@ -9946,7 +9926,7 @@
               </a:tabLst>
             </a:pPr>
             <a:r>
-              <a:rPr lang="de-DE" altLang="de-DE" sz="2800" smtClean="0"/>
+              <a:rPr lang="de-DE" altLang="de-DE" sz="2800"/>
               <a:t>es anwendbar ist, ist es sehr übersichtlich.</a:t>
             </a:r>
           </a:p>
@@ -9973,7 +9953,7 @@
                 <a:tab pos="8686800" algn="l"/>
               </a:tabLst>
             </a:pPr>
-            <a:endParaRPr lang="de-DE" altLang="de-DE" smtClean="0"/>
+            <a:endParaRPr lang="de-DE" altLang="de-DE"/>
           </a:p>
           <a:p>
             <a:pPr marL="269875" indent="-269875" eaLnBrk="1">
@@ -9998,7 +9978,7 @@
                 <a:tab pos="8686800" algn="l"/>
               </a:tabLst>
             </a:pPr>
-            <a:endParaRPr lang="de-DE" altLang="de-DE" smtClean="0"/>
+            <a:endParaRPr lang="de-DE" altLang="de-DE"/>
           </a:p>
         </p:txBody>
       </p:sp>
@@ -10209,7 +10189,7 @@
               </a:tabLst>
             </a:pPr>
             <a:r>
-              <a:rPr lang="de-DE" altLang="de-DE" sz="4000" smtClean="0">
+              <a:rPr lang="de-DE" altLang="de-DE" sz="4000">
                 <a:solidFill>
                   <a:srgbClr val="FFFFFF"/>
                 </a:solidFill>
@@ -10259,7 +10239,7 @@
               </a:tabLst>
             </a:pPr>
             <a:r>
-              <a:rPr lang="de-DE" altLang="de-DE" sz="2800" smtClean="0"/>
+              <a:rPr lang="de-DE" altLang="de-DE" sz="2800"/>
               <a:t>Aufbau einer switch-case-Anweisung:</a:t>
             </a:r>
           </a:p>
@@ -10283,7 +10263,7 @@
                 <a:tab pos="8686800" algn="l"/>
               </a:tabLst>
             </a:pPr>
-            <a:endParaRPr lang="de-DE" altLang="de-DE" smtClean="0"/>
+            <a:endParaRPr lang="de-DE" altLang="de-DE"/>
           </a:p>
           <a:p>
             <a:pPr marL="0" indent="0" eaLnBrk="1">
@@ -10309,17 +10289,17 @@
               </a:tabLst>
             </a:pPr>
             <a:r>
-              <a:rPr lang="de-DE" altLang="de-DE" sz="2800" smtClean="0">
+              <a:rPr lang="de-DE" altLang="de-DE" sz="2800">
                 <a:latin typeface="Courier New" pitchFamily="49" charset="0"/>
               </a:rPr>
               <a:t>switch ( </a:t>
             </a:r>
             <a:r>
-              <a:rPr lang="de-DE" altLang="de-DE" sz="2800" smtClean="0"/>
+              <a:rPr lang="de-DE" altLang="de-DE" sz="2800"/>
               <a:t>&lt;wert&gt; </a:t>
             </a:r>
             <a:r>
-              <a:rPr lang="de-DE" altLang="de-DE" sz="2800" smtClean="0">
+              <a:rPr lang="de-DE" altLang="de-DE" sz="2800">
                 <a:latin typeface="Courier New" pitchFamily="49" charset="0"/>
               </a:rPr>
               <a:t>) {</a:t>
@@ -10348,7 +10328,7 @@
                 <a:tab pos="8686800" algn="l"/>
               </a:tabLst>
             </a:pPr>
-            <a:endParaRPr lang="de-DE" altLang="de-DE" sz="2800" smtClean="0">
+            <a:endParaRPr lang="de-DE" altLang="de-DE" sz="2800">
               <a:latin typeface="Courier New" pitchFamily="49" charset="0"/>
             </a:endParaRPr>
           </a:p>
@@ -10376,27 +10356,27 @@
               </a:tabLst>
             </a:pPr>
             <a:r>
-              <a:rPr lang="de-DE" altLang="de-DE" sz="2800" smtClean="0">
+              <a:rPr lang="de-DE" altLang="de-DE" sz="2800">
                 <a:latin typeface="Courier New" pitchFamily="49" charset="0"/>
               </a:rPr>
               <a:t>   case </a:t>
             </a:r>
             <a:r>
-              <a:rPr lang="de-DE" altLang="de-DE" sz="2800" smtClean="0"/>
+              <a:rPr lang="de-DE" altLang="de-DE" sz="2800"/>
               <a:t>&lt;konstante1&gt;</a:t>
             </a:r>
             <a:r>
-              <a:rPr lang="de-DE" altLang="de-DE" sz="2800" smtClean="0">
+              <a:rPr lang="de-DE" altLang="de-DE" sz="2800">
                 <a:latin typeface="Courier New" pitchFamily="49" charset="0"/>
               </a:rPr>
               <a:t> : </a:t>
             </a:r>
             <a:r>
-              <a:rPr lang="de-DE" altLang="de-DE" sz="2800" smtClean="0"/>
+              <a:rPr lang="de-DE" altLang="de-DE" sz="2800"/>
               <a:t>&lt;anweisungen1&gt;</a:t>
             </a:r>
             <a:r>
-              <a:rPr lang="de-DE" altLang="de-DE" sz="2800" smtClean="0">
+              <a:rPr lang="de-DE" altLang="de-DE" sz="2800">
                 <a:latin typeface="Courier New" pitchFamily="49" charset="0"/>
               </a:rPr>
               <a:t> break;</a:t>
@@ -10426,27 +10406,27 @@
               </a:tabLst>
             </a:pPr>
             <a:r>
-              <a:rPr lang="de-DE" altLang="de-DE" sz="2800" smtClean="0">
+              <a:rPr lang="de-DE" altLang="de-DE" sz="2800">
                 <a:latin typeface="Courier New" pitchFamily="49" charset="0"/>
               </a:rPr>
               <a:t>   case </a:t>
             </a:r>
             <a:r>
-              <a:rPr lang="de-DE" altLang="de-DE" sz="2800" smtClean="0"/>
+              <a:rPr lang="de-DE" altLang="de-DE" sz="2800"/>
               <a:t>&lt;konstante2&gt;</a:t>
             </a:r>
             <a:r>
-              <a:rPr lang="de-DE" altLang="de-DE" sz="2800" smtClean="0">
+              <a:rPr lang="de-DE" altLang="de-DE" sz="2800">
                 <a:latin typeface="Courier New" pitchFamily="49" charset="0"/>
               </a:rPr>
               <a:t> : </a:t>
             </a:r>
             <a:r>
-              <a:rPr lang="de-DE" altLang="de-DE" sz="2800" smtClean="0"/>
+              <a:rPr lang="de-DE" altLang="de-DE" sz="2800"/>
               <a:t>&lt;anweisungen2&gt;</a:t>
             </a:r>
             <a:r>
-              <a:rPr lang="de-DE" altLang="de-DE" sz="2800" smtClean="0">
+              <a:rPr lang="de-DE" altLang="de-DE" sz="2800">
                 <a:latin typeface="Courier New" pitchFamily="49" charset="0"/>
               </a:rPr>
               <a:t> break;</a:t>
@@ -10476,27 +10456,27 @@
               </a:tabLst>
             </a:pPr>
             <a:r>
-              <a:rPr lang="de-DE" altLang="de-DE" sz="2800" smtClean="0">
+              <a:rPr lang="de-DE" altLang="de-DE" sz="2800">
                 <a:latin typeface="Courier New" pitchFamily="49" charset="0"/>
               </a:rPr>
               <a:t>   case </a:t>
             </a:r>
             <a:r>
-              <a:rPr lang="de-DE" altLang="de-DE" sz="2800" smtClean="0"/>
+              <a:rPr lang="de-DE" altLang="de-DE" sz="2800"/>
               <a:t>&lt;konstante3&gt;</a:t>
             </a:r>
             <a:r>
-              <a:rPr lang="de-DE" altLang="de-DE" sz="2800" smtClean="0">
+              <a:rPr lang="de-DE" altLang="de-DE" sz="2800">
                 <a:latin typeface="Courier New" pitchFamily="49" charset="0"/>
               </a:rPr>
               <a:t> : </a:t>
             </a:r>
             <a:r>
-              <a:rPr lang="de-DE" altLang="de-DE" sz="2800" smtClean="0"/>
+              <a:rPr lang="de-DE" altLang="de-DE" sz="2800"/>
               <a:t>&lt;anweisungen3&gt;</a:t>
             </a:r>
             <a:r>
-              <a:rPr lang="de-DE" altLang="de-DE" sz="2800" smtClean="0">
+              <a:rPr lang="de-DE" altLang="de-DE" sz="2800">
                 <a:latin typeface="Courier New" pitchFamily="49" charset="0"/>
               </a:rPr>
               <a:t> break;</a:t>
@@ -10526,13 +10506,13 @@
               </a:tabLst>
             </a:pPr>
             <a:r>
-              <a:rPr lang="de-DE" altLang="de-DE" sz="2800" smtClean="0">
+              <a:rPr lang="de-DE" altLang="de-DE" sz="2800">
                 <a:latin typeface="Courier New" pitchFamily="49" charset="0"/>
               </a:rPr>
               <a:t>   default: </a:t>
             </a:r>
             <a:r>
-              <a:rPr lang="de-DE" altLang="de-DE" sz="2800" smtClean="0"/>
+              <a:rPr lang="de-DE" altLang="de-DE" sz="2800"/>
               <a:t>&lt;anweisungen&gt;</a:t>
             </a:r>
           </a:p>
@@ -10556,7 +10536,7 @@
                 <a:tab pos="8686800" algn="l"/>
               </a:tabLst>
             </a:pPr>
-            <a:endParaRPr lang="de-DE" altLang="de-DE" sz="2800" smtClean="0"/>
+            <a:endParaRPr lang="de-DE" altLang="de-DE" sz="2800"/>
           </a:p>
           <a:p>
             <a:pPr marL="0" indent="0" eaLnBrk="1">
@@ -10582,7 +10562,7 @@
               </a:tabLst>
             </a:pPr>
             <a:r>
-              <a:rPr lang="de-DE" altLang="de-DE" sz="2800" smtClean="0">
+              <a:rPr lang="de-DE" altLang="de-DE" sz="2800">
                 <a:latin typeface="Courier New" pitchFamily="49" charset="0"/>
               </a:rPr>
               <a:t>}</a:t>
@@ -10614,7 +10594,7 @@
                 <a:tab pos="8686800" algn="l"/>
               </a:tabLst>
             </a:pPr>
-            <a:endParaRPr lang="de-DE" altLang="de-DE" sz="2800" smtClean="0">
+            <a:endParaRPr lang="de-DE" altLang="de-DE" sz="2800">
               <a:latin typeface="Courier New" pitchFamily="49" charset="0"/>
             </a:endParaRPr>
           </a:p>
@@ -10827,7 +10807,7 @@
               </a:tabLst>
             </a:pPr>
             <a:r>
-              <a:rPr lang="de-DE" altLang="de-DE" sz="4000" smtClean="0">
+              <a:rPr lang="de-DE" altLang="de-DE" sz="4000">
                 <a:solidFill>
                   <a:srgbClr val="FFFFFF"/>
                 </a:solidFill>
@@ -10877,7 +10857,7 @@
               </a:tabLst>
             </a:pPr>
             <a:r>
-              <a:rPr lang="de-DE" altLang="de-DE" sz="2800" smtClean="0"/>
+              <a:rPr lang="de-DE" altLang="de-DE" sz="2800"/>
               <a:t>Beispiel:</a:t>
             </a:r>
           </a:p>
@@ -10904,7 +10884,7 @@
                 <a:tab pos="8686800" algn="l"/>
               </a:tabLst>
             </a:pPr>
-            <a:endParaRPr lang="de-DE" altLang="de-DE" sz="2800" smtClean="0"/>
+            <a:endParaRPr lang="de-DE" altLang="de-DE" sz="2800"/>
           </a:p>
           <a:p>
             <a:pPr marL="269875" indent="-269875" eaLnBrk="1">
@@ -10934,7 +10914,7 @@
               </a:tabLst>
             </a:pPr>
             <a:r>
-              <a:rPr lang="de-DE" altLang="de-DE" sz="2400" smtClean="0">
+              <a:rPr lang="de-DE" altLang="de-DE" sz="2400">
                 <a:latin typeface="Courier New" pitchFamily="49" charset="0"/>
               </a:rPr>
               <a:t>switch ( zahl ) {</a:t>
@@ -10967,7 +10947,7 @@
                 <a:tab pos="8686800" algn="l"/>
               </a:tabLst>
             </a:pPr>
-            <a:endParaRPr lang="de-DE" altLang="de-DE" sz="2400" smtClean="0">
+            <a:endParaRPr lang="de-DE" altLang="de-DE" sz="2400">
               <a:latin typeface="Courier New" pitchFamily="49" charset="0"/>
             </a:endParaRPr>
           </a:p>
@@ -10999,7 +10979,7 @@
               </a:tabLst>
             </a:pPr>
             <a:r>
-              <a:rPr lang="de-DE" altLang="de-DE" sz="2400" smtClean="0">
+              <a:rPr lang="de-DE" altLang="de-DE" sz="2400">
                 <a:latin typeface="Courier New" pitchFamily="49" charset="0"/>
               </a:rPr>
               <a:t>   case 1 : System.out.println("Eins"); break;</a:t>
@@ -11033,7 +11013,7 @@
               </a:tabLst>
             </a:pPr>
             <a:r>
-              <a:rPr lang="de-DE" altLang="de-DE" sz="2400" smtClean="0">
+              <a:rPr lang="de-DE" altLang="de-DE" sz="2400">
                 <a:latin typeface="Courier New" pitchFamily="49" charset="0"/>
               </a:rPr>
               <a:t>   case 2 : System.out.println("Zwei"); break;</a:t>
@@ -11067,7 +11047,7 @@
               </a:tabLst>
             </a:pPr>
             <a:r>
-              <a:rPr lang="de-DE" altLang="de-DE" sz="2400" smtClean="0">
+              <a:rPr lang="de-DE" altLang="de-DE" sz="2400">
                 <a:latin typeface="Courier New" pitchFamily="49" charset="0"/>
               </a:rPr>
               <a:t>   case 3 : System.out.println("Drei"); break;</a:t>
@@ -11101,7 +11081,7 @@
               </a:tabLst>
             </a:pPr>
             <a:r>
-              <a:rPr lang="de-DE" altLang="de-DE" sz="2400" smtClean="0">
+              <a:rPr lang="de-DE" altLang="de-DE" sz="2400">
                 <a:latin typeface="Courier New" pitchFamily="49" charset="0"/>
               </a:rPr>
               <a:t>   default: System.out.println("????");</a:t>
@@ -11134,7 +11114,7 @@
                 <a:tab pos="8686800" algn="l"/>
               </a:tabLst>
             </a:pPr>
-            <a:endParaRPr lang="de-DE" altLang="de-DE" sz="2400" smtClean="0">
+            <a:endParaRPr lang="de-DE" altLang="de-DE" sz="2400">
               <a:latin typeface="Courier New" pitchFamily="49" charset="0"/>
             </a:endParaRPr>
           </a:p>
@@ -11166,7 +11146,7 @@
               </a:tabLst>
             </a:pPr>
             <a:r>
-              <a:rPr lang="de-DE" altLang="de-DE" sz="2400" smtClean="0">
+              <a:rPr lang="de-DE" altLang="de-DE" sz="2400">
                 <a:latin typeface="Courier New" pitchFamily="49" charset="0"/>
               </a:rPr>
               <a:t>}</a:t>
@@ -11195,7 +11175,7 @@
                 <a:tab pos="8686800" algn="l"/>
               </a:tabLst>
             </a:pPr>
-            <a:endParaRPr lang="de-DE" altLang="de-DE" smtClean="0"/>
+            <a:endParaRPr lang="de-DE" altLang="de-DE"/>
           </a:p>
         </p:txBody>
       </p:sp>
@@ -11406,7 +11386,7 @@
               </a:tabLst>
             </a:pPr>
             <a:r>
-              <a:rPr lang="de-DE" altLang="de-DE" sz="4000" smtClean="0">
+              <a:rPr lang="de-DE" altLang="de-DE" sz="4000">
                 <a:solidFill>
                   <a:srgbClr val="FFFFFF"/>
                 </a:solidFill>
@@ -11456,7 +11436,7 @@
               </a:tabLst>
             </a:pPr>
             <a:r>
-              <a:rPr lang="de-DE" altLang="de-DE" sz="2800" smtClean="0"/>
+              <a:rPr lang="de-DE" altLang="de-DE" sz="2800"/>
               <a:t>Die Beispiel-switch-case-Anweisung kann durch</a:t>
             </a:r>
           </a:p>
@@ -11481,7 +11461,7 @@
               </a:tabLst>
             </a:pPr>
             <a:r>
-              <a:rPr lang="de-DE" altLang="de-DE" sz="2800" smtClean="0"/>
+              <a:rPr lang="de-DE" altLang="de-DE" sz="2800"/>
               <a:t>folgendes "if" ersetzt werden:</a:t>
             </a:r>
           </a:p>
@@ -11505,7 +11485,7 @@
                 <a:tab pos="8686800" algn="l"/>
               </a:tabLst>
             </a:pPr>
-            <a:endParaRPr lang="de-DE" altLang="de-DE" sz="2800" smtClean="0"/>
+            <a:endParaRPr lang="de-DE" altLang="de-DE" sz="2800"/>
           </a:p>
           <a:p>
             <a:pPr marL="269875" indent="-269875" eaLnBrk="1">
@@ -11531,7 +11511,7 @@
               </a:tabLst>
             </a:pPr>
             <a:r>
-              <a:rPr lang="de-DE" altLang="de-DE" sz="2800" smtClean="0">
+              <a:rPr lang="de-DE" altLang="de-DE" sz="2800">
                 <a:latin typeface="Courier New" pitchFamily="49" charset="0"/>
               </a:rPr>
               <a:t>if (zahl == 1) {</a:t>
@@ -11561,7 +11541,7 @@
               </a:tabLst>
             </a:pPr>
             <a:r>
-              <a:rPr lang="de-DE" altLang="de-DE" sz="2800" smtClean="0">
+              <a:rPr lang="de-DE" altLang="de-DE" sz="2800">
                 <a:latin typeface="Courier New" pitchFamily="49" charset="0"/>
               </a:rPr>
               <a:t>   System.out.println("Eins");</a:t>
@@ -11591,7 +11571,7 @@
               </a:tabLst>
             </a:pPr>
             <a:r>
-              <a:rPr lang="de-DE" altLang="de-DE" sz="2800" smtClean="0">
+              <a:rPr lang="de-DE" altLang="de-DE" sz="2800">
                 <a:latin typeface="Courier New" pitchFamily="49" charset="0"/>
               </a:rPr>
               <a:t>} else if (zahl == 2) {</a:t>
@@ -11621,7 +11601,7 @@
               </a:tabLst>
             </a:pPr>
             <a:r>
-              <a:rPr lang="de-DE" altLang="de-DE" sz="2800" smtClean="0">
+              <a:rPr lang="de-DE" altLang="de-DE" sz="2800">
                 <a:latin typeface="Courier New" pitchFamily="49" charset="0"/>
               </a:rPr>
               <a:t>   System.out.println("Zwei");</a:t>
@@ -11651,7 +11631,7 @@
               </a:tabLst>
             </a:pPr>
             <a:r>
-              <a:rPr lang="de-DE" altLang="de-DE" sz="2800" smtClean="0">
+              <a:rPr lang="de-DE" altLang="de-DE" sz="2800">
                 <a:latin typeface="Courier New" pitchFamily="49" charset="0"/>
               </a:rPr>
               <a:t>} else if (zahl == 3) {</a:t>
@@ -11681,7 +11661,7 @@
               </a:tabLst>
             </a:pPr>
             <a:r>
-              <a:rPr lang="de-DE" altLang="de-DE" sz="2800" smtClean="0">
+              <a:rPr lang="de-DE" altLang="de-DE" sz="2800">
                 <a:latin typeface="Courier New" pitchFamily="49" charset="0"/>
               </a:rPr>
               <a:t>   System.out.println("Drei");</a:t>
@@ -11711,7 +11691,7 @@
               </a:tabLst>
             </a:pPr>
             <a:r>
-              <a:rPr lang="de-DE" altLang="de-DE" sz="2800" smtClean="0">
+              <a:rPr lang="de-DE" altLang="de-DE" sz="2800">
                 <a:latin typeface="Courier New" pitchFamily="49" charset="0"/>
               </a:rPr>
               <a:t>} else {</a:t>
@@ -11741,7 +11721,7 @@
               </a:tabLst>
             </a:pPr>
             <a:r>
-              <a:rPr lang="de-DE" altLang="de-DE" sz="2800" smtClean="0">
+              <a:rPr lang="de-DE" altLang="de-DE" sz="2800">
                 <a:latin typeface="Courier New" pitchFamily="49" charset="0"/>
               </a:rPr>
               <a:t>   System.out.println("????");</a:t>
@@ -11771,7 +11751,7 @@
               </a:tabLst>
             </a:pPr>
             <a:r>
-              <a:rPr lang="de-DE" altLang="de-DE" sz="2800" smtClean="0">
+              <a:rPr lang="de-DE" altLang="de-DE" sz="2800">
                 <a:latin typeface="Courier New" pitchFamily="49" charset="0"/>
               </a:rPr>
               <a:t>}</a:t>
@@ -11797,7 +11777,7 @@
                 <a:tab pos="8686800" algn="l"/>
               </a:tabLst>
             </a:pPr>
-            <a:endParaRPr lang="de-DE" altLang="de-DE" sz="2800" smtClean="0"/>
+            <a:endParaRPr lang="de-DE" altLang="de-DE" sz="2800"/>
           </a:p>
           <a:p>
             <a:pPr marL="269875" indent="-269875" eaLnBrk="1">
@@ -11822,7 +11802,7 @@
                 <a:tab pos="8686800" algn="l"/>
               </a:tabLst>
             </a:pPr>
-            <a:endParaRPr lang="de-DE" altLang="de-DE" smtClean="0"/>
+            <a:endParaRPr lang="de-DE" altLang="de-DE"/>
           </a:p>
           <a:p>
             <a:pPr marL="269875" indent="-269875" eaLnBrk="1">
@@ -11847,7 +11827,7 @@
                 <a:tab pos="8686800" algn="l"/>
               </a:tabLst>
             </a:pPr>
-            <a:endParaRPr lang="de-DE" altLang="de-DE" smtClean="0"/>
+            <a:endParaRPr lang="de-DE" altLang="de-DE"/>
           </a:p>
         </p:txBody>
       </p:sp>
@@ -12058,7 +12038,7 @@
               </a:tabLst>
             </a:pPr>
             <a:r>
-              <a:rPr lang="de-DE" altLang="de-DE" sz="4000" smtClean="0">
+              <a:rPr lang="de-DE" altLang="de-DE" sz="4000">
                 <a:solidFill>
                   <a:srgbClr val="FFFFFF"/>
                 </a:solidFill>
@@ -12111,13 +12091,13 @@
               </a:tabLst>
             </a:pPr>
             <a:r>
-              <a:rPr lang="de-DE" altLang="de-DE" sz="2800" smtClean="0"/>
+              <a:rPr lang="de-DE" altLang="de-DE" sz="2800"/>
               <a:t>Programmschleifen dienen der unmittelbaren Wiederholung gleicher oder ähnlicher Anweisungen.</a:t>
             </a:r>
             <a:br>
-              <a:rPr lang="de-DE" altLang="de-DE" sz="2800" smtClean="0"/>
+              <a:rPr lang="de-DE" altLang="de-DE" sz="2800"/>
             </a:br>
-            <a:endParaRPr lang="de-DE" altLang="de-DE" sz="2800" smtClean="0"/>
+            <a:endParaRPr lang="de-DE" altLang="de-DE" sz="2800"/>
           </a:p>
           <a:p>
             <a:pPr marL="269875" indent="-269875" eaLnBrk="1">
@@ -12143,35 +12123,27 @@
               </a:tabLst>
             </a:pPr>
             <a:r>
-              <a:rPr lang="de-DE" altLang="de-DE" sz="2800" smtClean="0"/>
+              <a:rPr lang="de-DE" altLang="de-DE" sz="2800"/>
               <a:t>Simples Anwendungsbeispiel:</a:t>
             </a:r>
             <a:br>
-              <a:rPr lang="de-DE" altLang="de-DE" sz="2800" smtClean="0"/>
+              <a:rPr lang="de-DE" altLang="de-DE" sz="2800"/>
             </a:br>
-            <a:r>
-              <a:rPr lang="de-DE" altLang="de-DE" sz="2800" smtClean="0"/>
-              <a:t/>
-            </a:r>
             <a:br>
-              <a:rPr lang="de-DE" altLang="de-DE" sz="2800" smtClean="0"/>
+              <a:rPr lang="de-DE" altLang="de-DE" sz="2800"/>
             </a:br>
             <a:r>
-              <a:rPr lang="de-DE" altLang="de-DE" sz="2800" smtClean="0"/>
+              <a:rPr lang="de-DE" altLang="de-DE" sz="2800"/>
               <a:t>Ein Programm, welches 100x "Hallo Welt!" auf der Konsole ausgibt.</a:t>
             </a:r>
             <a:br>
-              <a:rPr lang="de-DE" altLang="de-DE" sz="2800" smtClean="0"/>
+              <a:rPr lang="de-DE" altLang="de-DE" sz="2800"/>
             </a:br>
-            <a:r>
-              <a:rPr lang="de-DE" altLang="de-DE" sz="2800" smtClean="0"/>
-              <a:t/>
-            </a:r>
             <a:br>
-              <a:rPr lang="de-DE" altLang="de-DE" sz="2800" smtClean="0"/>
+              <a:rPr lang="de-DE" altLang="de-DE" sz="2800"/>
             </a:br>
             <a:r>
-              <a:rPr lang="de-DE" altLang="de-DE" sz="2800" smtClean="0"/>
+              <a:rPr lang="de-DE" altLang="de-DE" sz="2800"/>
               <a:t>Anstatt 100 gleiche Programmzeilen zu schreiben, wäre ein Konstrukt wünschenswert, ein und dieselbe Programmzeile 100x auszuführen.</a:t>
             </a:r>
           </a:p>
@@ -12198,7 +12170,7 @@
                 <a:tab pos="8686800" algn="l"/>
               </a:tabLst>
             </a:pPr>
-            <a:endParaRPr lang="de-DE" altLang="de-DE" sz="2800" smtClean="0"/>
+            <a:endParaRPr lang="de-DE" altLang="de-DE" sz="2800"/>
           </a:p>
           <a:p>
             <a:pPr marL="269875" indent="-269875" eaLnBrk="1">
@@ -12223,7 +12195,7 @@
                 <a:tab pos="8686800" algn="l"/>
               </a:tabLst>
             </a:pPr>
-            <a:endParaRPr lang="de-DE" altLang="de-DE" smtClean="0"/>
+            <a:endParaRPr lang="de-DE" altLang="de-DE"/>
           </a:p>
           <a:p>
             <a:pPr marL="269875" indent="-269875" eaLnBrk="1">
@@ -12248,7 +12220,7 @@
                 <a:tab pos="8686800" algn="l"/>
               </a:tabLst>
             </a:pPr>
-            <a:endParaRPr lang="de-DE" altLang="de-DE" smtClean="0"/>
+            <a:endParaRPr lang="de-DE" altLang="de-DE"/>
           </a:p>
         </p:txBody>
       </p:sp>
@@ -12459,7 +12431,7 @@
               </a:tabLst>
             </a:pPr>
             <a:r>
-              <a:rPr lang="de-DE" altLang="de-DE" sz="4000" smtClean="0">
+              <a:rPr lang="de-DE" altLang="de-DE" sz="4000">
                 <a:solidFill>
                   <a:srgbClr val="FFFFFF"/>
                 </a:solidFill>
@@ -12509,7 +12481,7 @@
               </a:tabLst>
             </a:pPr>
             <a:r>
-              <a:rPr lang="de-DE" altLang="de-DE" sz="2600" smtClean="0"/>
+              <a:rPr lang="de-DE" altLang="de-DE" sz="2600"/>
               <a:t>Jedes Schleifenkonstrukt besteht aus mindestens zwei</a:t>
             </a:r>
           </a:p>
@@ -12534,7 +12506,7 @@
               </a:tabLst>
             </a:pPr>
             <a:r>
-              <a:rPr lang="de-DE" altLang="de-DE" sz="2600" smtClean="0"/>
+              <a:rPr lang="de-DE" altLang="de-DE" sz="2600"/>
               <a:t>Teilen:</a:t>
             </a:r>
           </a:p>
@@ -12561,7 +12533,7 @@
                 <a:tab pos="8686800" algn="l"/>
               </a:tabLst>
             </a:pPr>
-            <a:endParaRPr lang="de-DE" altLang="de-DE" sz="2600" smtClean="0"/>
+            <a:endParaRPr lang="de-DE" altLang="de-DE" sz="2600"/>
           </a:p>
           <a:p>
             <a:pPr marL="269875" indent="-269875" eaLnBrk="1">
@@ -12587,27 +12559,23 @@
               </a:tabLst>
             </a:pPr>
             <a:r>
-              <a:rPr lang="de-DE" altLang="de-DE" sz="2600" smtClean="0"/>
+              <a:rPr lang="de-DE" altLang="de-DE" sz="2600"/>
               <a:t>Schleifeninhalt:</a:t>
             </a:r>
             <a:br>
-              <a:rPr lang="de-DE" altLang="de-DE" sz="2600" smtClean="0"/>
+              <a:rPr lang="de-DE" altLang="de-DE" sz="2600"/>
             </a:br>
-            <a:r>
-              <a:rPr lang="de-DE" altLang="de-DE" sz="2600" smtClean="0"/>
-              <a:t/>
-            </a:r>
             <a:br>
-              <a:rPr lang="de-DE" altLang="de-DE" sz="2600" smtClean="0"/>
+              <a:rPr lang="de-DE" altLang="de-DE" sz="2600"/>
             </a:br>
             <a:r>
-              <a:rPr lang="de-DE" altLang="de-DE" sz="2600" smtClean="0"/>
+              <a:rPr lang="de-DE" altLang="de-DE" sz="2600"/>
               <a:t>Der Schleifeninhalt sind die Anweisungen, die mehrfach ausgeführt werden sollen.</a:t>
             </a:r>
             <a:br>
-              <a:rPr lang="de-DE" altLang="de-DE" sz="2600" smtClean="0"/>
+              <a:rPr lang="de-DE" altLang="de-DE" sz="2600"/>
             </a:br>
-            <a:endParaRPr lang="de-DE" altLang="de-DE" sz="2600" smtClean="0"/>
+            <a:endParaRPr lang="de-DE" altLang="de-DE" sz="2600"/>
           </a:p>
           <a:p>
             <a:pPr marL="269875" indent="-269875" eaLnBrk="1">
@@ -12633,28 +12601,24 @@
               </a:tabLst>
             </a:pPr>
             <a:r>
-              <a:rPr lang="de-DE" altLang="de-DE" sz="2600" smtClean="0"/>
+              <a:rPr lang="de-DE" altLang="de-DE" sz="2600"/>
               <a:t>Schleifenbedingung:</a:t>
             </a:r>
             <a:br>
-              <a:rPr lang="de-DE" altLang="de-DE" sz="2600" smtClean="0"/>
+              <a:rPr lang="de-DE" altLang="de-DE" sz="2600"/>
             </a:br>
-            <a:r>
-              <a:rPr lang="de-DE" altLang="de-DE" sz="2600" smtClean="0"/>
-              <a:t/>
-            </a:r>
             <a:br>
-              <a:rPr lang="de-DE" altLang="de-DE" sz="2600" smtClean="0"/>
+              <a:rPr lang="de-DE" altLang="de-DE" sz="2600"/>
             </a:br>
             <a:r>
-              <a:rPr lang="de-DE" altLang="de-DE" sz="2600" smtClean="0"/>
+              <a:rPr lang="de-DE" altLang="de-DE" sz="2600"/>
               <a:t>Die Schleifenbedingung bestimmt, wann eine Schleife mit der Wiederholung des Inhalts aufhört. Die Schleifenbe-</a:t>
             </a:r>
             <a:br>
-              <a:rPr lang="de-DE" altLang="de-DE" sz="2600" smtClean="0"/>
+              <a:rPr lang="de-DE" altLang="de-DE" sz="2600"/>
             </a:br>
             <a:r>
-              <a:rPr lang="de-DE" altLang="de-DE" sz="2600" smtClean="0"/>
+              <a:rPr lang="de-DE" altLang="de-DE" sz="2600"/>
               <a:t>dingung ist immer ein boolescher Ausdruck.</a:t>
             </a:r>
           </a:p>
@@ -12681,7 +12645,7 @@
                 <a:tab pos="8686800" algn="l"/>
               </a:tabLst>
             </a:pPr>
-            <a:endParaRPr lang="de-DE" altLang="de-DE" smtClean="0"/>
+            <a:endParaRPr lang="de-DE" altLang="de-DE"/>
           </a:p>
           <a:p>
             <a:pPr marL="269875" indent="-269875" eaLnBrk="1">
@@ -12706,7 +12670,7 @@
                 <a:tab pos="8686800" algn="l"/>
               </a:tabLst>
             </a:pPr>
-            <a:endParaRPr lang="de-DE" altLang="de-DE" smtClean="0"/>
+            <a:endParaRPr lang="de-DE" altLang="de-DE"/>
           </a:p>
         </p:txBody>
       </p:sp>
@@ -12917,7 +12881,7 @@
               </a:tabLst>
             </a:pPr>
             <a:r>
-              <a:rPr lang="de-DE" altLang="de-DE" sz="4000" smtClean="0">
+              <a:rPr lang="de-DE" altLang="de-DE" sz="4000">
                 <a:solidFill>
                   <a:srgbClr val="FFFFFF"/>
                 </a:solidFill>
@@ -12967,7 +12931,7 @@
               </a:tabLst>
             </a:pPr>
             <a:r>
-              <a:rPr lang="de-DE" altLang="de-DE" sz="2600" smtClean="0"/>
+              <a:rPr lang="de-DE" altLang="de-DE" sz="2600"/>
               <a:t>Man unterscheidet zwischen zwei Schleifenarten:</a:t>
             </a:r>
           </a:p>
@@ -12994,7 +12958,7 @@
                 <a:tab pos="8686800" algn="l"/>
               </a:tabLst>
             </a:pPr>
-            <a:endParaRPr lang="de-DE" altLang="de-DE" sz="2600" smtClean="0"/>
+            <a:endParaRPr lang="de-DE" altLang="de-DE" sz="2600"/>
           </a:p>
           <a:p>
             <a:pPr marL="269875" indent="-269875" eaLnBrk="1">
@@ -13020,27 +12984,23 @@
               </a:tabLst>
             </a:pPr>
             <a:r>
-              <a:rPr lang="de-DE" altLang="de-DE" sz="2600" smtClean="0"/>
+              <a:rPr lang="de-DE" altLang="de-DE" sz="2600"/>
               <a:t>Kopfgesteuerte Schleifen:</a:t>
             </a:r>
             <a:br>
-              <a:rPr lang="de-DE" altLang="de-DE" sz="2600" smtClean="0"/>
+              <a:rPr lang="de-DE" altLang="de-DE" sz="2600"/>
             </a:br>
-            <a:r>
-              <a:rPr lang="de-DE" altLang="de-DE" sz="2600" smtClean="0"/>
-              <a:t/>
-            </a:r>
             <a:br>
-              <a:rPr lang="de-DE" altLang="de-DE" sz="2600" smtClean="0"/>
+              <a:rPr lang="de-DE" altLang="de-DE" sz="2600"/>
             </a:br>
             <a:r>
-              <a:rPr lang="de-DE" altLang="de-DE" sz="2600" smtClean="0"/>
+              <a:rPr lang="de-DE" altLang="de-DE" sz="2600"/>
               <a:t>Bei kopfgesteuerten Schleifen wird zuerst die Schleifenbedingung ausgewertet und danach der Schleifeninhalt ausgeführt.</a:t>
             </a:r>
             <a:br>
-              <a:rPr lang="de-DE" altLang="de-DE" sz="2600" smtClean="0"/>
+              <a:rPr lang="de-DE" altLang="de-DE" sz="2600"/>
             </a:br>
-            <a:endParaRPr lang="de-DE" altLang="de-DE" sz="2600" smtClean="0"/>
+            <a:endParaRPr lang="de-DE" altLang="de-DE" sz="2600"/>
           </a:p>
           <a:p>
             <a:pPr marL="269875" indent="-269875" eaLnBrk="1">
@@ -13066,21 +13026,17 @@
               </a:tabLst>
             </a:pPr>
             <a:r>
-              <a:rPr lang="de-DE" altLang="de-DE" sz="2600" smtClean="0"/>
+              <a:rPr lang="de-DE" altLang="de-DE" sz="2600"/>
               <a:t>Fußgesteuerte Schleifen:</a:t>
             </a:r>
             <a:br>
-              <a:rPr lang="de-DE" altLang="de-DE" sz="2600" smtClean="0"/>
+              <a:rPr lang="de-DE" altLang="de-DE" sz="2600"/>
             </a:br>
-            <a:r>
-              <a:rPr lang="de-DE" altLang="de-DE" sz="2600" smtClean="0"/>
-              <a:t/>
-            </a:r>
             <a:br>
-              <a:rPr lang="de-DE" altLang="de-DE" sz="2600" smtClean="0"/>
+              <a:rPr lang="de-DE" altLang="de-DE" sz="2600"/>
             </a:br>
             <a:r>
-              <a:rPr lang="de-DE" altLang="de-DE" sz="2600" smtClean="0"/>
+              <a:rPr lang="de-DE" altLang="de-DE" sz="2600"/>
               <a:t>Bei fußgesteuerten Schleifen wird zuerst der Schleifeninhalt ausgeführt und danach die Schleifenbedingung ausgewertet.</a:t>
             </a:r>
           </a:p>
@@ -13107,7 +13063,7 @@
                 <a:tab pos="8686800" algn="l"/>
               </a:tabLst>
             </a:pPr>
-            <a:endParaRPr lang="de-DE" altLang="de-DE" smtClean="0"/>
+            <a:endParaRPr lang="de-DE" altLang="de-DE"/>
           </a:p>
           <a:p>
             <a:pPr marL="269875" indent="-269875" eaLnBrk="1">
@@ -13132,7 +13088,7 @@
                 <a:tab pos="8686800" algn="l"/>
               </a:tabLst>
             </a:pPr>
-            <a:endParaRPr lang="de-DE" altLang="de-DE" smtClean="0"/>
+            <a:endParaRPr lang="de-DE" altLang="de-DE"/>
           </a:p>
         </p:txBody>
       </p:sp>
@@ -13343,7 +13299,7 @@
               </a:tabLst>
             </a:pPr>
             <a:r>
-              <a:rPr lang="de-DE" altLang="de-DE" sz="4000" smtClean="0">
+              <a:rPr lang="de-DE" altLang="de-DE" sz="4000">
                 <a:solidFill>
                   <a:srgbClr val="FFFFFF"/>
                 </a:solidFill>
@@ -13393,7 +13349,7 @@
               </a:tabLst>
             </a:pPr>
             <a:r>
-              <a:rPr lang="de-DE" altLang="de-DE" sz="2800" smtClean="0"/>
+              <a:rPr lang="de-DE" altLang="de-DE" sz="2800"/>
               <a:t>Java kennt vier Schleifenkonstrukte:</a:t>
             </a:r>
           </a:p>
@@ -13420,7 +13376,7 @@
                 <a:tab pos="8686800" algn="l"/>
               </a:tabLst>
             </a:pPr>
-            <a:endParaRPr lang="de-DE" altLang="de-DE" sz="2800" smtClean="0"/>
+            <a:endParaRPr lang="de-DE" altLang="de-DE" sz="2800"/>
           </a:p>
           <a:p>
             <a:pPr marL="269875" indent="-269875" eaLnBrk="1">
@@ -13446,14 +13402,14 @@
               </a:tabLst>
             </a:pPr>
             <a:r>
-              <a:rPr lang="de-DE" altLang="de-DE" sz="2800" smtClean="0"/>
+              <a:rPr lang="de-DE" altLang="de-DE" sz="2800"/>
               <a:t>while-Schleife</a:t>
             </a:r>
             <a:br>
-              <a:rPr lang="de-DE" altLang="de-DE" sz="2800" smtClean="0"/>
+              <a:rPr lang="de-DE" altLang="de-DE" sz="2800"/>
             </a:br>
             <a:r>
-              <a:rPr lang="de-DE" altLang="de-DE" sz="2800" smtClean="0"/>
+              <a:rPr lang="de-DE" altLang="de-DE" sz="2800"/>
               <a:t> </a:t>
             </a:r>
           </a:p>
@@ -13481,13 +13437,13 @@
               </a:tabLst>
             </a:pPr>
             <a:r>
-              <a:rPr lang="de-DE" altLang="de-DE" sz="2800" smtClean="0"/>
+              <a:rPr lang="de-DE" altLang="de-DE" sz="2800"/>
               <a:t>do-while-Schleife</a:t>
             </a:r>
             <a:br>
-              <a:rPr lang="de-DE" altLang="de-DE" sz="2800" smtClean="0"/>
+              <a:rPr lang="de-DE" altLang="de-DE" sz="2800"/>
             </a:br>
-            <a:endParaRPr lang="de-DE" altLang="de-DE" sz="2800" smtClean="0"/>
+            <a:endParaRPr lang="de-DE" altLang="de-DE" sz="2800"/>
           </a:p>
           <a:p>
             <a:pPr marL="269875" indent="-269875" eaLnBrk="1">
@@ -13513,13 +13469,13 @@
               </a:tabLst>
             </a:pPr>
             <a:r>
-              <a:rPr lang="de-DE" altLang="de-DE" sz="2800" smtClean="0"/>
+              <a:rPr lang="de-DE" altLang="de-DE" sz="2800"/>
               <a:t>for-Schleife</a:t>
             </a:r>
             <a:br>
-              <a:rPr lang="de-DE" altLang="de-DE" sz="2800" smtClean="0"/>
+              <a:rPr lang="de-DE" altLang="de-DE" sz="2800"/>
             </a:br>
-            <a:endParaRPr lang="de-DE" altLang="de-DE" sz="2800" smtClean="0"/>
+            <a:endParaRPr lang="de-DE" altLang="de-DE" sz="2800"/>
           </a:p>
           <a:p>
             <a:pPr marL="269875" indent="-269875" eaLnBrk="1">
@@ -13545,14 +13501,14 @@
               </a:tabLst>
             </a:pPr>
             <a:r>
-              <a:rPr lang="de-DE" altLang="de-DE" sz="2800" smtClean="0"/>
+              <a:rPr lang="de-DE" altLang="de-DE" sz="2800"/>
               <a:t>for-each-Schleife</a:t>
             </a:r>
             <a:br>
-              <a:rPr lang="de-DE" altLang="de-DE" sz="2800" smtClean="0"/>
+              <a:rPr lang="de-DE" altLang="de-DE" sz="2800"/>
             </a:br>
             <a:r>
-              <a:rPr lang="de-DE" altLang="de-DE" sz="2800" smtClean="0"/>
+              <a:rPr lang="de-DE" altLang="de-DE" sz="2800"/>
               <a:t>(Diese werden wir vorerst jedoch auslassen)</a:t>
             </a:r>
           </a:p>
@@ -13579,7 +13535,7 @@
                 <a:tab pos="8686800" algn="l"/>
               </a:tabLst>
             </a:pPr>
-            <a:endParaRPr lang="de-DE" altLang="de-DE" smtClean="0"/>
+            <a:endParaRPr lang="de-DE" altLang="de-DE"/>
           </a:p>
           <a:p>
             <a:pPr marL="269875" indent="-269875" eaLnBrk="1">
@@ -13604,7 +13560,7 @@
                 <a:tab pos="8686800" algn="l"/>
               </a:tabLst>
             </a:pPr>
-            <a:endParaRPr lang="de-DE" altLang="de-DE" smtClean="0"/>
+            <a:endParaRPr lang="de-DE" altLang="de-DE"/>
           </a:p>
         </p:txBody>
       </p:sp>
@@ -13815,7 +13771,7 @@
               </a:tabLst>
             </a:pPr>
             <a:r>
-              <a:rPr lang="de-DE" altLang="de-DE" sz="4000" smtClean="0">
+              <a:rPr lang="de-DE" altLang="de-DE" sz="4000">
                 <a:solidFill>
                   <a:srgbClr val="FFFFFF"/>
                 </a:solidFill>
@@ -13865,7 +13821,7 @@
               </a:tabLst>
             </a:pPr>
             <a:r>
-              <a:rPr lang="de-DE" altLang="de-DE" sz="2800" smtClean="0"/>
+              <a:rPr lang="de-DE" altLang="de-DE" sz="2800"/>
               <a:t>Die Syntax der while-Schleife lautet wie folgt:</a:t>
             </a:r>
           </a:p>
@@ -13889,7 +13845,7 @@
                 <a:tab pos="8686800" algn="l"/>
               </a:tabLst>
             </a:pPr>
-            <a:endParaRPr lang="de-DE" altLang="de-DE" sz="2800" smtClean="0"/>
+            <a:endParaRPr lang="de-DE" altLang="de-DE" sz="2800"/>
           </a:p>
           <a:p>
             <a:pPr marL="0" indent="0" eaLnBrk="1">
@@ -13915,17 +13871,17 @@
               </a:tabLst>
             </a:pPr>
             <a:r>
-              <a:rPr lang="de-DE" altLang="de-DE" sz="2800" smtClean="0">
+              <a:rPr lang="de-DE" altLang="de-DE" sz="2800">
                 <a:latin typeface="Courier New" pitchFamily="49" charset="0"/>
               </a:rPr>
               <a:t>while ( </a:t>
             </a:r>
             <a:r>
-              <a:rPr lang="de-DE" altLang="de-DE" sz="2800" smtClean="0"/>
+              <a:rPr lang="de-DE" altLang="de-DE" sz="2800"/>
               <a:t>&lt;schleifenbedingung&gt;</a:t>
             </a:r>
             <a:r>
-              <a:rPr lang="de-DE" altLang="de-DE" sz="2800" smtClean="0">
+              <a:rPr lang="de-DE" altLang="de-DE" sz="2800">
                 <a:latin typeface="Courier New" pitchFamily="49" charset="0"/>
               </a:rPr>
               <a:t> ) {</a:t>
@@ -13955,13 +13911,13 @@
               </a:tabLst>
             </a:pPr>
             <a:r>
-              <a:rPr lang="de-DE" altLang="de-DE" sz="2800" smtClean="0">
+              <a:rPr lang="de-DE" altLang="de-DE" sz="2800">
                 <a:latin typeface="Courier New" pitchFamily="49" charset="0"/>
               </a:rPr>
               <a:t>    </a:t>
             </a:r>
             <a:r>
-              <a:rPr lang="de-DE" altLang="de-DE" sz="2800" smtClean="0"/>
+              <a:rPr lang="de-DE" altLang="de-DE" sz="2800"/>
               <a:t>&lt;schleifeninhalt&gt;</a:t>
             </a:r>
           </a:p>
@@ -13989,7 +13945,7 @@
               </a:tabLst>
             </a:pPr>
             <a:r>
-              <a:rPr lang="de-DE" altLang="de-DE" sz="2800" smtClean="0">
+              <a:rPr lang="de-DE" altLang="de-DE" sz="2800">
                 <a:latin typeface="Courier New" pitchFamily="49" charset="0"/>
               </a:rPr>
               <a:t>}</a:t>
@@ -14018,7 +13974,7 @@
                 <a:tab pos="8686800" algn="l"/>
               </a:tabLst>
             </a:pPr>
-            <a:endParaRPr lang="de-DE" altLang="de-DE" sz="2800" smtClean="0">
+            <a:endParaRPr lang="de-DE" altLang="de-DE" sz="2800">
               <a:latin typeface="Courier New" pitchFamily="49" charset="0"/>
             </a:endParaRPr>
           </a:p>
@@ -14043,7 +13999,7 @@
               </a:tabLst>
             </a:pPr>
             <a:r>
-              <a:rPr lang="de-DE" altLang="de-DE" sz="2800" smtClean="0"/>
+              <a:rPr lang="de-DE" altLang="de-DE" sz="2800"/>
               <a:t>Also zum Beispiel:</a:t>
             </a:r>
           </a:p>
@@ -14067,7 +14023,7 @@
                 <a:tab pos="8686800" algn="l"/>
               </a:tabLst>
             </a:pPr>
-            <a:endParaRPr lang="de-DE" altLang="de-DE" sz="2800" smtClean="0"/>
+            <a:endParaRPr lang="de-DE" altLang="de-DE" sz="2800"/>
           </a:p>
           <a:p>
             <a:pPr marL="0" indent="0" eaLnBrk="1">
@@ -14093,7 +14049,7 @@
               </a:tabLst>
             </a:pPr>
             <a:r>
-              <a:rPr lang="de-DE" altLang="de-DE" sz="2400" smtClean="0">
+              <a:rPr lang="de-DE" altLang="de-DE" sz="2400">
                 <a:latin typeface="Courier New" pitchFamily="49" charset="0"/>
               </a:rPr>
               <a:t>int zahl = 1;</a:t>
@@ -14123,7 +14079,7 @@
               </a:tabLst>
             </a:pPr>
             <a:r>
-              <a:rPr lang="de-DE" altLang="de-DE" sz="2400" smtClean="0">
+              <a:rPr lang="de-DE" altLang="de-DE" sz="2400">
                 <a:latin typeface="Courier New" pitchFamily="49" charset="0"/>
               </a:rPr>
               <a:t>while ( zahl &lt; 101 ) {</a:t>
@@ -14153,7 +14109,7 @@
               </a:tabLst>
             </a:pPr>
             <a:r>
-              <a:rPr lang="de-DE" altLang="de-DE" sz="2400" smtClean="0">
+              <a:rPr lang="de-DE" altLang="de-DE" sz="2400">
                 <a:latin typeface="Courier New" pitchFamily="49" charset="0"/>
               </a:rPr>
               <a:t>    System.out.println(zahl + ". Hallo Welt!");</a:t>
@@ -14183,7 +14139,7 @@
               </a:tabLst>
             </a:pPr>
             <a:r>
-              <a:rPr lang="de-DE" altLang="de-DE" sz="2400" smtClean="0">
+              <a:rPr lang="de-DE" altLang="de-DE" sz="2400">
                 <a:latin typeface="Courier New" pitchFamily="49" charset="0"/>
               </a:rPr>
               <a:t>    zahl = zahl + 1;</a:t>
@@ -14213,7 +14169,7 @@
               </a:tabLst>
             </a:pPr>
             <a:r>
-              <a:rPr lang="de-DE" altLang="de-DE" sz="2400" smtClean="0">
+              <a:rPr lang="de-DE" altLang="de-DE" sz="2400">
                 <a:latin typeface="Courier New" pitchFamily="49" charset="0"/>
               </a:rPr>
               <a:t>}</a:t>
@@ -14242,7 +14198,7 @@
                 <a:tab pos="8686800" algn="l"/>
               </a:tabLst>
             </a:pPr>
-            <a:endParaRPr lang="de-DE" altLang="de-DE" smtClean="0"/>
+            <a:endParaRPr lang="de-DE" altLang="de-DE"/>
           </a:p>
         </p:txBody>
       </p:sp>
@@ -14453,7 +14409,7 @@
               </a:tabLst>
             </a:pPr>
             <a:r>
-              <a:rPr lang="de-DE" altLang="de-DE" sz="4000" smtClean="0">
+              <a:rPr lang="de-DE" altLang="de-DE" sz="4000">
                 <a:solidFill>
                   <a:srgbClr val="FFFFFF"/>
                 </a:solidFill>
@@ -14503,7 +14459,7 @@
               </a:tabLst>
             </a:pPr>
             <a:r>
-              <a:rPr lang="de-DE" altLang="de-DE" sz="2600" smtClean="0"/>
+              <a:rPr lang="de-DE" altLang="de-DE" sz="2600"/>
               <a:t>Die Syntax der do-while-Schleife lautet wie folgt:</a:t>
             </a:r>
           </a:p>
@@ -14527,7 +14483,7 @@
                 <a:tab pos="8686800" algn="l"/>
               </a:tabLst>
             </a:pPr>
-            <a:endParaRPr lang="de-DE" altLang="de-DE" sz="2600" smtClean="0"/>
+            <a:endParaRPr lang="de-DE" altLang="de-DE" sz="2600"/>
           </a:p>
           <a:p>
             <a:pPr marL="269875" indent="-269875" eaLnBrk="1">
@@ -14553,7 +14509,7 @@
               </a:tabLst>
             </a:pPr>
             <a:r>
-              <a:rPr lang="de-DE" altLang="de-DE" sz="2600" smtClean="0">
+              <a:rPr lang="de-DE" altLang="de-DE" sz="2600">
                 <a:latin typeface="Courier New" pitchFamily="49" charset="0"/>
               </a:rPr>
               <a:t>do {</a:t>
@@ -14583,13 +14539,13 @@
               </a:tabLst>
             </a:pPr>
             <a:r>
-              <a:rPr lang="de-DE" altLang="de-DE" sz="2600" smtClean="0">
+              <a:rPr lang="de-DE" altLang="de-DE" sz="2600">
                 <a:latin typeface="Courier New" pitchFamily="49" charset="0"/>
               </a:rPr>
               <a:t>    </a:t>
             </a:r>
             <a:r>
-              <a:rPr lang="de-DE" altLang="de-DE" sz="2600" smtClean="0"/>
+              <a:rPr lang="de-DE" altLang="de-DE" sz="2600"/>
               <a:t>&lt;schleifeninhalt&gt;</a:t>
             </a:r>
           </a:p>
@@ -14617,29 +14573,29 @@
               </a:tabLst>
             </a:pPr>
             <a:r>
-              <a:rPr lang="de-DE" altLang="de-DE" sz="2600" smtClean="0">
+              <a:rPr lang="de-DE" altLang="de-DE" sz="2600">
                 <a:latin typeface="Courier New" pitchFamily="49" charset="0"/>
               </a:rPr>
               <a:t>} while ( </a:t>
             </a:r>
             <a:r>
-              <a:rPr lang="de-DE" altLang="de-DE" sz="2600" smtClean="0"/>
+              <a:rPr lang="de-DE" altLang="de-DE" sz="2600"/>
               <a:t>&lt;schleifenbedingung&gt;</a:t>
             </a:r>
             <a:r>
-              <a:rPr lang="de-DE" altLang="de-DE" sz="2600" smtClean="0">
+              <a:rPr lang="de-DE" altLang="de-DE" sz="2600">
                 <a:latin typeface="Courier New" pitchFamily="49" charset="0"/>
               </a:rPr>
               <a:t> )</a:t>
             </a:r>
             <a:r>
-              <a:rPr lang="ar-SA" altLang="de-DE" sz="2600" smtClean="0">
+              <a:rPr lang="ar-SA" altLang="de-DE" sz="2600">
                 <a:latin typeface="Courier New" pitchFamily="49" charset="0"/>
                 <a:cs typeface="Arial" charset="0"/>
               </a:rPr>
               <a:t>‏</a:t>
             </a:r>
-            <a:endParaRPr lang="de-DE" altLang="de-DE" sz="2600" smtClean="0">
+            <a:endParaRPr lang="de-DE" altLang="de-DE" sz="2600">
               <a:latin typeface="Courier New" pitchFamily="49" charset="0"/>
             </a:endParaRPr>
           </a:p>
@@ -14666,7 +14622,7 @@
                 <a:tab pos="8686800" algn="l"/>
               </a:tabLst>
             </a:pPr>
-            <a:endParaRPr lang="de-DE" altLang="de-DE" sz="2600" smtClean="0">
+            <a:endParaRPr lang="de-DE" altLang="de-DE" sz="2600">
               <a:latin typeface="Courier New" pitchFamily="49" charset="0"/>
             </a:endParaRPr>
           </a:p>
@@ -14691,7 +14647,7 @@
               </a:tabLst>
             </a:pPr>
             <a:r>
-              <a:rPr lang="de-DE" altLang="de-DE" sz="2600" smtClean="0"/>
+              <a:rPr lang="de-DE" altLang="de-DE" sz="2600"/>
               <a:t>Also zum Beispiel:</a:t>
             </a:r>
           </a:p>
@@ -14715,7 +14671,7 @@
                 <a:tab pos="8686800" algn="l"/>
               </a:tabLst>
             </a:pPr>
-            <a:endParaRPr lang="de-DE" altLang="de-DE" sz="2600" smtClean="0"/>
+            <a:endParaRPr lang="de-DE" altLang="de-DE" sz="2600"/>
           </a:p>
           <a:p>
             <a:pPr marL="269875" indent="-269875" eaLnBrk="1">
@@ -14741,7 +14697,7 @@
               </a:tabLst>
             </a:pPr>
             <a:r>
-              <a:rPr lang="de-DE" altLang="de-DE" sz="2400" smtClean="0">
+              <a:rPr lang="de-DE" altLang="de-DE" sz="2400">
                 <a:latin typeface="Courier New" pitchFamily="49" charset="0"/>
               </a:rPr>
               <a:t>int zahl = 1;</a:t>
@@ -14771,7 +14727,7 @@
               </a:tabLst>
             </a:pPr>
             <a:r>
-              <a:rPr lang="de-DE" altLang="de-DE" sz="2400" smtClean="0">
+              <a:rPr lang="de-DE" altLang="de-DE" sz="2400">
                 <a:latin typeface="Courier New" pitchFamily="49" charset="0"/>
               </a:rPr>
               <a:t>do {</a:t>
@@ -14801,7 +14757,7 @@
               </a:tabLst>
             </a:pPr>
             <a:r>
-              <a:rPr lang="de-DE" altLang="de-DE" sz="2400" smtClean="0">
+              <a:rPr lang="de-DE" altLang="de-DE" sz="2400">
                 <a:latin typeface="Courier New" pitchFamily="49" charset="0"/>
               </a:rPr>
               <a:t>    System.out.println(zahl + ". Hallo Welt !");</a:t>
@@ -14831,7 +14787,7 @@
               </a:tabLst>
             </a:pPr>
             <a:r>
-              <a:rPr lang="de-DE" altLang="de-DE" sz="2400" smtClean="0">
+              <a:rPr lang="de-DE" altLang="de-DE" sz="2400">
                 <a:latin typeface="Courier New" pitchFamily="49" charset="0"/>
               </a:rPr>
               <a:t>    zahl = zahl + 1;</a:t>
@@ -14861,7 +14817,7 @@
               </a:tabLst>
             </a:pPr>
             <a:r>
-              <a:rPr lang="de-DE" altLang="de-DE" sz="2400" smtClean="0">
+              <a:rPr lang="de-DE" altLang="de-DE" sz="2400">
                 <a:latin typeface="Courier New" pitchFamily="49" charset="0"/>
               </a:rPr>
               <a:t>} while ( zahl &lt; 101 )</a:t>
@@ -14890,7 +14846,7 @@
                 <a:tab pos="8686800" algn="l"/>
               </a:tabLst>
             </a:pPr>
-            <a:endParaRPr lang="de-DE" altLang="de-DE" smtClean="0"/>
+            <a:endParaRPr lang="de-DE" altLang="de-DE"/>
           </a:p>
           <a:p>
             <a:pPr marL="269875" indent="-269875" eaLnBrk="1">
@@ -14915,7 +14871,7 @@
                 <a:tab pos="8686800" algn="l"/>
               </a:tabLst>
             </a:pPr>
-            <a:endParaRPr lang="de-DE" altLang="de-DE" smtClean="0"/>
+            <a:endParaRPr lang="de-DE" altLang="de-DE"/>
           </a:p>
         </p:txBody>
       </p:sp>
@@ -15126,7 +15082,7 @@
               </a:tabLst>
             </a:pPr>
             <a:r>
-              <a:rPr lang="de-DE" altLang="de-DE" sz="4000" dirty="0" smtClean="0">
+              <a:rPr lang="de-DE" altLang="de-DE" sz="4000" dirty="0">
                 <a:solidFill>
                   <a:srgbClr val="FFFFFF"/>
                 </a:solidFill>
@@ -15134,7 +15090,7 @@
               <a:t>Feintuning Ihres </a:t>
             </a:r>
             <a:r>
-              <a:rPr lang="de-DE" altLang="de-DE" sz="4000" dirty="0" err="1" smtClean="0">
+              <a:rPr lang="de-DE" altLang="de-DE" sz="4000" dirty="0" err="1">
                 <a:solidFill>
                   <a:srgbClr val="FFFFFF"/>
                 </a:solidFill>
@@ -15142,7 +15098,7 @@
               <a:t>GitHub</a:t>
             </a:r>
             <a:r>
-              <a:rPr lang="de-DE" altLang="de-DE" sz="4000" dirty="0" smtClean="0">
+              <a:rPr lang="de-DE" altLang="de-DE" sz="4000" dirty="0">
                 <a:solidFill>
                   <a:srgbClr val="FFFFFF"/>
                 </a:solidFill>
@@ -15195,11 +15151,11 @@
               </a:tabLst>
             </a:pPr>
             <a:r>
-              <a:rPr lang="de-DE" altLang="de-DE" sz="2800" dirty="0" err="1" smtClean="0"/>
+              <a:rPr lang="de-DE" altLang="de-DE" sz="2800" dirty="0" err="1"/>
               <a:t>GitHub</a:t>
             </a:r>
             <a:r>
-              <a:rPr lang="de-DE" altLang="de-DE" sz="2800" dirty="0" smtClean="0"/>
+              <a:rPr lang="de-DE" altLang="de-DE" sz="2800" dirty="0"/>
               <a:t> bietet verschiedene Optionen gegen</a:t>
             </a:r>
           </a:p>
@@ -15227,11 +15183,11 @@
               </a:tabLst>
             </a:pPr>
             <a:r>
-              <a:rPr lang="de-DE" altLang="de-DE" sz="2400" dirty="0" err="1" smtClean="0"/>
+              <a:rPr lang="de-DE" altLang="de-DE" sz="2400" dirty="0" err="1"/>
               <a:t>Account</a:t>
             </a:r>
             <a:r>
-              <a:rPr lang="de-DE" altLang="de-DE" sz="2400" dirty="0" smtClean="0"/>
+              <a:rPr lang="de-DE" altLang="de-DE" sz="2400" dirty="0"/>
               <a:t>-Diebstahl</a:t>
             </a:r>
           </a:p>
@@ -15259,31 +15215,31 @@
               </a:tabLst>
             </a:pPr>
             <a:r>
-              <a:rPr lang="de-DE" altLang="de-DE" sz="2400" dirty="0" smtClean="0"/>
+              <a:rPr lang="de-DE" altLang="de-DE" sz="2400" dirty="0"/>
               <a:t>Mail-Spam durch </a:t>
             </a:r>
             <a:r>
-              <a:rPr lang="de-DE" altLang="de-DE" sz="2400" dirty="0" err="1" smtClean="0"/>
+              <a:rPr lang="de-DE" altLang="de-DE" sz="2400" dirty="0" err="1"/>
               <a:t>Issues</a:t>
             </a:r>
             <a:r>
-              <a:rPr lang="de-DE" altLang="de-DE" sz="2400" dirty="0" smtClean="0"/>
+              <a:rPr lang="de-DE" altLang="de-DE" sz="2400" dirty="0"/>
               <a:t>, Pull </a:t>
             </a:r>
             <a:r>
-              <a:rPr lang="de-DE" altLang="de-DE" sz="2400" dirty="0" err="1" smtClean="0"/>
+              <a:rPr lang="de-DE" altLang="de-DE" sz="2400" dirty="0" err="1"/>
               <a:t>Requests</a:t>
             </a:r>
             <a:r>
-              <a:rPr lang="de-DE" altLang="de-DE" sz="2400" dirty="0" smtClean="0"/>
+              <a:rPr lang="de-DE" altLang="de-DE" sz="2400" dirty="0"/>
               <a:t>, </a:t>
             </a:r>
             <a:r>
-              <a:rPr lang="de-DE" altLang="de-DE" sz="2400" dirty="0" err="1" smtClean="0"/>
+              <a:rPr lang="de-DE" altLang="de-DE" sz="2400" dirty="0" err="1"/>
               <a:t>Mentions</a:t>
             </a:r>
             <a:r>
-              <a:rPr lang="de-DE" altLang="de-DE" sz="2400" dirty="0" smtClean="0"/>
+              <a:rPr lang="de-DE" altLang="de-DE" sz="2400" dirty="0"/>
               <a:t> etc.</a:t>
             </a:r>
           </a:p>
@@ -15310,7 +15266,7 @@
                 <a:tab pos="8686800" algn="l"/>
               </a:tabLst>
             </a:pPr>
-            <a:endParaRPr lang="de-DE" altLang="de-DE" sz="2400" dirty="0" smtClean="0"/>
+            <a:endParaRPr lang="de-DE" altLang="de-DE" sz="2400" dirty="0"/>
           </a:p>
           <a:p>
             <a:pPr marL="269875" indent="-269875" eaLnBrk="1">
@@ -15336,10 +15292,10 @@
               </a:tabLst>
             </a:pPr>
             <a:r>
-              <a:rPr lang="de-DE" altLang="de-DE" sz="3000" dirty="0" smtClean="0"/>
+              <a:rPr lang="de-DE" altLang="de-DE" sz="3000" dirty="0"/>
               <a:t>Diese finden Sie innerhalb der „Settings“</a:t>
             </a:r>
-            <a:endParaRPr lang="de-DE" altLang="de-DE" sz="2600" dirty="0" smtClean="0"/>
+            <a:endParaRPr lang="de-DE" altLang="de-DE" sz="2600" dirty="0"/>
           </a:p>
           <a:p>
             <a:pPr marL="269875" indent="-269875" eaLnBrk="1">
@@ -15364,7 +15320,7 @@
                 <a:tab pos="8686800" algn="l"/>
               </a:tabLst>
             </a:pPr>
-            <a:endParaRPr lang="de-DE" altLang="de-DE" sz="2800" dirty="0" smtClean="0"/>
+            <a:endParaRPr lang="de-DE" altLang="de-DE" sz="2800" dirty="0"/>
           </a:p>
           <a:p>
             <a:pPr marL="269875" indent="-269875" eaLnBrk="1">
@@ -15389,7 +15345,7 @@
                 <a:tab pos="8686800" algn="l"/>
               </a:tabLst>
             </a:pPr>
-            <a:endParaRPr lang="de-DE" altLang="de-DE" dirty="0" smtClean="0"/>
+            <a:endParaRPr lang="de-DE" altLang="de-DE" dirty="0"/>
           </a:p>
           <a:p>
             <a:pPr marL="269875" indent="-269875" eaLnBrk="1">
@@ -15414,7 +15370,7 @@
                 <a:tab pos="8686800" algn="l"/>
               </a:tabLst>
             </a:pPr>
-            <a:endParaRPr lang="de-DE" altLang="de-DE" dirty="0" smtClean="0"/>
+            <a:endParaRPr lang="de-DE" altLang="de-DE" dirty="0"/>
           </a:p>
         </p:txBody>
       </p:sp>
@@ -15660,7 +15616,7 @@
               </a:tabLst>
             </a:pPr>
             <a:r>
-              <a:rPr lang="de-DE" altLang="de-DE" sz="4000" smtClean="0">
+              <a:rPr lang="de-DE" altLang="de-DE" sz="4000">
                 <a:solidFill>
                   <a:srgbClr val="FFFFFF"/>
                 </a:solidFill>
@@ -15713,13 +15669,13 @@
               </a:tabLst>
             </a:pPr>
             <a:r>
-              <a:rPr lang="de-DE" altLang="de-DE" sz="2800" smtClean="0"/>
+              <a:rPr lang="de-DE" altLang="de-DE" sz="2800"/>
               <a:t>Die while-Schleife ist kopfgesteuert.</a:t>
             </a:r>
             <a:br>
-              <a:rPr lang="de-DE" altLang="de-DE" sz="2800" smtClean="0"/>
+              <a:rPr lang="de-DE" altLang="de-DE" sz="2800"/>
             </a:br>
-            <a:endParaRPr lang="de-DE" altLang="de-DE" sz="2800" smtClean="0"/>
+            <a:endParaRPr lang="de-DE" altLang="de-DE" sz="2800"/>
           </a:p>
           <a:p>
             <a:pPr marL="269875" indent="-269875" eaLnBrk="1">
@@ -15745,14 +15701,14 @@
               </a:tabLst>
             </a:pPr>
             <a:r>
-              <a:rPr lang="de-DE" altLang="de-DE" sz="2800" smtClean="0"/>
+              <a:rPr lang="de-DE" altLang="de-DE" sz="2800"/>
               <a:t>Die do-while-Schleife ist fußgesteuert.</a:t>
             </a:r>
             <a:br>
-              <a:rPr lang="de-DE" altLang="de-DE" sz="2800" smtClean="0"/>
+              <a:rPr lang="de-DE" altLang="de-DE" sz="2800"/>
             </a:br>
             <a:r>
-              <a:rPr lang="de-DE" altLang="de-DE" sz="2800" smtClean="0"/>
+              <a:rPr lang="de-DE" altLang="de-DE" sz="2800"/>
               <a:t> </a:t>
             </a:r>
           </a:p>
@@ -15780,35 +15736,27 @@
               </a:tabLst>
             </a:pPr>
             <a:r>
-              <a:rPr lang="de-DE" altLang="de-DE" sz="2800" smtClean="0"/>
+              <a:rPr lang="de-DE" altLang="de-DE" sz="2800"/>
               <a:t>Die Auswirkungen finden sich nur in einem kleinen Detail. Gehen wir einmal davon aus, die Bedingung  wäre schon zu Beginn "false" (z. B. "zahl" ist "123"):</a:t>
             </a:r>
             <a:br>
-              <a:rPr lang="de-DE" altLang="de-DE" sz="2800" smtClean="0"/>
+              <a:rPr lang="de-DE" altLang="de-DE" sz="2800"/>
             </a:br>
-            <a:r>
-              <a:rPr lang="de-DE" altLang="de-DE" sz="2800" smtClean="0"/>
-              <a:t/>
-            </a:r>
             <a:br>
-              <a:rPr lang="de-DE" altLang="de-DE" sz="2800" smtClean="0"/>
+              <a:rPr lang="de-DE" altLang="de-DE" sz="2800"/>
             </a:br>
             <a:r>
-              <a:rPr lang="de-DE" altLang="de-DE" sz="2800" smtClean="0"/>
+              <a:rPr lang="de-DE" altLang="de-DE" sz="2800"/>
               <a:t>Die while-Schleife führt den Inhalt gar nicht aus.</a:t>
             </a:r>
             <a:br>
-              <a:rPr lang="de-DE" altLang="de-DE" sz="2800" smtClean="0"/>
+              <a:rPr lang="de-DE" altLang="de-DE" sz="2800"/>
             </a:br>
-            <a:r>
-              <a:rPr lang="de-DE" altLang="de-DE" sz="2800" smtClean="0"/>
-              <a:t/>
-            </a:r>
             <a:br>
-              <a:rPr lang="de-DE" altLang="de-DE" sz="2800" smtClean="0"/>
+              <a:rPr lang="de-DE" altLang="de-DE" sz="2800"/>
             </a:br>
             <a:r>
-              <a:rPr lang="de-DE" altLang="de-DE" sz="2800" smtClean="0"/>
+              <a:rPr lang="de-DE" altLang="de-DE" sz="2800"/>
               <a:t>Die do-while-Schleife führt den Inhalt 1x aus.</a:t>
             </a:r>
           </a:p>
@@ -15835,7 +15783,7 @@
                 <a:tab pos="8686800" algn="l"/>
               </a:tabLst>
             </a:pPr>
-            <a:endParaRPr lang="de-DE" altLang="de-DE" smtClean="0"/>
+            <a:endParaRPr lang="de-DE" altLang="de-DE"/>
           </a:p>
           <a:p>
             <a:pPr marL="269875" indent="-269875" eaLnBrk="1">
@@ -15860,7 +15808,7 @@
                 <a:tab pos="8686800" algn="l"/>
               </a:tabLst>
             </a:pPr>
-            <a:endParaRPr lang="de-DE" altLang="de-DE" smtClean="0"/>
+            <a:endParaRPr lang="de-DE" altLang="de-DE"/>
           </a:p>
         </p:txBody>
       </p:sp>
@@ -16071,7 +16019,7 @@
               </a:tabLst>
             </a:pPr>
             <a:r>
-              <a:rPr lang="de-DE" altLang="de-DE" sz="4000" smtClean="0">
+              <a:rPr lang="de-DE" altLang="de-DE" sz="4000">
                 <a:solidFill>
                   <a:srgbClr val="FFFFFF"/>
                 </a:solidFill>
@@ -16124,7 +16072,7 @@
               </a:tabLst>
             </a:pPr>
             <a:r>
-              <a:rPr lang="de-DE" altLang="de-DE" sz="2800" smtClean="0"/>
+              <a:rPr lang="de-DE" altLang="de-DE" sz="2800"/>
               <a:t>Eine for-Schleife wird auch "Zählschleife" genannt.</a:t>
             </a:r>
           </a:p>
@@ -16152,7 +16100,7 @@
               </a:tabLst>
             </a:pPr>
             <a:r>
-              <a:rPr lang="de-DE" altLang="de-DE" sz="2800" smtClean="0"/>
+              <a:rPr lang="de-DE" altLang="de-DE" sz="2800"/>
               <a:t>Sie eignet sich aufgrund ihrer Syntax besonders für Schleifen, in denen eine einzelne Zahl herauf- oder heruntergezählt wird, bis ein bestimmter Wert erreicht wird. </a:t>
             </a:r>
           </a:p>
@@ -16180,35 +16128,27 @@
               </a:tabLst>
             </a:pPr>
             <a:r>
-              <a:rPr lang="de-DE" altLang="de-DE" sz="2800" smtClean="0"/>
+              <a:rPr lang="de-DE" altLang="de-DE" sz="2800"/>
               <a:t>Neben der Schleifenbedingung und des Schleifeninhalts sieht Ihre Konstruktion noch Platz vor für</a:t>
             </a:r>
             <a:br>
-              <a:rPr lang="de-DE" altLang="de-DE" sz="2800" smtClean="0"/>
+              <a:rPr lang="de-DE" altLang="de-DE" sz="2800"/>
             </a:br>
-            <a:r>
-              <a:rPr lang="de-DE" altLang="de-DE" sz="2800" smtClean="0"/>
-              <a:t/>
-            </a:r>
             <a:br>
-              <a:rPr lang="de-DE" altLang="de-DE" sz="2800" smtClean="0"/>
+              <a:rPr lang="de-DE" altLang="de-DE" sz="2800"/>
             </a:br>
             <a:r>
-              <a:rPr lang="de-DE" altLang="de-DE" sz="2800" smtClean="0"/>
+              <a:rPr lang="de-DE" altLang="de-DE" sz="2800"/>
               <a:t>die Definition einer Zählvariablen und</a:t>
             </a:r>
             <a:br>
-              <a:rPr lang="de-DE" altLang="de-DE" sz="2800" smtClean="0"/>
+              <a:rPr lang="de-DE" altLang="de-DE" sz="2800"/>
             </a:br>
-            <a:r>
-              <a:rPr lang="de-DE" altLang="de-DE" sz="2800" smtClean="0"/>
-              <a:t/>
-            </a:r>
             <a:br>
-              <a:rPr lang="de-DE" altLang="de-DE" sz="2800" smtClean="0"/>
+              <a:rPr lang="de-DE" altLang="de-DE" sz="2800"/>
             </a:br>
             <a:r>
-              <a:rPr lang="de-DE" altLang="de-DE" sz="2800" smtClean="0"/>
+              <a:rPr lang="de-DE" altLang="de-DE" sz="2800"/>
               <a:t>die Zählanweisung für die Zählvariable.</a:t>
             </a:r>
           </a:p>
@@ -16235,7 +16175,7 @@
                 <a:tab pos="8686800" algn="l"/>
               </a:tabLst>
             </a:pPr>
-            <a:endParaRPr lang="de-DE" altLang="de-DE" smtClean="0"/>
+            <a:endParaRPr lang="de-DE" altLang="de-DE"/>
           </a:p>
           <a:p>
             <a:pPr marL="269875" indent="-269875" eaLnBrk="1">
@@ -16260,7 +16200,7 @@
                 <a:tab pos="8686800" algn="l"/>
               </a:tabLst>
             </a:pPr>
-            <a:endParaRPr lang="de-DE" altLang="de-DE" smtClean="0"/>
+            <a:endParaRPr lang="de-DE" altLang="de-DE"/>
           </a:p>
         </p:txBody>
       </p:sp>
@@ -16471,7 +16411,7 @@
               </a:tabLst>
             </a:pPr>
             <a:r>
-              <a:rPr lang="de-DE" altLang="de-DE" sz="4000" smtClean="0">
+              <a:rPr lang="de-DE" altLang="de-DE" sz="4000">
                 <a:solidFill>
                   <a:srgbClr val="FFFFFF"/>
                 </a:solidFill>
@@ -16521,7 +16461,7 @@
               </a:tabLst>
             </a:pPr>
             <a:r>
-              <a:rPr lang="de-DE" altLang="de-DE" sz="2800" smtClean="0"/>
+              <a:rPr lang="de-DE" altLang="de-DE" sz="2800"/>
               <a:t>Die Syntax der for-Schleife lautet wie folgt:</a:t>
             </a:r>
           </a:p>
@@ -16545,7 +16485,7 @@
                 <a:tab pos="8686800" algn="l"/>
               </a:tabLst>
             </a:pPr>
-            <a:endParaRPr lang="de-DE" altLang="de-DE" sz="2800" smtClean="0"/>
+            <a:endParaRPr lang="de-DE" altLang="de-DE" sz="2800"/>
           </a:p>
           <a:p>
             <a:pPr marL="269875" indent="-269875" eaLnBrk="1">
@@ -16571,17 +16511,17 @@
               </a:tabLst>
             </a:pPr>
             <a:r>
-              <a:rPr lang="de-DE" altLang="de-DE" sz="2800" smtClean="0">
+              <a:rPr lang="de-DE" altLang="de-DE" sz="2800">
                 <a:latin typeface="Courier New" pitchFamily="49" charset="0"/>
               </a:rPr>
               <a:t>for ( </a:t>
             </a:r>
             <a:r>
-              <a:rPr lang="de-DE" altLang="de-DE" sz="2800" smtClean="0"/>
+              <a:rPr lang="de-DE" altLang="de-DE" sz="2800"/>
               <a:t>&lt;Definition Zählvariable&gt;</a:t>
             </a:r>
             <a:r>
-              <a:rPr lang="de-DE" altLang="de-DE" sz="2800" smtClean="0">
+              <a:rPr lang="de-DE" altLang="de-DE" sz="2800">
                 <a:latin typeface="Courier New" pitchFamily="49" charset="0"/>
               </a:rPr>
               <a:t> ;</a:t>
@@ -16611,17 +16551,17 @@
               </a:tabLst>
             </a:pPr>
             <a:r>
-              <a:rPr lang="de-DE" altLang="de-DE" sz="2800" smtClean="0">
+              <a:rPr lang="de-DE" altLang="de-DE" sz="2800">
                 <a:latin typeface="Courier New" pitchFamily="49" charset="0"/>
               </a:rPr>
               <a:t>      </a:t>
             </a:r>
             <a:r>
-              <a:rPr lang="de-DE" altLang="de-DE" sz="2800" smtClean="0"/>
+              <a:rPr lang="de-DE" altLang="de-DE" sz="2800"/>
               <a:t>&lt;Schleifenbedingung&gt;</a:t>
             </a:r>
             <a:r>
-              <a:rPr lang="de-DE" altLang="de-DE" sz="2800" smtClean="0">
+              <a:rPr lang="de-DE" altLang="de-DE" sz="2800">
                 <a:latin typeface="Courier New" pitchFamily="49" charset="0"/>
               </a:rPr>
               <a:t> ;</a:t>
@@ -16651,17 +16591,17 @@
               </a:tabLst>
             </a:pPr>
             <a:r>
-              <a:rPr lang="de-DE" altLang="de-DE" sz="2800" smtClean="0">
+              <a:rPr lang="de-DE" altLang="de-DE" sz="2800">
                 <a:latin typeface="Courier New" pitchFamily="49" charset="0"/>
               </a:rPr>
               <a:t>      </a:t>
             </a:r>
             <a:r>
-              <a:rPr lang="de-DE" altLang="de-DE" sz="2800" smtClean="0"/>
+              <a:rPr lang="de-DE" altLang="de-DE" sz="2800"/>
               <a:t>&lt;Zählanweisung für Zählvariable&gt;</a:t>
             </a:r>
             <a:r>
-              <a:rPr lang="de-DE" altLang="de-DE" sz="2800" smtClean="0">
+              <a:rPr lang="de-DE" altLang="de-DE" sz="2800">
                 <a:latin typeface="Courier New" pitchFamily="49" charset="0"/>
               </a:rPr>
               <a:t> ) </a:t>
@@ -16691,7 +16631,7 @@
               </a:tabLst>
             </a:pPr>
             <a:r>
-              <a:rPr lang="de-DE" altLang="de-DE" sz="2800" smtClean="0">
+              <a:rPr lang="de-DE" altLang="de-DE" sz="2800">
                 <a:latin typeface="Courier New" pitchFamily="49" charset="0"/>
               </a:rPr>
               <a:t>{</a:t>
@@ -16721,13 +16661,13 @@
               </a:tabLst>
             </a:pPr>
             <a:r>
-              <a:rPr lang="de-DE" altLang="de-DE" sz="2800" smtClean="0">
+              <a:rPr lang="de-DE" altLang="de-DE" sz="2800">
                 <a:latin typeface="Courier New" pitchFamily="49" charset="0"/>
               </a:rPr>
               <a:t>    </a:t>
             </a:r>
             <a:r>
-              <a:rPr lang="de-DE" altLang="de-DE" sz="2800" smtClean="0"/>
+              <a:rPr lang="de-DE" altLang="de-DE" sz="2800"/>
               <a:t>&lt;Schleifeninhalt&gt;</a:t>
             </a:r>
           </a:p>
@@ -16755,7 +16695,7 @@
               </a:tabLst>
             </a:pPr>
             <a:r>
-              <a:rPr lang="de-DE" altLang="de-DE" sz="2800" smtClean="0">
+              <a:rPr lang="de-DE" altLang="de-DE" sz="2800">
                 <a:latin typeface="Courier New" pitchFamily="49" charset="0"/>
               </a:rPr>
               <a:t>}</a:t>
@@ -16784,7 +16724,7 @@
                 <a:tab pos="8686800" algn="l"/>
               </a:tabLst>
             </a:pPr>
-            <a:endParaRPr lang="de-DE" altLang="de-DE" sz="2800" smtClean="0">
+            <a:endParaRPr lang="de-DE" altLang="de-DE" sz="2800">
               <a:latin typeface="Courier New" pitchFamily="49" charset="0"/>
             </a:endParaRPr>
           </a:p>
@@ -16808,7 +16748,7 @@
                 <a:tab pos="8686800" algn="l"/>
               </a:tabLst>
             </a:pPr>
-            <a:endParaRPr lang="de-DE" altLang="de-DE" sz="2800" smtClean="0"/>
+            <a:endParaRPr lang="de-DE" altLang="de-DE" sz="2800"/>
           </a:p>
           <a:p>
             <a:pPr marL="269875" indent="-269875" eaLnBrk="1">
@@ -16831,7 +16771,7 @@
               </a:tabLst>
             </a:pPr>
             <a:r>
-              <a:rPr lang="de-DE" altLang="de-DE" sz="2800" smtClean="0"/>
+              <a:rPr lang="de-DE" altLang="de-DE" sz="2800"/>
               <a:t>Die for-Schleife ist kopfgesteuert.</a:t>
             </a:r>
           </a:p>
@@ -16858,7 +16798,7 @@
                 <a:tab pos="8686800" algn="l"/>
               </a:tabLst>
             </a:pPr>
-            <a:endParaRPr lang="de-DE" altLang="de-DE" smtClean="0"/>
+            <a:endParaRPr lang="de-DE" altLang="de-DE"/>
           </a:p>
           <a:p>
             <a:pPr marL="269875" indent="-269875" eaLnBrk="1">
@@ -16883,7 +16823,7 @@
                 <a:tab pos="8686800" algn="l"/>
               </a:tabLst>
             </a:pPr>
-            <a:endParaRPr lang="de-DE" altLang="de-DE" smtClean="0"/>
+            <a:endParaRPr lang="de-DE" altLang="de-DE"/>
           </a:p>
         </p:txBody>
       </p:sp>
@@ -17094,7 +17034,7 @@
               </a:tabLst>
             </a:pPr>
             <a:r>
-              <a:rPr lang="de-DE" altLang="de-DE" sz="4000" smtClean="0">
+              <a:rPr lang="de-DE" altLang="de-DE" sz="4000">
                 <a:solidFill>
                   <a:srgbClr val="FFFFFF"/>
                 </a:solidFill>
@@ -17144,7 +17084,7 @@
               </a:tabLst>
             </a:pPr>
             <a:r>
-              <a:rPr lang="de-DE" altLang="de-DE" sz="2800" smtClean="0"/>
+              <a:rPr lang="de-DE" altLang="de-DE" sz="2800"/>
               <a:t>Also zum Beispiel:</a:t>
             </a:r>
           </a:p>
@@ -17168,7 +17108,7 @@
                 <a:tab pos="8686800" algn="l"/>
               </a:tabLst>
             </a:pPr>
-            <a:endParaRPr lang="de-DE" altLang="de-DE" sz="2800" smtClean="0"/>
+            <a:endParaRPr lang="de-DE" altLang="de-DE" sz="2800"/>
           </a:p>
           <a:p>
             <a:pPr marL="269875" indent="-269875" eaLnBrk="1">
@@ -17194,7 +17134,7 @@
               </a:tabLst>
             </a:pPr>
             <a:r>
-              <a:rPr lang="de-DE" altLang="de-DE" sz="2400" smtClean="0">
+              <a:rPr lang="de-DE" altLang="de-DE" sz="2400">
                 <a:latin typeface="Courier New" pitchFamily="49" charset="0"/>
               </a:rPr>
               <a:t>for ( int zahl = 1;</a:t>
@@ -17224,7 +17164,7 @@
               </a:tabLst>
             </a:pPr>
             <a:r>
-              <a:rPr lang="de-DE" altLang="de-DE" sz="2400" smtClean="0">
+              <a:rPr lang="de-DE" altLang="de-DE" sz="2400">
                 <a:latin typeface="Courier New" pitchFamily="49" charset="0"/>
               </a:rPr>
               <a:t>      zahl &lt; 101;</a:t>
@@ -17254,19 +17194,19 @@
               </a:tabLst>
             </a:pPr>
             <a:r>
-              <a:rPr lang="de-DE" altLang="de-DE" sz="2400" smtClean="0">
+              <a:rPr lang="de-DE" altLang="de-DE" sz="2400">
                 <a:latin typeface="Courier New" pitchFamily="49" charset="0"/>
               </a:rPr>
               <a:t>      zahl = zahl + 1 )</a:t>
             </a:r>
             <a:r>
-              <a:rPr lang="ar-SA" altLang="de-DE" sz="2400" smtClean="0">
+              <a:rPr lang="ar-SA" altLang="de-DE" sz="2400">
                 <a:latin typeface="Courier New" pitchFamily="49" charset="0"/>
                 <a:cs typeface="Arial" charset="0"/>
               </a:rPr>
               <a:t>‏</a:t>
             </a:r>
-            <a:endParaRPr lang="de-DE" altLang="de-DE" sz="2400" smtClean="0">
+            <a:endParaRPr lang="de-DE" altLang="de-DE" sz="2400">
               <a:latin typeface="Courier New" pitchFamily="49" charset="0"/>
             </a:endParaRPr>
           </a:p>
@@ -17294,7 +17234,7 @@
               </a:tabLst>
             </a:pPr>
             <a:r>
-              <a:rPr lang="de-DE" altLang="de-DE" sz="2400" smtClean="0">
+              <a:rPr lang="de-DE" altLang="de-DE" sz="2400">
                 <a:latin typeface="Courier New" pitchFamily="49" charset="0"/>
               </a:rPr>
               <a:t>{</a:t>
@@ -17324,7 +17264,7 @@
               </a:tabLst>
             </a:pPr>
             <a:r>
-              <a:rPr lang="de-DE" altLang="de-DE" sz="2400" smtClean="0">
+              <a:rPr lang="de-DE" altLang="de-DE" sz="2400">
                 <a:latin typeface="Courier New" pitchFamily="49" charset="0"/>
               </a:rPr>
               <a:t>    System.out.println(zahl + ". Hallo Welt!");</a:t>
@@ -17354,7 +17294,7 @@
               </a:tabLst>
             </a:pPr>
             <a:r>
-              <a:rPr lang="de-DE" altLang="de-DE" sz="2400" smtClean="0">
+              <a:rPr lang="de-DE" altLang="de-DE" sz="2400">
                 <a:latin typeface="Courier New" pitchFamily="49" charset="0"/>
               </a:rPr>
               <a:t>}</a:t>
@@ -17386,7 +17326,7 @@
                 <a:tab pos="8686800" algn="l"/>
               </a:tabLst>
             </a:pPr>
-            <a:endParaRPr lang="de-DE" altLang="de-DE" smtClean="0">
+            <a:endParaRPr lang="de-DE" altLang="de-DE">
               <a:latin typeface="Courier New" pitchFamily="49" charset="0"/>
             </a:endParaRPr>
           </a:p>
@@ -17413,7 +17353,7 @@
                 <a:tab pos="8686800" algn="l"/>
               </a:tabLst>
             </a:pPr>
-            <a:endParaRPr lang="de-DE" altLang="de-DE" smtClean="0"/>
+            <a:endParaRPr lang="de-DE" altLang="de-DE"/>
           </a:p>
         </p:txBody>
       </p:sp>
@@ -17624,7 +17564,7 @@
               </a:tabLst>
             </a:pPr>
             <a:r>
-              <a:rPr lang="de-DE" altLang="de-DE" sz="4000" smtClean="0">
+              <a:rPr lang="de-DE" altLang="de-DE" sz="4000">
                 <a:solidFill>
                   <a:srgbClr val="FFFFFF"/>
                 </a:solidFill>
@@ -17674,7 +17614,7 @@
               </a:tabLst>
             </a:pPr>
             <a:r>
-              <a:rPr lang="de-DE" altLang="de-DE" sz="2800" smtClean="0"/>
+              <a:rPr lang="de-DE" altLang="de-DE" sz="2800"/>
               <a:t>Die Abarbeitungsreihenfolge in einer for-Schleife ist wie</a:t>
             </a:r>
           </a:p>
@@ -17699,7 +17639,7 @@
               </a:tabLst>
             </a:pPr>
             <a:r>
-              <a:rPr lang="de-DE" altLang="de-DE" sz="2800" smtClean="0"/>
+              <a:rPr lang="de-DE" altLang="de-DE" sz="2800"/>
               <a:t>folgt:</a:t>
             </a:r>
           </a:p>
@@ -17723,7 +17663,7 @@
                 <a:tab pos="8686800" algn="l"/>
               </a:tabLst>
             </a:pPr>
-            <a:endParaRPr lang="de-DE" altLang="de-DE" sz="2800" smtClean="0"/>
+            <a:endParaRPr lang="de-DE" altLang="de-DE" sz="2800"/>
           </a:p>
           <a:p>
             <a:pPr marL="449263" indent="-449263" eaLnBrk="1">
@@ -17748,7 +17688,7 @@
               </a:tabLst>
             </a:pPr>
             <a:r>
-              <a:rPr lang="de-DE" altLang="de-DE" sz="2800" smtClean="0"/>
+              <a:rPr lang="de-DE" altLang="de-DE" sz="2800"/>
               <a:t>Initialisierung der Zählvariablen</a:t>
             </a:r>
           </a:p>
@@ -17775,14 +17715,14 @@
               </a:tabLst>
             </a:pPr>
             <a:r>
-              <a:rPr lang="de-DE" altLang="de-DE" sz="2800" smtClean="0"/>
+              <a:rPr lang="de-DE" altLang="de-DE" sz="2800"/>
               <a:t>Prüfen der Schleifenbedingung</a:t>
             </a:r>
             <a:br>
-              <a:rPr lang="de-DE" altLang="de-DE" sz="2800" smtClean="0"/>
+              <a:rPr lang="de-DE" altLang="de-DE" sz="2800"/>
             </a:br>
             <a:r>
-              <a:rPr lang="de-DE" altLang="de-DE" sz="2800" smtClean="0"/>
+              <a:rPr lang="de-DE" altLang="de-DE" sz="2800"/>
               <a:t>(sofortiges Ende bei "false")</a:t>
             </a:r>
           </a:p>
@@ -17809,7 +17749,7 @@
               </a:tabLst>
             </a:pPr>
             <a:r>
-              <a:rPr lang="de-DE" altLang="de-DE" sz="2800" smtClean="0"/>
+              <a:rPr lang="de-DE" altLang="de-DE" sz="2800"/>
               <a:t>Ausführung des Schleifeninhalts</a:t>
             </a:r>
           </a:p>
@@ -17836,7 +17776,7 @@
               </a:tabLst>
             </a:pPr>
             <a:r>
-              <a:rPr lang="de-DE" altLang="de-DE" sz="2800" smtClean="0"/>
+              <a:rPr lang="de-DE" altLang="de-DE" sz="2800"/>
               <a:t>Ausführung der Zählanweisung</a:t>
             </a:r>
           </a:p>
@@ -17864,7 +17804,7 @@
                 <a:tab pos="8686800" algn="l"/>
               </a:tabLst>
             </a:pPr>
-            <a:endParaRPr lang="de-DE" altLang="de-DE" sz="2800" smtClean="0"/>
+            <a:endParaRPr lang="de-DE" altLang="de-DE" sz="2800"/>
           </a:p>
           <a:p>
             <a:pPr marL="449263" indent="-449263" eaLnBrk="1">
@@ -17891,7 +17831,7 @@
               </a:tabLst>
             </a:pPr>
             <a:r>
-              <a:rPr lang="de-DE" altLang="de-DE" sz="2800" smtClean="0"/>
+              <a:rPr lang="de-DE" altLang="de-DE" sz="2800"/>
               <a:t>=&gt; Dann wieder zu 2.</a:t>
             </a:r>
           </a:p>
@@ -17918,7 +17858,7 @@
                 <a:tab pos="8686800" algn="l"/>
               </a:tabLst>
             </a:pPr>
-            <a:endParaRPr lang="de-DE" altLang="de-DE" smtClean="0"/>
+            <a:endParaRPr lang="de-DE" altLang="de-DE"/>
           </a:p>
           <a:p>
             <a:pPr marL="449263" indent="-449263" eaLnBrk="1">
@@ -17943,7 +17883,7 @@
                 <a:tab pos="8686800" algn="l"/>
               </a:tabLst>
             </a:pPr>
-            <a:endParaRPr lang="de-DE" altLang="de-DE" smtClean="0"/>
+            <a:endParaRPr lang="de-DE" altLang="de-DE"/>
           </a:p>
         </p:txBody>
       </p:sp>
@@ -18154,7 +18094,7 @@
               </a:tabLst>
             </a:pPr>
             <a:r>
-              <a:rPr lang="de-DE" altLang="de-DE" sz="4000" smtClean="0">
+              <a:rPr lang="de-DE" altLang="de-DE" sz="4000">
                 <a:solidFill>
                   <a:srgbClr val="FFFFFF"/>
                 </a:solidFill>
@@ -18162,14 +18102,14 @@
               <a:t>Häufige Fehlerquelle: </a:t>
             </a:r>
             <a:br>
-              <a:rPr lang="de-DE" altLang="de-DE" sz="4000" smtClean="0">
+              <a:rPr lang="de-DE" altLang="de-DE" sz="4000">
                 <a:solidFill>
                   <a:srgbClr val="FFFFFF"/>
                 </a:solidFill>
               </a:rPr>
             </a:br>
             <a:r>
-              <a:rPr lang="de-DE" altLang="de-DE" sz="4000" smtClean="0">
+              <a:rPr lang="de-DE" altLang="de-DE" sz="4000">
                 <a:solidFill>
                   <a:srgbClr val="FFFFFF"/>
                 </a:solidFill>
@@ -18219,7 +18159,7 @@
               </a:tabLst>
             </a:pPr>
             <a:r>
-              <a:rPr lang="de-DE" altLang="de-DE" sz="2600" smtClean="0"/>
+              <a:rPr lang="de-DE" altLang="de-DE" sz="2600"/>
               <a:t>Endlosschleifen treten auf, wenn die Schleifenbedingung nie</a:t>
             </a:r>
           </a:p>
@@ -18244,7 +18184,7 @@
               </a:tabLst>
             </a:pPr>
             <a:r>
-              <a:rPr lang="de-DE" altLang="de-DE" sz="2600" smtClean="0"/>
+              <a:rPr lang="de-DE" altLang="de-DE" sz="2600"/>
               <a:t>"false" wird und die Schleife nie endet. Das Programm</a:t>
             </a:r>
           </a:p>
@@ -18269,7 +18209,7 @@
               </a:tabLst>
             </a:pPr>
             <a:r>
-              <a:rPr lang="de-DE" altLang="de-DE" sz="2600" smtClean="0"/>
+              <a:rPr lang="de-DE" altLang="de-DE" sz="2600"/>
               <a:t>"hängt sich auf" und muss manuell abgebrochen werden.</a:t>
             </a:r>
           </a:p>
@@ -18293,7 +18233,7 @@
                 <a:tab pos="8686800" algn="l"/>
               </a:tabLst>
             </a:pPr>
-            <a:endParaRPr lang="de-DE" altLang="de-DE" sz="2600" smtClean="0"/>
+            <a:endParaRPr lang="de-DE" altLang="de-DE" sz="2600"/>
           </a:p>
           <a:p>
             <a:pPr marL="269875" indent="-269875" eaLnBrk="1">
@@ -18316,7 +18256,7 @@
               </a:tabLst>
             </a:pPr>
             <a:r>
-              <a:rPr lang="de-DE" altLang="de-DE" sz="2600" smtClean="0"/>
+              <a:rPr lang="de-DE" altLang="de-DE" sz="2600"/>
               <a:t>Typische Ursachen:</a:t>
             </a:r>
           </a:p>
@@ -18343,7 +18283,7 @@
                 <a:tab pos="8686800" algn="l"/>
               </a:tabLst>
             </a:pPr>
-            <a:endParaRPr lang="de-DE" altLang="de-DE" sz="2600" smtClean="0"/>
+            <a:endParaRPr lang="de-DE" altLang="de-DE" sz="2600"/>
           </a:p>
           <a:p>
             <a:pPr marL="269875" indent="-269875" eaLnBrk="1">
@@ -18369,7 +18309,7 @@
               </a:tabLst>
             </a:pPr>
             <a:r>
-              <a:rPr lang="de-DE" altLang="de-DE" sz="2600" smtClean="0"/>
+              <a:rPr lang="de-DE" altLang="de-DE" sz="2600"/>
               <a:t>Die Schleifenbedingung ist fehlerhaft formuliert.</a:t>
             </a:r>
           </a:p>
@@ -18397,7 +18337,7 @@
               </a:tabLst>
             </a:pPr>
             <a:r>
-              <a:rPr lang="de-DE" altLang="de-DE" sz="2600" smtClean="0"/>
+              <a:rPr lang="de-DE" altLang="de-DE" sz="2600"/>
               <a:t>Es wurde vergessen, die Zählvariable auch hochzuzählen. </a:t>
             </a:r>
           </a:p>
@@ -18425,7 +18365,7 @@
               </a:tabLst>
             </a:pPr>
             <a:r>
-              <a:rPr lang="de-DE" altLang="de-DE" sz="2600" smtClean="0"/>
+              <a:rPr lang="de-DE" altLang="de-DE" sz="2600"/>
               <a:t>Das Kriterium zur Beendigung der Schleife kann grundsätzlich nicht erreicht werden (z. B. wird nach der Lösung eines Problems gesucht, zu dem gar keine Lösung existiert).</a:t>
             </a:r>
           </a:p>
@@ -18452,7 +18392,7 @@
                 <a:tab pos="8686800" algn="l"/>
               </a:tabLst>
             </a:pPr>
-            <a:endParaRPr lang="de-DE" altLang="de-DE" sz="2600" smtClean="0"/>
+            <a:endParaRPr lang="de-DE" altLang="de-DE" sz="2600"/>
           </a:p>
           <a:p>
             <a:pPr marL="269875" indent="-269875" eaLnBrk="1">
@@ -18477,7 +18417,7 @@
                 <a:tab pos="8686800" algn="l"/>
               </a:tabLst>
             </a:pPr>
-            <a:endParaRPr lang="de-DE" altLang="de-DE" smtClean="0"/>
+            <a:endParaRPr lang="de-DE" altLang="de-DE"/>
           </a:p>
         </p:txBody>
       </p:sp>
@@ -18688,7 +18628,7 @@
               </a:tabLst>
             </a:pPr>
             <a:r>
-              <a:rPr lang="de-DE" altLang="de-DE" sz="4000" smtClean="0">
+              <a:rPr lang="de-DE" altLang="de-DE" sz="4000">
                 <a:solidFill>
                   <a:srgbClr val="FFFFFF"/>
                 </a:solidFill>
@@ -18738,7 +18678,7 @@
               </a:tabLst>
             </a:pPr>
             <a:r>
-              <a:rPr lang="de-DE" altLang="de-DE" sz="2800" smtClean="0"/>
+              <a:rPr lang="de-DE" altLang="de-DE" sz="2800"/>
               <a:t>Schleifen können (wie if-Bedingungen auch) beliebig</a:t>
             </a:r>
           </a:p>
@@ -18763,7 +18703,7 @@
               </a:tabLst>
             </a:pPr>
             <a:r>
-              <a:rPr lang="de-DE" altLang="de-DE" sz="2800" smtClean="0"/>
+              <a:rPr lang="de-DE" altLang="de-DE" sz="2800"/>
               <a:t>ineinander geschachtelt werden:</a:t>
             </a:r>
           </a:p>
@@ -18787,7 +18727,7 @@
                 <a:tab pos="8686800" algn="l"/>
               </a:tabLst>
             </a:pPr>
-            <a:endParaRPr lang="de-DE" altLang="de-DE" sz="2800" smtClean="0"/>
+            <a:endParaRPr lang="de-DE" altLang="de-DE" sz="2800"/>
           </a:p>
           <a:p>
             <a:pPr marL="269875" indent="-269875" eaLnBrk="1">
@@ -18809,7 +18749,7 @@
                 <a:tab pos="8686800" algn="l"/>
               </a:tabLst>
             </a:pPr>
-            <a:endParaRPr lang="de-DE" altLang="de-DE" sz="2800" smtClean="0"/>
+            <a:endParaRPr lang="de-DE" altLang="de-DE" sz="2800"/>
           </a:p>
           <a:p>
             <a:pPr marL="269875" indent="-269875" eaLnBrk="1">
@@ -18835,7 +18775,7 @@
               </a:tabLst>
             </a:pPr>
             <a:r>
-              <a:rPr lang="de-DE" altLang="de-DE" sz="2200" smtClean="0">
+              <a:rPr lang="de-DE" altLang="de-DE" sz="2200">
                 <a:latin typeface="Courier New" pitchFamily="49" charset="0"/>
               </a:rPr>
               <a:t>for ( int a = 1; a &lt; 101; a = a + 1 ) {</a:t>
@@ -18864,7 +18804,7 @@
                 <a:tab pos="8686800" algn="l"/>
               </a:tabLst>
             </a:pPr>
-            <a:endParaRPr lang="de-DE" altLang="de-DE" sz="2200" smtClean="0">
+            <a:endParaRPr lang="de-DE" altLang="de-DE" sz="2200">
               <a:latin typeface="Courier New" pitchFamily="49" charset="0"/>
             </a:endParaRPr>
           </a:p>
@@ -18892,7 +18832,7 @@
               </a:tabLst>
             </a:pPr>
             <a:r>
-              <a:rPr lang="de-DE" altLang="de-DE" sz="2200" smtClean="0">
+              <a:rPr lang="de-DE" altLang="de-DE" sz="2200">
                 <a:latin typeface="Courier New" pitchFamily="49" charset="0"/>
               </a:rPr>
               <a:t>     for ( int b = 1; b &lt; 101; b = b + 1 ) {</a:t>
@@ -18921,7 +18861,7 @@
                 <a:tab pos="8686800" algn="l"/>
               </a:tabLst>
             </a:pPr>
-            <a:endParaRPr lang="de-DE" altLang="de-DE" sz="2200" smtClean="0">
+            <a:endParaRPr lang="de-DE" altLang="de-DE" sz="2200">
               <a:latin typeface="Courier New" pitchFamily="49" charset="0"/>
             </a:endParaRPr>
           </a:p>
@@ -18949,7 +18889,7 @@
               </a:tabLst>
             </a:pPr>
             <a:r>
-              <a:rPr lang="de-DE" altLang="de-DE" sz="2200" smtClean="0">
+              <a:rPr lang="de-DE" altLang="de-DE" sz="2200">
                 <a:latin typeface="Courier New" pitchFamily="49" charset="0"/>
               </a:rPr>
               <a:t>           System.out.println("a="+a+" und b="+b);</a:t>
@@ -18978,7 +18918,7 @@
                 <a:tab pos="8686800" algn="l"/>
               </a:tabLst>
             </a:pPr>
-            <a:endParaRPr lang="de-DE" altLang="de-DE" sz="2200" smtClean="0">
+            <a:endParaRPr lang="de-DE" altLang="de-DE" sz="2200">
               <a:latin typeface="Courier New" pitchFamily="49" charset="0"/>
             </a:endParaRPr>
           </a:p>
@@ -19006,7 +18946,7 @@
               </a:tabLst>
             </a:pPr>
             <a:r>
-              <a:rPr lang="de-DE" altLang="de-DE" sz="2200" smtClean="0">
+              <a:rPr lang="de-DE" altLang="de-DE" sz="2200">
                 <a:latin typeface="Courier New" pitchFamily="49" charset="0"/>
               </a:rPr>
               <a:t>     }</a:t>
@@ -19035,7 +18975,7 @@
                 <a:tab pos="8686800" algn="l"/>
               </a:tabLst>
             </a:pPr>
-            <a:endParaRPr lang="de-DE" altLang="de-DE" sz="2200" smtClean="0">
+            <a:endParaRPr lang="de-DE" altLang="de-DE" sz="2200">
               <a:latin typeface="Courier New" pitchFamily="49" charset="0"/>
             </a:endParaRPr>
           </a:p>
@@ -19063,7 +19003,7 @@
               </a:tabLst>
             </a:pPr>
             <a:r>
-              <a:rPr lang="de-DE" altLang="de-DE" sz="2200" smtClean="0">
+              <a:rPr lang="de-DE" altLang="de-DE" sz="2200">
                 <a:latin typeface="Courier New" pitchFamily="49" charset="0"/>
               </a:rPr>
               <a:t>}</a:t>
@@ -19089,7 +19029,7 @@
                 <a:tab pos="8686800" algn="l"/>
               </a:tabLst>
             </a:pPr>
-            <a:endParaRPr lang="de-DE" altLang="de-DE" sz="2800" smtClean="0"/>
+            <a:endParaRPr lang="de-DE" altLang="de-DE" sz="2800"/>
           </a:p>
           <a:p>
             <a:pPr marL="269875" indent="-269875" eaLnBrk="1">
@@ -19114,7 +19054,7 @@
                 <a:tab pos="8686800" algn="l"/>
               </a:tabLst>
             </a:pPr>
-            <a:endParaRPr lang="de-DE" altLang="de-DE" smtClean="0"/>
+            <a:endParaRPr lang="de-DE" altLang="de-DE"/>
           </a:p>
           <a:p>
             <a:pPr marL="269875" indent="-269875" eaLnBrk="1">
@@ -19139,7 +19079,7 @@
                 <a:tab pos="8686800" algn="l"/>
               </a:tabLst>
             </a:pPr>
-            <a:endParaRPr lang="de-DE" altLang="de-DE" smtClean="0"/>
+            <a:endParaRPr lang="de-DE" altLang="de-DE"/>
           </a:p>
         </p:txBody>
       </p:sp>
@@ -19350,7 +19290,7 @@
               </a:tabLst>
             </a:pPr>
             <a:r>
-              <a:rPr lang="de-DE" altLang="de-DE" sz="4000" smtClean="0">
+              <a:rPr lang="de-DE" altLang="de-DE" sz="4000">
                 <a:solidFill>
                   <a:srgbClr val="FFFFFF"/>
                 </a:solidFill>
@@ -19404,37 +19344,37 @@
               <a:defRPr/>
             </a:pPr>
             <a:r>
-              <a:rPr lang="de-DE" altLang="de-DE" sz="2800" dirty="0" smtClean="0"/>
+              <a:rPr lang="de-DE" altLang="de-DE" sz="2800" dirty="0"/>
               <a:t>Definieren Sie zwei Variablen </a:t>
             </a:r>
             <a:r>
-              <a:rPr lang="de-DE" altLang="de-DE" sz="2800" dirty="0" err="1" smtClean="0">
+              <a:rPr lang="de-DE" altLang="de-DE" sz="2800" dirty="0" err="1">
                 <a:latin typeface="Courier New" panose="02070309020205020404" pitchFamily="49" charset="0"/>
               </a:rPr>
               <a:t>maximum</a:t>
             </a:r>
             <a:r>
-              <a:rPr lang="de-DE" altLang="de-DE" sz="2800" dirty="0" smtClean="0"/>
+              <a:rPr lang="de-DE" altLang="de-DE" sz="2800" dirty="0"/>
               <a:t> und </a:t>
             </a:r>
             <a:r>
-              <a:rPr lang="de-DE" altLang="de-DE" sz="2800" dirty="0" smtClean="0">
+              <a:rPr lang="de-DE" altLang="de-DE" sz="2800" dirty="0">
                 <a:latin typeface="Courier New" panose="02070309020205020404" pitchFamily="49" charset="0"/>
               </a:rPr>
               <a:t>summe</a:t>
             </a:r>
             <a:r>
-              <a:rPr lang="de-DE" altLang="de-DE" sz="2800" dirty="0" smtClean="0"/>
+              <a:rPr lang="de-DE" altLang="de-DE" sz="2800" dirty="0"/>
               <a:t> vom Typ </a:t>
             </a:r>
             <a:r>
-              <a:rPr lang="de-DE" altLang="de-DE" sz="2800" dirty="0" smtClean="0">
+              <a:rPr lang="de-DE" altLang="de-DE" sz="2800" dirty="0">
                 <a:latin typeface="Courier New" panose="02070309020205020404" pitchFamily="49" charset="0"/>
               </a:rPr>
               <a:t>int</a:t>
             </a:r>
             <a:r>
-              <a:rPr lang="de-DE" altLang="de-DE" sz="2800" dirty="0" smtClean="0"/>
+              <a:rPr lang="de-DE" altLang="de-DE" sz="2800" dirty="0"/>
               <a:t>.</a:t>
             </a:r>
           </a:p>
@@ -19463,27 +19403,27 @@
               <a:defRPr/>
             </a:pPr>
             <a:r>
-              <a:rPr lang="de-DE" altLang="de-DE" sz="2800" dirty="0" smtClean="0"/>
+              <a:rPr lang="de-DE" altLang="de-DE" sz="2800" dirty="0"/>
               <a:t>Weisen Sie </a:t>
             </a:r>
             <a:r>
-              <a:rPr lang="de-DE" altLang="de-DE" sz="2800" dirty="0" err="1" smtClean="0">
+              <a:rPr lang="de-DE" altLang="de-DE" sz="2800" dirty="0" err="1">
                 <a:latin typeface="Courier New" panose="02070309020205020404" pitchFamily="49" charset="0"/>
               </a:rPr>
               <a:t>maximum</a:t>
             </a:r>
             <a:r>
-              <a:rPr lang="de-DE" altLang="de-DE" sz="2800" dirty="0" smtClean="0"/>
+              <a:rPr lang="de-DE" altLang="de-DE" sz="2800" dirty="0"/>
               <a:t> einen großen positiven Wert zu und summe den Wert </a:t>
             </a:r>
             <a:r>
-              <a:rPr lang="de-DE" altLang="de-DE" sz="2800" dirty="0" smtClean="0">
+              <a:rPr lang="de-DE" altLang="de-DE" sz="2800" dirty="0">
                 <a:latin typeface="Courier New" panose="02070309020205020404" pitchFamily="49" charset="0"/>
               </a:rPr>
               <a:t>0</a:t>
             </a:r>
             <a:r>
-              <a:rPr lang="de-DE" altLang="de-DE" sz="2800" dirty="0" smtClean="0"/>
+              <a:rPr lang="de-DE" altLang="de-DE" sz="2800" dirty="0"/>
               <a:t>.</a:t>
             </a:r>
           </a:p>
@@ -19512,63 +19452,63 @@
               <a:defRPr/>
             </a:pPr>
             <a:r>
-              <a:rPr lang="de-DE" altLang="de-DE" sz="2800" dirty="0" smtClean="0"/>
+              <a:rPr lang="de-DE" altLang="de-DE" sz="2800" dirty="0"/>
               <a:t>Schreiben Sie dann ein Programm, welches auf </a:t>
             </a:r>
             <a:r>
-              <a:rPr lang="de-DE" altLang="de-DE" sz="2800" dirty="0" smtClean="0">
+              <a:rPr lang="de-DE" altLang="de-DE" sz="2800" dirty="0">
                 <a:latin typeface="Courier New" panose="02070309020205020404" pitchFamily="49" charset="0"/>
               </a:rPr>
               <a:t>summe</a:t>
             </a:r>
             <a:r>
-              <a:rPr lang="de-DE" altLang="de-DE" sz="2800" dirty="0" smtClean="0"/>
+              <a:rPr lang="de-DE" altLang="de-DE" sz="2800" dirty="0"/>
               <a:t> erst die </a:t>
             </a:r>
             <a:r>
-              <a:rPr lang="de-DE" altLang="de-DE" sz="2800" dirty="0" smtClean="0">
+              <a:rPr lang="de-DE" altLang="de-DE" sz="2800" dirty="0">
                 <a:latin typeface="Courier New" panose="02070309020205020404" pitchFamily="49" charset="0"/>
               </a:rPr>
               <a:t>1</a:t>
             </a:r>
             <a:r>
-              <a:rPr lang="de-DE" altLang="de-DE" sz="2800" dirty="0" smtClean="0"/>
+              <a:rPr lang="de-DE" altLang="de-DE" sz="2800" dirty="0"/>
               <a:t>, dann die </a:t>
             </a:r>
             <a:r>
-              <a:rPr lang="de-DE" altLang="de-DE" sz="2800" dirty="0" smtClean="0">
+              <a:rPr lang="de-DE" altLang="de-DE" sz="2800" dirty="0">
                 <a:latin typeface="Courier New" panose="02070309020205020404" pitchFamily="49" charset="0"/>
               </a:rPr>
               <a:t>2</a:t>
             </a:r>
             <a:r>
-              <a:rPr lang="de-DE" altLang="de-DE" sz="2800" dirty="0" smtClean="0"/>
+              <a:rPr lang="de-DE" altLang="de-DE" sz="2800" dirty="0"/>
               <a:t>, dann die </a:t>
             </a:r>
             <a:r>
-              <a:rPr lang="de-DE" altLang="de-DE" sz="2800" dirty="0" smtClean="0">
+              <a:rPr lang="de-DE" altLang="de-DE" sz="2800" dirty="0">
                 <a:latin typeface="Courier New" panose="02070309020205020404" pitchFamily="49" charset="0"/>
               </a:rPr>
               <a:t>3</a:t>
             </a:r>
             <a:r>
-              <a:rPr lang="de-DE" altLang="de-DE" sz="2800" dirty="0" smtClean="0"/>
+              <a:rPr lang="de-DE" altLang="de-DE" sz="2800" dirty="0"/>
               <a:t> usw. aufaddiert, bis </a:t>
             </a:r>
             <a:r>
-              <a:rPr lang="de-DE" altLang="de-DE" sz="2800" dirty="0" smtClean="0">
+              <a:rPr lang="de-DE" altLang="de-DE" sz="2800" dirty="0">
                 <a:latin typeface="Courier New" panose="02070309020205020404" pitchFamily="49" charset="0"/>
               </a:rPr>
               <a:t>summe &gt;= </a:t>
             </a:r>
             <a:r>
-              <a:rPr lang="de-DE" altLang="de-DE" sz="2800" dirty="0" err="1" smtClean="0">
+              <a:rPr lang="de-DE" altLang="de-DE" sz="2800" dirty="0" err="1">
                 <a:latin typeface="Courier New" panose="02070309020205020404" pitchFamily="49" charset="0"/>
               </a:rPr>
               <a:t>maximum</a:t>
             </a:r>
             <a:r>
-              <a:rPr lang="de-DE" altLang="de-DE" sz="2800" dirty="0" smtClean="0"/>
+              <a:rPr lang="de-DE" altLang="de-DE" sz="2800" dirty="0"/>
               <a:t> ist. </a:t>
             </a:r>
           </a:p>
@@ -19597,7 +19537,7 @@
               <a:defRPr/>
             </a:pPr>
             <a:r>
-              <a:rPr lang="de-DE" altLang="de-DE" sz="2800" dirty="0" smtClean="0"/>
+              <a:rPr lang="de-DE" altLang="de-DE" sz="2800" dirty="0"/>
               <a:t>Geben Sie jeden Rechenschritt ausführlich auf der Konsole aus.</a:t>
             </a:r>
           </a:p>
@@ -19625,7 +19565,7 @@
               </a:tabLst>
               <a:defRPr/>
             </a:pPr>
-            <a:endParaRPr lang="de-DE" altLang="de-DE" sz="2800" dirty="0" smtClean="0"/>
+            <a:endParaRPr lang="de-DE" altLang="de-DE" sz="2800" dirty="0"/>
           </a:p>
           <a:p>
             <a:pPr marL="269875" indent="-269875" eaLnBrk="1">
@@ -19651,7 +19591,7 @@
               </a:tabLst>
               <a:defRPr/>
             </a:pPr>
-            <a:endParaRPr lang="de-DE" altLang="de-DE" sz="2800" dirty="0" smtClean="0"/>
+            <a:endParaRPr lang="de-DE" altLang="de-DE" sz="2800" dirty="0"/>
           </a:p>
           <a:p>
             <a:pPr marL="0" indent="0" eaLnBrk="1">
@@ -19678,12 +19618,12 @@
               <a:defRPr/>
             </a:pPr>
             <a:r>
-              <a:rPr lang="de-DE" altLang="de-DE" sz="2400" dirty="0" smtClean="0">
+              <a:rPr lang="de-DE" altLang="de-DE" sz="2400" dirty="0">
                 <a:hlinkClick r:id="rId3"/>
               </a:rPr>
               <a:t>https://github.com/nordakademie-einfuehrung-java/uebung_4_0</a:t>
             </a:r>
-            <a:endParaRPr lang="de-DE" altLang="de-DE" sz="2400" dirty="0" smtClean="0"/>
+            <a:endParaRPr lang="de-DE" altLang="de-DE" sz="2400" dirty="0"/>
           </a:p>
           <a:p>
             <a:pPr marL="269875" indent="-269875" eaLnBrk="1">
@@ -19709,7 +19649,7 @@
               </a:tabLst>
               <a:defRPr/>
             </a:pPr>
-            <a:endParaRPr lang="de-DE" altLang="de-DE" sz="2800" dirty="0" smtClean="0"/>
+            <a:endParaRPr lang="de-DE" altLang="de-DE" sz="2800" dirty="0"/>
           </a:p>
           <a:p>
             <a:pPr marL="269875" indent="-269875" eaLnBrk="1">
@@ -19735,7 +19675,7 @@
               </a:tabLst>
               <a:defRPr/>
             </a:pPr>
-            <a:endParaRPr lang="de-DE" altLang="de-DE" dirty="0" smtClean="0"/>
+            <a:endParaRPr lang="de-DE" altLang="de-DE" dirty="0"/>
           </a:p>
           <a:p>
             <a:pPr marL="269875" indent="-269875" eaLnBrk="1">
@@ -19761,7 +19701,7 @@
               </a:tabLst>
               <a:defRPr/>
             </a:pPr>
-            <a:endParaRPr lang="de-DE" altLang="de-DE" dirty="0" smtClean="0"/>
+            <a:endParaRPr lang="de-DE" altLang="de-DE" dirty="0"/>
           </a:p>
         </p:txBody>
       </p:sp>
@@ -19972,7 +19912,7 @@
               </a:tabLst>
             </a:pPr>
             <a:r>
-              <a:rPr lang="de-DE" altLang="de-DE" sz="4000" smtClean="0">
+              <a:rPr lang="de-DE" altLang="de-DE" sz="4000">
                 <a:solidFill>
                   <a:srgbClr val="FFFFFF"/>
                 </a:solidFill>
@@ -20025,20 +19965,20 @@
               </a:tabLst>
             </a:pPr>
             <a:r>
-              <a:rPr lang="de-DE" altLang="de-DE" sz="2600" smtClean="0"/>
+              <a:rPr lang="de-DE" altLang="de-DE" sz="2600"/>
               <a:t>Motivation:</a:t>
             </a:r>
             <a:br>
-              <a:rPr lang="de-DE" altLang="de-DE" sz="2600" smtClean="0"/>
+              <a:rPr lang="de-DE" altLang="de-DE" sz="2600"/>
             </a:br>
             <a:r>
-              <a:rPr lang="de-DE" altLang="de-DE" sz="2600" smtClean="0"/>
+              <a:rPr lang="de-DE" altLang="de-DE" sz="2600"/>
               <a:t>Sie wollen eine komplizierte Anweisungsfolge an mehreren Stellen immer wieder verwenden.</a:t>
             </a:r>
             <a:br>
-              <a:rPr lang="de-DE" altLang="de-DE" sz="2600" smtClean="0"/>
+              <a:rPr lang="de-DE" altLang="de-DE" sz="2600"/>
             </a:br>
-            <a:endParaRPr lang="de-DE" altLang="de-DE" sz="2600" smtClean="0"/>
+            <a:endParaRPr lang="de-DE" altLang="de-DE" sz="2600"/>
           </a:p>
           <a:p>
             <a:pPr marL="269875" indent="-269875" eaLnBrk="1">
@@ -20064,21 +20004,21 @@
               </a:tabLst>
             </a:pPr>
             <a:r>
-              <a:rPr lang="de-DE" altLang="de-DE" sz="2600" smtClean="0"/>
+              <a:rPr lang="de-DE" altLang="de-DE" sz="2600"/>
               <a:t>Problem:</a:t>
             </a:r>
             <a:br>
-              <a:rPr lang="de-DE" altLang="de-DE" sz="2600" smtClean="0"/>
+              <a:rPr lang="de-DE" altLang="de-DE" sz="2600"/>
             </a:br>
             <a:r>
-              <a:rPr lang="de-DE" altLang="de-DE" sz="2600" smtClean="0"/>
+              <a:rPr lang="de-DE" altLang="de-DE" sz="2600"/>
               <a:t>Sie können keine Schleife verwenden, weil die Anweisungen nicht unmittelbar nacheinander ausgeführt werden sollen.</a:t>
             </a:r>
             <a:br>
-              <a:rPr lang="de-DE" altLang="de-DE" sz="2600" smtClean="0"/>
+              <a:rPr lang="de-DE" altLang="de-DE" sz="2600"/>
             </a:br>
             <a:r>
-              <a:rPr lang="de-DE" altLang="de-DE" sz="2600" smtClean="0"/>
+              <a:rPr lang="de-DE" altLang="de-DE" sz="2600"/>
               <a:t> </a:t>
             </a:r>
           </a:p>
@@ -20106,24 +20046,20 @@
               </a:tabLst>
             </a:pPr>
             <a:r>
-              <a:rPr lang="de-DE" altLang="de-DE" sz="2600" smtClean="0"/>
+              <a:rPr lang="de-DE" altLang="de-DE" sz="2600"/>
               <a:t>Lösung:</a:t>
             </a:r>
             <a:br>
-              <a:rPr lang="de-DE" altLang="de-DE" sz="2600" smtClean="0"/>
+              <a:rPr lang="de-DE" altLang="de-DE" sz="2600"/>
             </a:br>
             <a:r>
-              <a:rPr lang="de-DE" altLang="de-DE" sz="2600" smtClean="0"/>
+              <a:rPr lang="de-DE" altLang="de-DE" sz="2600"/>
               <a:t>Sie schreiben eine sogenannte Methode, d. h. Sie fassen die gewünschten Anweisungen zu einem eigenen "Befehl" zusammen, den Sie dann immer wieder verwenden können.</a:t>
             </a:r>
-            <a:r>
-              <a:rPr lang="de-DE" altLang="de-DE" sz="2800" smtClean="0"/>
-              <a:t/>
-            </a:r>
             <a:br>
-              <a:rPr lang="de-DE" altLang="de-DE" sz="2800" smtClean="0"/>
+              <a:rPr lang="de-DE" altLang="de-DE" sz="2800"/>
             </a:br>
-            <a:endParaRPr lang="de-DE" altLang="de-DE" sz="2800" smtClean="0"/>
+            <a:endParaRPr lang="de-DE" altLang="de-DE" sz="2800"/>
           </a:p>
           <a:p>
             <a:pPr marL="269875" indent="-269875" eaLnBrk="1">
@@ -20148,7 +20084,7 @@
                 <a:tab pos="8686800" algn="l"/>
               </a:tabLst>
             </a:pPr>
-            <a:endParaRPr lang="de-DE" altLang="de-DE" smtClean="0"/>
+            <a:endParaRPr lang="de-DE" altLang="de-DE"/>
           </a:p>
           <a:p>
             <a:pPr marL="269875" indent="-269875" eaLnBrk="1">
@@ -20173,7 +20109,7 @@
                 <a:tab pos="8686800" algn="l"/>
               </a:tabLst>
             </a:pPr>
-            <a:endParaRPr lang="de-DE" altLang="de-DE" smtClean="0"/>
+            <a:endParaRPr lang="de-DE" altLang="de-DE"/>
           </a:p>
         </p:txBody>
       </p:sp>
@@ -20384,7 +20320,7 @@
               </a:tabLst>
             </a:pPr>
             <a:r>
-              <a:rPr lang="de-DE" altLang="de-DE" sz="4000" smtClean="0">
+              <a:rPr lang="de-DE" altLang="de-DE" sz="4000">
                 <a:solidFill>
                   <a:srgbClr val="FFFFFF"/>
                 </a:solidFill>
@@ -20437,23 +20373,23 @@
               </a:tabLst>
             </a:pPr>
             <a:r>
-              <a:rPr lang="de-DE" altLang="de-DE" sz="2600" smtClean="0"/>
+              <a:rPr lang="de-DE" altLang="de-DE" sz="2600"/>
               <a:t>Eine Methode muss immer in einer Klasse definiert werden (aber ausserhalb von </a:t>
             </a:r>
             <a:r>
-              <a:rPr lang="de-DE" altLang="de-DE" sz="2600" smtClean="0">
+              <a:rPr lang="de-DE" altLang="de-DE" sz="2600">
                 <a:latin typeface="Courier New" pitchFamily="49" charset="0"/>
               </a:rPr>
               <a:t>public static void main ...</a:t>
             </a:r>
             <a:r>
-              <a:rPr lang="de-DE" altLang="de-DE" sz="2600" smtClean="0"/>
+              <a:rPr lang="de-DE" altLang="de-DE" sz="2600"/>
               <a:t>).</a:t>
             </a:r>
             <a:br>
-              <a:rPr lang="de-DE" altLang="de-DE" sz="2600" smtClean="0"/>
+              <a:rPr lang="de-DE" altLang="de-DE" sz="2600"/>
             </a:br>
-            <a:endParaRPr lang="de-DE" altLang="de-DE" sz="2600" smtClean="0"/>
+            <a:endParaRPr lang="de-DE" altLang="de-DE" sz="2600"/>
           </a:p>
           <a:p>
             <a:pPr marL="269875" indent="-269875" eaLnBrk="1">
@@ -20479,161 +20415,135 @@
               </a:tabLst>
             </a:pPr>
             <a:r>
-              <a:rPr lang="de-DE" altLang="de-DE" sz="2600" smtClean="0"/>
+              <a:rPr lang="de-DE" altLang="de-DE" sz="2600"/>
               <a:t>Der Aufbau einer Methode sieht wie folgt aus:</a:t>
             </a:r>
-            <a:r>
-              <a:rPr lang="de-DE" altLang="de-DE" sz="2800" smtClean="0"/>
-              <a:t/>
-            </a:r>
             <a:br>
-              <a:rPr lang="de-DE" altLang="de-DE" sz="2800" smtClean="0"/>
+              <a:rPr lang="de-DE" altLang="de-DE" sz="2800"/>
             </a:br>
-            <a:r>
-              <a:rPr lang="de-DE" altLang="de-DE" sz="2800" smtClean="0"/>
-              <a:t/>
-            </a:r>
             <a:br>
-              <a:rPr lang="de-DE" altLang="de-DE" sz="2800" smtClean="0"/>
+              <a:rPr lang="de-DE" altLang="de-DE" sz="2800"/>
             </a:br>
             <a:r>
-              <a:rPr lang="de-DE" altLang="de-DE" sz="2400" smtClean="0">
+              <a:rPr lang="de-DE" altLang="de-DE" sz="2400">
                 <a:latin typeface="Courier New" pitchFamily="49" charset="0"/>
               </a:rPr>
               <a:t>public static </a:t>
             </a:r>
             <a:r>
-              <a:rPr lang="de-DE" altLang="de-DE" sz="2400" smtClean="0"/>
+              <a:rPr lang="de-DE" altLang="de-DE" sz="2400"/>
               <a:t>&lt;ergebnistyp&gt;</a:t>
             </a:r>
             <a:r>
-              <a:rPr lang="de-DE" altLang="de-DE" sz="2400" smtClean="0">
+              <a:rPr lang="de-DE" altLang="de-DE" sz="2400">
                 <a:latin typeface="Courier New" pitchFamily="49" charset="0"/>
               </a:rPr>
               <a:t> </a:t>
             </a:r>
             <a:r>
-              <a:rPr lang="de-DE" altLang="de-DE" sz="2400" smtClean="0"/>
+              <a:rPr lang="de-DE" altLang="de-DE" sz="2400"/>
               <a:t>&lt;name&gt;</a:t>
             </a:r>
             <a:r>
-              <a:rPr lang="de-DE" altLang="de-DE" sz="2400" smtClean="0">
+              <a:rPr lang="de-DE" altLang="de-DE" sz="2400">
                 <a:latin typeface="Courier New" pitchFamily="49" charset="0"/>
               </a:rPr>
               <a:t>(</a:t>
             </a:r>
             <a:r>
-              <a:rPr lang="de-DE" altLang="de-DE" sz="2400" smtClean="0"/>
+              <a:rPr lang="de-DE" altLang="de-DE" sz="2400"/>
               <a:t>&lt;parameter&gt;</a:t>
             </a:r>
             <a:r>
-              <a:rPr lang="de-DE" altLang="de-DE" sz="2400" smtClean="0">
+              <a:rPr lang="de-DE" altLang="de-DE" sz="2400">
                 <a:latin typeface="Courier New" pitchFamily="49" charset="0"/>
               </a:rPr>
               <a:t>) {</a:t>
             </a:r>
             <a:br>
-              <a:rPr lang="de-DE" altLang="de-DE" sz="2400" smtClean="0">
+              <a:rPr lang="de-DE" altLang="de-DE" sz="2400">
                 <a:latin typeface="Courier New" pitchFamily="49" charset="0"/>
               </a:rPr>
             </a:br>
             <a:r>
-              <a:rPr lang="de-DE" altLang="de-DE" sz="2400" smtClean="0">
+              <a:rPr lang="de-DE" altLang="de-DE" sz="2400">
                 <a:latin typeface="Courier New" pitchFamily="49" charset="0"/>
               </a:rPr>
               <a:t>	</a:t>
             </a:r>
             <a:r>
-              <a:rPr lang="de-DE" altLang="de-DE" sz="2400" smtClean="0"/>
+              <a:rPr lang="de-DE" altLang="de-DE" sz="2400"/>
               <a:t>&lt;anweisung1&gt;</a:t>
             </a:r>
-            <a:r>
-              <a:rPr lang="de-DE" altLang="de-DE" sz="2400" smtClean="0">
-                <a:latin typeface="Courier New" pitchFamily="49" charset="0"/>
-              </a:rPr>
-              <a:t/>
-            </a:r>
             <a:br>
-              <a:rPr lang="de-DE" altLang="de-DE" sz="2400" smtClean="0">
+              <a:rPr lang="de-DE" altLang="de-DE" sz="2400">
                 <a:latin typeface="Courier New" pitchFamily="49" charset="0"/>
               </a:rPr>
             </a:br>
             <a:r>
-              <a:rPr lang="de-DE" altLang="de-DE" sz="2400" smtClean="0">
+              <a:rPr lang="de-DE" altLang="de-DE" sz="2400">
                 <a:latin typeface="Courier New" pitchFamily="49" charset="0"/>
               </a:rPr>
               <a:t>	</a:t>
             </a:r>
             <a:r>
-              <a:rPr lang="de-DE" altLang="de-DE" sz="2400" smtClean="0"/>
+              <a:rPr lang="de-DE" altLang="de-DE" sz="2400"/>
               <a:t>&lt;anweisung2&gt;</a:t>
             </a:r>
-            <a:r>
-              <a:rPr lang="de-DE" altLang="de-DE" sz="2400" smtClean="0">
-                <a:latin typeface="Courier New" pitchFamily="49" charset="0"/>
-              </a:rPr>
-              <a:t/>
-            </a:r>
             <a:br>
-              <a:rPr lang="de-DE" altLang="de-DE" sz="2400" smtClean="0">
+              <a:rPr lang="de-DE" altLang="de-DE" sz="2400">
                 <a:latin typeface="Courier New" pitchFamily="49" charset="0"/>
               </a:rPr>
             </a:br>
             <a:r>
-              <a:rPr lang="de-DE" altLang="de-DE" sz="2400" smtClean="0">
+              <a:rPr lang="de-DE" altLang="de-DE" sz="2400">
                 <a:latin typeface="Courier New" pitchFamily="49" charset="0"/>
               </a:rPr>
               <a:t>	</a:t>
             </a:r>
             <a:r>
-              <a:rPr lang="de-DE" altLang="de-DE" sz="2400" smtClean="0"/>
+              <a:rPr lang="de-DE" altLang="de-DE" sz="2400"/>
               <a:t>&lt;anweisung3&gt;</a:t>
             </a:r>
-            <a:r>
-              <a:rPr lang="de-DE" altLang="de-DE" sz="2400" smtClean="0">
-                <a:latin typeface="Courier New" pitchFamily="49" charset="0"/>
-              </a:rPr>
-              <a:t/>
-            </a:r>
             <a:br>
-              <a:rPr lang="de-DE" altLang="de-DE" sz="2400" smtClean="0">
+              <a:rPr lang="de-DE" altLang="de-DE" sz="2400">
                 <a:latin typeface="Courier New" pitchFamily="49" charset="0"/>
               </a:rPr>
             </a:br>
             <a:r>
-              <a:rPr lang="de-DE" altLang="de-DE" sz="2400" smtClean="0">
+              <a:rPr lang="de-DE" altLang="de-DE" sz="2400">
                 <a:latin typeface="Courier New" pitchFamily="49" charset="0"/>
               </a:rPr>
               <a:t>	…</a:t>
             </a:r>
             <a:br>
-              <a:rPr lang="de-DE" altLang="de-DE" sz="2400" smtClean="0">
+              <a:rPr lang="de-DE" altLang="de-DE" sz="2400">
                 <a:latin typeface="Courier New" pitchFamily="49" charset="0"/>
               </a:rPr>
             </a:br>
             <a:r>
-              <a:rPr lang="de-DE" altLang="de-DE" sz="2400" smtClean="0">
+              <a:rPr lang="de-DE" altLang="de-DE" sz="2400">
                 <a:latin typeface="Courier New" pitchFamily="49" charset="0"/>
               </a:rPr>
               <a:t>	return </a:t>
             </a:r>
             <a:r>
-              <a:rPr lang="de-DE" altLang="de-DE" sz="2400" smtClean="0"/>
+              <a:rPr lang="de-DE" altLang="de-DE" sz="2400"/>
               <a:t>&lt;ergebnis&gt;</a:t>
             </a:r>
             <a:r>
-              <a:rPr lang="de-DE" altLang="de-DE" sz="2400" smtClean="0">
+              <a:rPr lang="de-DE" altLang="de-DE" sz="2400">
                 <a:latin typeface="Courier New" pitchFamily="49" charset="0"/>
               </a:rPr>
               <a:t>;</a:t>
             </a:r>
             <a:br>
-              <a:rPr lang="de-DE" altLang="de-DE" sz="2400" smtClean="0">
+              <a:rPr lang="de-DE" altLang="de-DE" sz="2400">
                 <a:latin typeface="Courier New" pitchFamily="49" charset="0"/>
               </a:rPr>
             </a:br>
             <a:r>
-              <a:rPr lang="de-DE" altLang="de-DE" sz="2400" smtClean="0">
+              <a:rPr lang="de-DE" altLang="de-DE" sz="2400">
                 <a:latin typeface="Courier New" pitchFamily="49" charset="0"/>
               </a:rPr>
               <a:t>}</a:t>
@@ -20665,7 +20575,7 @@
                 <a:tab pos="8686800" algn="l"/>
               </a:tabLst>
             </a:pPr>
-            <a:endParaRPr lang="de-DE" altLang="de-DE" sz="2400" smtClean="0">
+            <a:endParaRPr lang="de-DE" altLang="de-DE" sz="2400">
               <a:latin typeface="Courier New" pitchFamily="49" charset="0"/>
             </a:endParaRPr>
           </a:p>
@@ -20692,7 +20602,7 @@
                 <a:tab pos="8686800" algn="l"/>
               </a:tabLst>
             </a:pPr>
-            <a:endParaRPr lang="de-DE" altLang="de-DE" smtClean="0"/>
+            <a:endParaRPr lang="de-DE" altLang="de-DE"/>
           </a:p>
           <a:p>
             <a:pPr marL="269875" indent="-269875" eaLnBrk="1">
@@ -20717,7 +20627,7 @@
                 <a:tab pos="8686800" algn="l"/>
               </a:tabLst>
             </a:pPr>
-            <a:endParaRPr lang="de-DE" altLang="de-DE" smtClean="0"/>
+            <a:endParaRPr lang="de-DE" altLang="de-DE"/>
           </a:p>
         </p:txBody>
       </p:sp>
@@ -20928,7 +20838,7 @@
               </a:tabLst>
             </a:pPr>
             <a:r>
-              <a:rPr lang="de-DE" altLang="de-DE" sz="4000" dirty="0" smtClean="0">
+              <a:rPr lang="de-DE" altLang="de-DE" sz="4000" dirty="0">
                 <a:solidFill>
                   <a:srgbClr val="FFFFFF"/>
                 </a:solidFill>
@@ -20981,15 +20891,15 @@
               </a:tabLst>
             </a:pPr>
             <a:r>
-              <a:rPr lang="de-DE" altLang="de-DE" sz="2800" dirty="0" smtClean="0"/>
+              <a:rPr lang="de-DE" altLang="de-DE" sz="2800" dirty="0"/>
               <a:t>Öffnen Sie Ihre </a:t>
             </a:r>
             <a:r>
-              <a:rPr lang="de-DE" altLang="de-DE" sz="2800" dirty="0" err="1" smtClean="0"/>
+              <a:rPr lang="de-DE" altLang="de-DE" sz="2800" dirty="0" err="1"/>
               <a:t>GitHub</a:t>
             </a:r>
             <a:r>
-              <a:rPr lang="de-DE" altLang="de-DE" sz="2800" dirty="0" smtClean="0"/>
+              <a:rPr lang="de-DE" altLang="de-DE" sz="2800" dirty="0"/>
               <a:t>-Einstellungen über „Settings“</a:t>
             </a:r>
           </a:p>
@@ -21017,7 +20927,7 @@
               </a:tabLst>
             </a:pPr>
             <a:r>
-              <a:rPr lang="de-DE" altLang="de-DE" sz="2800" dirty="0" smtClean="0"/>
+              <a:rPr lang="de-DE" altLang="de-DE" sz="2800" dirty="0"/>
               <a:t>Wählen Sie im linken Menü „Security“ und dann…</a:t>
             </a:r>
           </a:p>
@@ -21045,39 +20955,39 @@
               </a:tabLst>
             </a:pPr>
             <a:r>
-              <a:rPr lang="de-DE" altLang="de-DE" sz="2800" dirty="0" smtClean="0"/>
+              <a:rPr lang="de-DE" altLang="de-DE" sz="2800" dirty="0"/>
               <a:t>„Set-</a:t>
             </a:r>
             <a:r>
-              <a:rPr lang="de-DE" altLang="de-DE" sz="2800" dirty="0" err="1" smtClean="0"/>
+              <a:rPr lang="de-DE" altLang="de-DE" sz="2800" dirty="0" err="1"/>
               <a:t>up</a:t>
             </a:r>
             <a:r>
-              <a:rPr lang="de-DE" altLang="de-DE" sz="2800" dirty="0" smtClean="0"/>
+              <a:rPr lang="de-DE" altLang="de-DE" sz="2800" dirty="0"/>
               <a:t> </a:t>
             </a:r>
             <a:r>
-              <a:rPr lang="de-DE" altLang="de-DE" sz="2800" dirty="0" err="1" smtClean="0"/>
+              <a:rPr lang="de-DE" altLang="de-DE" sz="2800" dirty="0" err="1"/>
               <a:t>two</a:t>
             </a:r>
             <a:r>
-              <a:rPr lang="de-DE" altLang="de-DE" sz="2800" dirty="0" smtClean="0"/>
+              <a:rPr lang="de-DE" altLang="de-DE" sz="2800" dirty="0"/>
               <a:t> </a:t>
             </a:r>
             <a:r>
-              <a:rPr lang="de-DE" altLang="de-DE" sz="2800" dirty="0" err="1" smtClean="0"/>
+              <a:rPr lang="de-DE" altLang="de-DE" sz="2800" dirty="0" err="1"/>
               <a:t>factor</a:t>
             </a:r>
             <a:r>
-              <a:rPr lang="de-DE" altLang="de-DE" sz="2800" dirty="0" smtClean="0"/>
+              <a:rPr lang="de-DE" altLang="de-DE" sz="2800" dirty="0"/>
               <a:t> </a:t>
             </a:r>
             <a:r>
-              <a:rPr lang="de-DE" altLang="de-DE" sz="2800" dirty="0" err="1" smtClean="0"/>
+              <a:rPr lang="de-DE" altLang="de-DE" sz="2800" dirty="0" err="1"/>
               <a:t>authentication</a:t>
             </a:r>
             <a:r>
-              <a:rPr lang="de-DE" altLang="de-DE" sz="2800" dirty="0" smtClean="0"/>
+              <a:rPr lang="de-DE" altLang="de-DE" sz="2800" dirty="0"/>
               <a:t>“ aus</a:t>
             </a:r>
           </a:p>
@@ -21105,15 +21015,15 @@
               </a:tabLst>
             </a:pPr>
             <a:r>
-              <a:rPr lang="de-DE" altLang="de-DE" sz="2800" dirty="0" smtClean="0"/>
+              <a:rPr lang="de-DE" altLang="de-DE" sz="2800" dirty="0"/>
               <a:t>Sie können via Google </a:t>
             </a:r>
             <a:r>
-              <a:rPr lang="de-DE" altLang="de-DE" sz="2800" dirty="0" err="1" smtClean="0"/>
+              <a:rPr lang="de-DE" altLang="de-DE" sz="2800" dirty="0" err="1"/>
               <a:t>Authenticator</a:t>
             </a:r>
             <a:r>
-              <a:rPr lang="de-DE" altLang="de-DE" sz="2800" dirty="0" smtClean="0"/>
+              <a:rPr lang="de-DE" altLang="de-DE" sz="2800" dirty="0"/>
               <a:t> App oder SMS…</a:t>
             </a:r>
           </a:p>
@@ -21141,10 +21051,10 @@
               </a:tabLst>
             </a:pPr>
             <a:r>
-              <a:rPr lang="de-DE" altLang="de-DE" sz="2800" dirty="0" smtClean="0"/>
+              <a:rPr lang="de-DE" altLang="de-DE" sz="2800" dirty="0"/>
               <a:t>…ihren Account vor Fremdzugriff schützen</a:t>
             </a:r>
-            <a:endParaRPr lang="de-DE" altLang="de-DE" sz="2600" dirty="0" smtClean="0"/>
+            <a:endParaRPr lang="de-DE" altLang="de-DE" sz="2600" dirty="0"/>
           </a:p>
           <a:p>
             <a:pPr marL="269875" indent="-269875" eaLnBrk="1">
@@ -21169,7 +21079,7 @@
                 <a:tab pos="8686800" algn="l"/>
               </a:tabLst>
             </a:pPr>
-            <a:endParaRPr lang="de-DE" altLang="de-DE" sz="2800" dirty="0" smtClean="0"/>
+            <a:endParaRPr lang="de-DE" altLang="de-DE" sz="2800" dirty="0"/>
           </a:p>
           <a:p>
             <a:pPr marL="269875" indent="-269875" eaLnBrk="1">
@@ -21194,7 +21104,7 @@
                 <a:tab pos="8686800" algn="l"/>
               </a:tabLst>
             </a:pPr>
-            <a:endParaRPr lang="de-DE" altLang="de-DE" dirty="0" smtClean="0"/>
+            <a:endParaRPr lang="de-DE" altLang="de-DE" dirty="0"/>
           </a:p>
           <a:p>
             <a:pPr marL="269875" indent="-269875" eaLnBrk="1">
@@ -21219,7 +21129,7 @@
                 <a:tab pos="8686800" algn="l"/>
               </a:tabLst>
             </a:pPr>
-            <a:endParaRPr lang="de-DE" altLang="de-DE" dirty="0" smtClean="0"/>
+            <a:endParaRPr lang="de-DE" altLang="de-DE" dirty="0"/>
           </a:p>
         </p:txBody>
       </p:sp>
@@ -21464,7 +21374,7 @@
               </a:tabLst>
             </a:pPr>
             <a:r>
-              <a:rPr lang="de-DE" altLang="de-DE" sz="4000" smtClean="0">
+              <a:rPr lang="de-DE" altLang="de-DE" sz="4000">
                 <a:solidFill>
                   <a:srgbClr val="FFFFFF"/>
                 </a:solidFill>
@@ -21517,7 +21427,7 @@
               </a:tabLst>
             </a:pPr>
             <a:r>
-              <a:rPr lang="de-DE" altLang="de-DE" sz="2600" smtClean="0"/>
+              <a:rPr lang="de-DE" altLang="de-DE" sz="2600"/>
               <a:t>Der &lt;name&gt; einer Methode ist frei wählbar, er muss lediglich mit einem Buchstaben beginnen und darf keine Leerzeichen enthalten.</a:t>
             </a:r>
           </a:p>
@@ -21545,27 +21455,27 @@
               </a:tabLst>
             </a:pPr>
             <a:r>
-              <a:rPr lang="de-DE" altLang="de-DE" sz="2600" smtClean="0"/>
+              <a:rPr lang="de-DE" altLang="de-DE" sz="2600"/>
               <a:t>Der &lt;ergebnistyp&gt; einer Methode ist der Datentyp, den der Befehl als Ergebnis zurückliefert, z. B. </a:t>
             </a:r>
             <a:r>
-              <a:rPr lang="de-DE" altLang="de-DE" sz="2600" smtClean="0">
+              <a:rPr lang="de-DE" altLang="de-DE" sz="2600">
                 <a:latin typeface="Courier New" pitchFamily="49" charset="0"/>
               </a:rPr>
               <a:t>double</a:t>
             </a:r>
             <a:r>
-              <a:rPr lang="de-DE" altLang="de-DE" sz="2600" smtClean="0"/>
+              <a:rPr lang="de-DE" altLang="de-DE" sz="2600"/>
               <a:t>. Soll eine Methode kein Ergebnis liefern, so ist hier das Schlüsselwort </a:t>
             </a:r>
             <a:r>
-              <a:rPr lang="de-DE" altLang="de-DE" sz="2600" smtClean="0">
+              <a:rPr lang="de-DE" altLang="de-DE" sz="2600">
                 <a:latin typeface="Courier New" pitchFamily="49" charset="0"/>
               </a:rPr>
               <a:t>void</a:t>
             </a:r>
             <a:r>
-              <a:rPr lang="de-DE" altLang="de-DE" sz="2600" smtClean="0"/>
+              <a:rPr lang="de-DE" altLang="de-DE" sz="2600"/>
               <a:t> zu verwenden. </a:t>
             </a:r>
           </a:p>
@@ -21593,7 +21503,7 @@
               </a:tabLst>
             </a:pPr>
             <a:r>
-              <a:rPr lang="de-DE" altLang="de-DE" sz="2600" smtClean="0"/>
+              <a:rPr lang="de-DE" altLang="de-DE" sz="2600"/>
               <a:t>&lt;parameter&gt; ist eine Liste von Variablendefinitionen (jeweils mit einem Komma voneinander getrennt). Sie bestimmen, welche Werte eine Methode benötigt, um ausgeführt zu werden.</a:t>
             </a:r>
           </a:p>
@@ -21621,17 +21531,17 @@
               </a:tabLst>
             </a:pPr>
             <a:r>
-              <a:rPr lang="de-DE" altLang="de-DE" sz="2600" smtClean="0"/>
+              <a:rPr lang="de-DE" altLang="de-DE" sz="2600"/>
               <a:t>Mit </a:t>
             </a:r>
             <a:r>
-              <a:rPr lang="de-DE" altLang="de-DE" sz="2600" smtClean="0">
+              <a:rPr lang="de-DE" altLang="de-DE" sz="2600">
                 <a:latin typeface="Courier New" pitchFamily="49" charset="0"/>
               </a:rPr>
               <a:t>return</a:t>
             </a:r>
             <a:r>
-              <a:rPr lang="de-DE" altLang="de-DE" sz="2600" smtClean="0"/>
+              <a:rPr lang="de-DE" altLang="de-DE" sz="2600"/>
               <a:t> wird ein Ergebnis zurückgeliefert. Es muss dem &lt;ergebnistyp&gt; entsprechen.</a:t>
             </a:r>
           </a:p>
@@ -21658,7 +21568,7 @@
                 <a:tab pos="8686800" algn="l"/>
               </a:tabLst>
             </a:pPr>
-            <a:endParaRPr lang="de-DE" altLang="de-DE" smtClean="0"/>
+            <a:endParaRPr lang="de-DE" altLang="de-DE"/>
           </a:p>
           <a:p>
             <a:pPr marL="269875" indent="-269875" eaLnBrk="1">
@@ -21683,7 +21593,7 @@
                 <a:tab pos="8686800" algn="l"/>
               </a:tabLst>
             </a:pPr>
-            <a:endParaRPr lang="de-DE" altLang="de-DE" smtClean="0"/>
+            <a:endParaRPr lang="de-DE" altLang="de-DE"/>
           </a:p>
         </p:txBody>
       </p:sp>
@@ -21894,7 +21804,7 @@
               </a:tabLst>
             </a:pPr>
             <a:r>
-              <a:rPr lang="de-DE" altLang="de-DE" sz="4000" smtClean="0">
+              <a:rPr lang="de-DE" altLang="de-DE" sz="4000">
                 <a:solidFill>
                   <a:srgbClr val="FFFFFF"/>
                 </a:solidFill>
@@ -21944,7 +21854,7 @@
               </a:tabLst>
             </a:pPr>
             <a:r>
-              <a:rPr lang="de-DE" altLang="de-DE" sz="2600" smtClean="0"/>
+              <a:rPr lang="de-DE" altLang="de-DE" sz="2600"/>
               <a:t>Beispiel für eine Methode, die von zwei "double"-Werten immer den kleineren liefert:</a:t>
             </a:r>
           </a:p>
@@ -21968,7 +21878,7 @@
                 <a:tab pos="8686800" algn="l"/>
               </a:tabLst>
             </a:pPr>
-            <a:endParaRPr lang="de-DE" altLang="de-DE" sz="2800" smtClean="0"/>
+            <a:endParaRPr lang="de-DE" altLang="de-DE" sz="2800"/>
           </a:p>
           <a:p>
             <a:pPr marL="0" indent="0" eaLnBrk="1">
@@ -21994,7 +21904,7 @@
               </a:tabLst>
             </a:pPr>
             <a:r>
-              <a:rPr lang="de-DE" altLang="de-DE" sz="2200" smtClean="0">
+              <a:rPr lang="de-DE" altLang="de-DE" sz="2200">
                 <a:latin typeface="Courier New" pitchFamily="49" charset="0"/>
               </a:rPr>
               <a:t>public static double minimum(double a, double b) {</a:t>
@@ -22024,7 +21934,7 @@
               </a:tabLst>
             </a:pPr>
             <a:r>
-              <a:rPr lang="de-DE" altLang="de-DE" sz="2200" smtClean="0">
+              <a:rPr lang="de-DE" altLang="de-DE" sz="2200">
                 <a:latin typeface="Courier New" pitchFamily="49" charset="0"/>
               </a:rPr>
               <a:t>   double min;</a:t>
@@ -22054,7 +21964,7 @@
               </a:tabLst>
             </a:pPr>
             <a:r>
-              <a:rPr lang="de-DE" altLang="de-DE" sz="2200" smtClean="0">
+              <a:rPr lang="de-DE" altLang="de-DE" sz="2200">
                 <a:latin typeface="Courier New" pitchFamily="49" charset="0"/>
               </a:rPr>
               <a:t>   if ( a &lt; b ) {</a:t>
@@ -22084,7 +21994,7 @@
               </a:tabLst>
             </a:pPr>
             <a:r>
-              <a:rPr lang="de-DE" altLang="de-DE" sz="2200" smtClean="0">
+              <a:rPr lang="de-DE" altLang="de-DE" sz="2200">
                 <a:latin typeface="Courier New" pitchFamily="49" charset="0"/>
               </a:rPr>
               <a:t>      min = a;</a:t>
@@ -22114,7 +22024,7 @@
               </a:tabLst>
             </a:pPr>
             <a:r>
-              <a:rPr lang="de-DE" altLang="de-DE" sz="2200" smtClean="0">
+              <a:rPr lang="de-DE" altLang="de-DE" sz="2200">
                 <a:latin typeface="Courier New" pitchFamily="49" charset="0"/>
               </a:rPr>
               <a:t>   } else {</a:t>
@@ -22144,7 +22054,7 @@
               </a:tabLst>
             </a:pPr>
             <a:r>
-              <a:rPr lang="de-DE" altLang="de-DE" sz="2200" smtClean="0">
+              <a:rPr lang="de-DE" altLang="de-DE" sz="2200">
                 <a:latin typeface="Courier New" pitchFamily="49" charset="0"/>
               </a:rPr>
               <a:t>      min = b;</a:t>
@@ -22174,7 +22084,7 @@
               </a:tabLst>
             </a:pPr>
             <a:r>
-              <a:rPr lang="de-DE" altLang="de-DE" sz="2200" smtClean="0">
+              <a:rPr lang="de-DE" altLang="de-DE" sz="2200">
                 <a:latin typeface="Courier New" pitchFamily="49" charset="0"/>
               </a:rPr>
               <a:t>   }</a:t>
@@ -22204,7 +22114,7 @@
               </a:tabLst>
             </a:pPr>
             <a:r>
-              <a:rPr lang="de-DE" altLang="de-DE" sz="2200" smtClean="0">
+              <a:rPr lang="de-DE" altLang="de-DE" sz="2200">
                 <a:latin typeface="Courier New" pitchFamily="49" charset="0"/>
               </a:rPr>
               <a:t>   return min;</a:t>
@@ -22234,7 +22144,7 @@
               </a:tabLst>
             </a:pPr>
             <a:r>
-              <a:rPr lang="de-DE" altLang="de-DE" sz="2200" smtClean="0">
+              <a:rPr lang="de-DE" altLang="de-DE" sz="2200">
                 <a:latin typeface="Courier New" pitchFamily="49" charset="0"/>
               </a:rPr>
               <a:t>}</a:t>
@@ -22263,7 +22173,7 @@
                 <a:tab pos="8686800" algn="l"/>
               </a:tabLst>
             </a:pPr>
-            <a:endParaRPr lang="de-DE" altLang="de-DE" smtClean="0"/>
+            <a:endParaRPr lang="de-DE" altLang="de-DE"/>
           </a:p>
         </p:txBody>
       </p:sp>
@@ -22474,7 +22384,7 @@
               </a:tabLst>
             </a:pPr>
             <a:r>
-              <a:rPr lang="de-DE" altLang="de-DE" sz="4000" smtClean="0">
+              <a:rPr lang="de-DE" altLang="de-DE" sz="4000">
                 <a:solidFill>
                   <a:srgbClr val="FFFFFF"/>
                 </a:solidFill>
@@ -22524,7 +22434,7 @@
               </a:tabLst>
             </a:pPr>
             <a:r>
-              <a:rPr lang="de-DE" altLang="de-DE" sz="2800" smtClean="0"/>
+              <a:rPr lang="de-DE" altLang="de-DE" sz="2800"/>
               <a:t>Eine Methode kann von fast überall verwendet werden:</a:t>
             </a:r>
           </a:p>
@@ -22548,7 +22458,7 @@
                 <a:tab pos="8686800" algn="l"/>
               </a:tabLst>
             </a:pPr>
-            <a:endParaRPr lang="de-DE" altLang="de-DE" sz="2800" smtClean="0"/>
+            <a:endParaRPr lang="de-DE" altLang="de-DE" sz="2800"/>
           </a:p>
           <a:p>
             <a:pPr marL="269875" indent="-269875" eaLnBrk="1">
@@ -22574,7 +22484,7 @@
               </a:tabLst>
             </a:pPr>
             <a:r>
-              <a:rPr lang="de-DE" altLang="de-DE" sz="2800" smtClean="0">
+              <a:rPr lang="de-DE" altLang="de-DE" sz="2800">
                 <a:latin typeface="Courier New" pitchFamily="49" charset="0"/>
               </a:rPr>
               <a:t>&lt;name&gt;( &lt;parameter&gt; );</a:t>
@@ -22600,7 +22510,7 @@
                 <a:tab pos="8686800" algn="l"/>
               </a:tabLst>
             </a:pPr>
-            <a:endParaRPr lang="de-DE" altLang="de-DE" sz="2800" smtClean="0"/>
+            <a:endParaRPr lang="de-DE" altLang="de-DE" sz="2800"/>
           </a:p>
           <a:p>
             <a:pPr marL="269875" indent="-269875" eaLnBrk="1">
@@ -22623,7 +22533,7 @@
               </a:tabLst>
             </a:pPr>
             <a:r>
-              <a:rPr lang="de-DE" altLang="de-DE" sz="2800" smtClean="0"/>
+              <a:rPr lang="de-DE" altLang="de-DE" sz="2800"/>
               <a:t>Beispiel:</a:t>
             </a:r>
           </a:p>
@@ -22647,7 +22557,7 @@
                 <a:tab pos="8686800" algn="l"/>
               </a:tabLst>
             </a:pPr>
-            <a:endParaRPr lang="de-DE" altLang="de-DE" sz="2800" smtClean="0"/>
+            <a:endParaRPr lang="de-DE" altLang="de-DE" sz="2800"/>
           </a:p>
           <a:p>
             <a:pPr marL="269875" indent="-269875" eaLnBrk="1">
@@ -22673,7 +22583,7 @@
               </a:tabLst>
             </a:pPr>
             <a:r>
-              <a:rPr lang="de-DE" altLang="de-DE" sz="2800" smtClean="0">
+              <a:rPr lang="de-DE" altLang="de-DE" sz="2800">
                 <a:latin typeface="Courier New" pitchFamily="49" charset="0"/>
               </a:rPr>
               <a:t>double rabatt = ...</a:t>
@@ -22703,7 +22613,7 @@
               </a:tabLst>
             </a:pPr>
             <a:r>
-              <a:rPr lang="de-DE" altLang="de-DE" sz="2800" smtClean="0">
+              <a:rPr lang="de-DE" altLang="de-DE" sz="2800">
                 <a:latin typeface="Courier New" pitchFamily="49" charset="0"/>
               </a:rPr>
               <a:t>rabatt = minimum( 20, rabatt);</a:t>
@@ -22732,7 +22642,7 @@
                 <a:tab pos="8686800" algn="l"/>
               </a:tabLst>
             </a:pPr>
-            <a:endParaRPr lang="de-DE" altLang="de-DE" sz="2800" smtClean="0">
+            <a:endParaRPr lang="de-DE" altLang="de-DE" sz="2800">
               <a:latin typeface="Courier New" pitchFamily="49" charset="0"/>
             </a:endParaRPr>
           </a:p>
@@ -22756,7 +22666,7 @@
                 <a:tab pos="8686800" algn="l"/>
               </a:tabLst>
             </a:pPr>
-            <a:endParaRPr lang="de-DE" altLang="de-DE" sz="2800" smtClean="0"/>
+            <a:endParaRPr lang="de-DE" altLang="de-DE" sz="2800"/>
           </a:p>
           <a:p>
             <a:pPr marL="269875" indent="-269875" eaLnBrk="1">
@@ -22779,7 +22689,7 @@
               </a:tabLst>
             </a:pPr>
             <a:r>
-              <a:rPr lang="de-DE" altLang="de-DE" sz="2800" smtClean="0"/>
+              <a:rPr lang="de-DE" altLang="de-DE" sz="2800"/>
               <a:t>=&gt; Der Aufruf der Methode sorgt dafür, dass der in der</a:t>
             </a:r>
           </a:p>
@@ -22804,7 +22714,7 @@
               </a:tabLst>
             </a:pPr>
             <a:r>
-              <a:rPr lang="de-DE" altLang="de-DE" sz="2800" smtClean="0"/>
+              <a:rPr lang="de-DE" altLang="de-DE" sz="2800"/>
               <a:t>Methode stehende Programmcode ausgeführt wird.</a:t>
             </a:r>
           </a:p>
@@ -22831,7 +22741,7 @@
                 <a:tab pos="8686800" algn="l"/>
               </a:tabLst>
             </a:pPr>
-            <a:endParaRPr lang="de-DE" altLang="de-DE" smtClean="0"/>
+            <a:endParaRPr lang="de-DE" altLang="de-DE"/>
           </a:p>
           <a:p>
             <a:pPr marL="269875" indent="-269875" eaLnBrk="1">
@@ -22856,7 +22766,7 @@
                 <a:tab pos="8686800" algn="l"/>
               </a:tabLst>
             </a:pPr>
-            <a:endParaRPr lang="de-DE" altLang="de-DE" smtClean="0"/>
+            <a:endParaRPr lang="de-DE" altLang="de-DE"/>
           </a:p>
         </p:txBody>
       </p:sp>
@@ -23067,7 +22977,7 @@
               </a:tabLst>
             </a:pPr>
             <a:r>
-              <a:rPr lang="de-DE" altLang="de-DE" sz="4000" smtClean="0">
+              <a:rPr lang="de-DE" altLang="de-DE" sz="4000">
                 <a:solidFill>
                   <a:srgbClr val="FFFFFF"/>
                 </a:solidFill>
@@ -23120,13 +23030,13 @@
               </a:tabLst>
             </a:pPr>
             <a:r>
-              <a:rPr lang="de-DE" altLang="de-DE" sz="2600" smtClean="0"/>
+              <a:rPr lang="de-DE" altLang="de-DE" sz="2600"/>
               <a:t>Eine Methode kann nur genau einen Ergebnistyp haben.</a:t>
             </a:r>
             <a:br>
-              <a:rPr lang="de-DE" altLang="de-DE" sz="2600" smtClean="0"/>
+              <a:rPr lang="de-DE" altLang="de-DE" sz="2600"/>
             </a:br>
-            <a:endParaRPr lang="de-DE" altLang="de-DE" sz="2600" smtClean="0"/>
+            <a:endParaRPr lang="de-DE" altLang="de-DE" sz="2600"/>
           </a:p>
           <a:p>
             <a:pPr marL="269875" indent="-269875" eaLnBrk="1">
@@ -23152,13 +23062,13 @@
               </a:tabLst>
             </a:pPr>
             <a:r>
-              <a:rPr lang="de-DE" altLang="de-DE" sz="2600" smtClean="0"/>
+              <a:rPr lang="de-DE" altLang="de-DE" sz="2600"/>
               <a:t>Wird ein Ergebnistyp definiert, muss auch ein passender Wert zurückgegeben werden.</a:t>
             </a:r>
             <a:br>
-              <a:rPr lang="de-DE" altLang="de-DE" sz="2600" smtClean="0"/>
+              <a:rPr lang="de-DE" altLang="de-DE" sz="2600"/>
             </a:br>
-            <a:endParaRPr lang="de-DE" altLang="de-DE" sz="2600" smtClean="0"/>
+            <a:endParaRPr lang="de-DE" altLang="de-DE" sz="2600"/>
           </a:p>
           <a:p>
             <a:pPr marL="269875" indent="-269875" eaLnBrk="1">
@@ -23184,13 +23094,13 @@
               </a:tabLst>
             </a:pPr>
             <a:r>
-              <a:rPr lang="de-DE" altLang="de-DE" sz="2600" smtClean="0"/>
+              <a:rPr lang="de-DE" altLang="de-DE" sz="2600"/>
               <a:t>Die Ausführung einer Methode kann vorzeitig mit einer "return"-Anweisung abgebrochen werden.</a:t>
             </a:r>
             <a:br>
-              <a:rPr lang="de-DE" altLang="de-DE" sz="2600" smtClean="0"/>
+              <a:rPr lang="de-DE" altLang="de-DE" sz="2600"/>
             </a:br>
-            <a:endParaRPr lang="de-DE" altLang="de-DE" sz="2600" smtClean="0"/>
+            <a:endParaRPr lang="de-DE" altLang="de-DE" sz="2600"/>
           </a:p>
           <a:p>
             <a:pPr marL="269875" indent="-269875" eaLnBrk="1">
@@ -23216,13 +23126,13 @@
               </a:tabLst>
             </a:pPr>
             <a:r>
-              <a:rPr lang="de-DE" altLang="de-DE" sz="2600" smtClean="0"/>
+              <a:rPr lang="de-DE" altLang="de-DE" sz="2600"/>
               <a:t>Für jeden Parameter, den eine Methode erwartet, muss beim Aufruf auch ein passender Wert übergeben werden.</a:t>
             </a:r>
             <a:br>
-              <a:rPr lang="de-DE" altLang="de-DE" sz="2600" smtClean="0"/>
+              <a:rPr lang="de-DE" altLang="de-DE" sz="2600"/>
             </a:br>
-            <a:endParaRPr lang="de-DE" altLang="de-DE" sz="2600" smtClean="0"/>
+            <a:endParaRPr lang="de-DE" altLang="de-DE" sz="2600"/>
           </a:p>
           <a:p>
             <a:pPr marL="269875" indent="-269875" eaLnBrk="1">
@@ -23248,7 +23158,7 @@
               </a:tabLst>
             </a:pPr>
             <a:r>
-              <a:rPr lang="de-DE" altLang="de-DE" sz="2600" smtClean="0"/>
+              <a:rPr lang="de-DE" altLang="de-DE" sz="2600"/>
               <a:t>Bedenken Sie folgende Regel: "Variablen sind nur innerhalb der geschweiften Klammern gültig, in denen sie definiert wurden."</a:t>
             </a:r>
           </a:p>
@@ -23275,7 +23185,7 @@
                 <a:tab pos="8686800" algn="l"/>
               </a:tabLst>
             </a:pPr>
-            <a:endParaRPr lang="de-DE" altLang="de-DE" smtClean="0"/>
+            <a:endParaRPr lang="de-DE" altLang="de-DE"/>
           </a:p>
           <a:p>
             <a:pPr marL="269875" indent="-269875" eaLnBrk="1">
@@ -23300,7 +23210,7 @@
                 <a:tab pos="8686800" algn="l"/>
               </a:tabLst>
             </a:pPr>
-            <a:endParaRPr lang="de-DE" altLang="de-DE" smtClean="0"/>
+            <a:endParaRPr lang="de-DE" altLang="de-DE"/>
           </a:p>
         </p:txBody>
       </p:sp>
@@ -23511,7 +23421,7 @@
               </a:tabLst>
             </a:pPr>
             <a:r>
-              <a:rPr lang="de-DE" altLang="de-DE" sz="4000" smtClean="0">
+              <a:rPr lang="de-DE" altLang="de-DE" sz="4000">
                 <a:solidFill>
                   <a:srgbClr val="FFFFFF"/>
                 </a:solidFill>
@@ -23564,53 +23474,53 @@
               </a:tabLst>
             </a:pPr>
             <a:r>
-              <a:rPr lang="de-DE" altLang="de-DE" sz="2600" dirty="0" smtClean="0"/>
+              <a:rPr lang="de-DE" altLang="de-DE" sz="2600" dirty="0"/>
               <a:t>Schreiben Sie eine Methode </a:t>
             </a:r>
             <a:r>
-              <a:rPr lang="de-DE" altLang="de-DE" sz="2600" dirty="0" err="1" smtClean="0">
+              <a:rPr lang="de-DE" altLang="de-DE" sz="2600" dirty="0" err="1">
                 <a:latin typeface="Courier New" pitchFamily="49" charset="0"/>
               </a:rPr>
               <a:t>bruchDarstellen</a:t>
             </a:r>
             <a:r>
-              <a:rPr lang="de-DE" altLang="de-DE" sz="2600" dirty="0" smtClean="0"/>
+              <a:rPr lang="de-DE" altLang="de-DE" sz="2600" dirty="0"/>
               <a:t>, die zwei Parameter vom Typ </a:t>
             </a:r>
             <a:r>
-              <a:rPr lang="de-DE" altLang="de-DE" sz="2600" dirty="0" err="1" smtClean="0">
+              <a:rPr lang="de-DE" altLang="de-DE" sz="2600" dirty="0" err="1">
                 <a:latin typeface="Courier New" pitchFamily="49" charset="0"/>
               </a:rPr>
               <a:t>int</a:t>
             </a:r>
             <a:r>
-              <a:rPr lang="de-DE" altLang="de-DE" sz="2600" dirty="0" smtClean="0"/>
+              <a:rPr lang="de-DE" altLang="de-DE" sz="2600" dirty="0"/>
               <a:t> erwartet (</a:t>
             </a:r>
             <a:r>
-              <a:rPr lang="de-DE" altLang="de-DE" sz="2600" dirty="0" err="1" smtClean="0">
+              <a:rPr lang="de-DE" altLang="de-DE" sz="2600" dirty="0" err="1">
                 <a:latin typeface="Courier New" pitchFamily="49" charset="0"/>
               </a:rPr>
               <a:t>zaehler</a:t>
             </a:r>
             <a:r>
-              <a:rPr lang="de-DE" altLang="de-DE" sz="2600" dirty="0" smtClean="0"/>
+              <a:rPr lang="de-DE" altLang="de-DE" sz="2600" dirty="0"/>
               <a:t> und </a:t>
             </a:r>
             <a:r>
-              <a:rPr lang="de-DE" altLang="de-DE" sz="2600" dirty="0" err="1" smtClean="0">
+              <a:rPr lang="de-DE" altLang="de-DE" sz="2600" dirty="0" err="1">
                 <a:latin typeface="Courier New" pitchFamily="49" charset="0"/>
               </a:rPr>
               <a:t>nenner</a:t>
             </a:r>
             <a:r>
-              <a:rPr lang="de-DE" altLang="de-DE" sz="2600" dirty="0" smtClean="0"/>
+              <a:rPr lang="de-DE" altLang="de-DE" sz="2600" dirty="0"/>
               <a:t>) und kein Ergebnis liefert.</a:t>
             </a:r>
             <a:br>
-              <a:rPr lang="de-DE" altLang="de-DE" sz="2600" dirty="0" smtClean="0"/>
+              <a:rPr lang="de-DE" altLang="de-DE" sz="2600" dirty="0"/>
             </a:br>
-            <a:endParaRPr lang="de-DE" altLang="de-DE" sz="2600" dirty="0" smtClean="0"/>
+            <a:endParaRPr lang="de-DE" altLang="de-DE" sz="2600" dirty="0"/>
           </a:p>
           <a:p>
             <a:pPr marL="269875" indent="-269875" eaLnBrk="1">
@@ -23636,57 +23546,53 @@
               </a:tabLst>
             </a:pPr>
             <a:r>
-              <a:rPr lang="de-DE" altLang="de-DE" sz="2600" dirty="0" smtClean="0"/>
+              <a:rPr lang="de-DE" altLang="de-DE" sz="2600" dirty="0"/>
               <a:t>Diese Methode soll drei Zeilen auf der Konsole nach folgendem Muster ausgeben:</a:t>
             </a:r>
             <a:br>
-              <a:rPr lang="de-DE" altLang="de-DE" sz="2600" dirty="0" smtClean="0"/>
+              <a:rPr lang="de-DE" altLang="de-DE" sz="2600" dirty="0"/>
             </a:br>
-            <a:r>
-              <a:rPr lang="de-DE" altLang="de-DE" sz="2600" dirty="0" smtClean="0"/>
-              <a:t/>
-            </a:r>
             <a:br>
-              <a:rPr lang="de-DE" altLang="de-DE" sz="2600" dirty="0" smtClean="0"/>
+              <a:rPr lang="de-DE" altLang="de-DE" sz="2600" dirty="0"/>
             </a:br>
             <a:r>
-              <a:rPr lang="de-DE" altLang="de-DE" sz="2600" dirty="0" smtClean="0"/>
+              <a:rPr lang="de-DE" altLang="de-DE" sz="2600" dirty="0"/>
               <a:t>&lt;wert von </a:t>
             </a:r>
             <a:r>
-              <a:rPr lang="de-DE" altLang="de-DE" sz="2600" dirty="0" err="1" smtClean="0"/>
+              <a:rPr lang="de-DE" altLang="de-DE" sz="2600" dirty="0" err="1"/>
               <a:t>zaehler</a:t>
             </a:r>
             <a:r>
-              <a:rPr lang="de-DE" altLang="de-DE" sz="2600" dirty="0" smtClean="0"/>
+              <a:rPr lang="de-DE" altLang="de-DE" sz="2600" dirty="0"/>
               <a:t>&gt;</a:t>
             </a:r>
             <a:br>
-              <a:rPr lang="de-DE" altLang="de-DE" sz="2600" dirty="0" smtClean="0"/>
+              <a:rPr lang="de-DE" altLang="de-DE" sz="2600" dirty="0"/>
             </a:br>
             <a:r>
-              <a:rPr lang="de-DE" altLang="de-DE" sz="2600" dirty="0" smtClean="0"/>
+              <a:rPr lang="de-DE" altLang="de-DE" sz="2600" dirty="0"/>
               <a:t>--------------------------    =    &lt;kommazahl&gt;</a:t>
             </a:r>
             <a:br>
-              <a:rPr lang="de-DE" altLang="de-DE" sz="2600" dirty="0" smtClean="0"/>
+              <a:rPr lang="de-DE" altLang="de-DE" sz="2600" dirty="0"/>
             </a:br>
             <a:r>
-              <a:rPr lang="de-DE" altLang="de-DE" sz="2600" dirty="0" smtClean="0"/>
+              <a:rPr lang="de-DE" altLang="de-DE" sz="2600" dirty="0"/>
               <a:t>&lt;wert von </a:t>
             </a:r>
             <a:r>
-              <a:rPr lang="de-DE" altLang="de-DE" sz="2600" dirty="0" err="1" smtClean="0"/>
+              <a:rPr lang="de-DE" altLang="de-DE" sz="2600" dirty="0" err="1"/>
               <a:t>nenner</a:t>
             </a:r>
             <a:r>
-              <a:rPr lang="de-DE" altLang="de-DE" sz="2600" dirty="0" smtClean="0"/>
+              <a:rPr lang="de-DE" altLang="de-DE" sz="2600" dirty="0"/>
               <a:t>&gt;</a:t>
             </a:r>
             <a:br>
-              <a:rPr lang="de-DE" altLang="de-DE" sz="2600" dirty="0" smtClean="0"/>
+              <a:rPr lang="de-DE" altLang="de-DE" sz="2600" dirty="0"/>
             </a:br>
-            <a:endParaRPr lang="de-DE" altLang="de-DE" sz="2600" dirty="0" smtClean="0"/>
+            <a:endParaRPr lang="de-DE" altLang="de-DE" sz="2600" dirty="0"/>
           </a:p>
           <a:p>
             <a:pPr marL="269875" indent="-269875" eaLnBrk="1">
@@ -23712,12 +23618,8 @@
               </a:tabLst>
             </a:pPr>
             <a:r>
-              <a:rPr lang="de-DE" altLang="de-DE" sz="2600" dirty="0" smtClean="0"/>
-              <a:t>Testen Sie die Methode, indem Sie sie mindestens dreimal verwenden</a:t>
-            </a:r>
-            <a:r>
-              <a:rPr lang="de-DE" altLang="de-DE" sz="2600" dirty="0" smtClean="0"/>
-              <a:t>.</a:t>
+              <a:rPr lang="de-DE" altLang="de-DE" sz="2600" dirty="0"/>
+              <a:t>Testen Sie die Methode, indem Sie sie mindestens dreimal verwenden.</a:t>
             </a:r>
           </a:p>
           <a:p>
@@ -23744,7 +23646,7 @@
               </a:tabLst>
             </a:pPr>
             <a:r>
-              <a:rPr lang="de-DE" altLang="de-DE" sz="2600" dirty="0" smtClean="0"/>
+              <a:rPr lang="de-DE" altLang="de-DE" sz="2600" dirty="0"/>
               <a:t>Bonus: Sorgen Sie für die richtige Länge des Bruchstrichs!</a:t>
             </a:r>
           </a:p>
@@ -23771,7 +23673,7 @@
                 <a:tab pos="8686800" algn="l"/>
               </a:tabLst>
             </a:pPr>
-            <a:endParaRPr lang="de-DE" altLang="de-DE" dirty="0" smtClean="0"/>
+            <a:endParaRPr lang="de-DE" altLang="de-DE" dirty="0"/>
           </a:p>
           <a:p>
             <a:pPr marL="269875" indent="-269875" eaLnBrk="1">
@@ -23796,7 +23698,7 @@
                 <a:tab pos="8686800" algn="l"/>
               </a:tabLst>
             </a:pPr>
-            <a:endParaRPr lang="de-DE" altLang="de-DE" dirty="0" smtClean="0"/>
+            <a:endParaRPr lang="de-DE" altLang="de-DE" dirty="0"/>
           </a:p>
         </p:txBody>
       </p:sp>
@@ -24007,7 +23909,7 @@
               </a:tabLst>
             </a:pPr>
             <a:r>
-              <a:rPr lang="de-DE" altLang="de-DE" sz="4000" smtClean="0">
+              <a:rPr lang="de-DE" altLang="de-DE" sz="4000">
                 <a:solidFill>
                   <a:srgbClr val="FFFFFF"/>
                 </a:solidFill>
@@ -24057,7 +23959,7 @@
               </a:tabLst>
             </a:pPr>
             <a:r>
-              <a:rPr lang="de-DE" altLang="de-DE" sz="2400" smtClean="0"/>
+              <a:rPr lang="de-DE" altLang="de-DE" sz="2400"/>
               <a:t>Schreiben Sie ein Programm, welches näherungsweise den</a:t>
             </a:r>
           </a:p>
@@ -24082,7 +23984,7 @@
               </a:tabLst>
             </a:pPr>
             <a:r>
-              <a:rPr lang="de-DE" altLang="de-DE" sz="2400" smtClean="0"/>
+              <a:rPr lang="de-DE" altLang="de-DE" sz="2400"/>
               <a:t>"goldenen Schnitt" bestimmt. Dieser kann mit folgendem</a:t>
             </a:r>
           </a:p>
@@ -24107,7 +24009,7 @@
               </a:tabLst>
             </a:pPr>
             <a:r>
-              <a:rPr lang="de-DE" altLang="de-DE" sz="2400" smtClean="0"/>
+              <a:rPr lang="de-DE" altLang="de-DE" sz="2400"/>
               <a:t>Verfahren bestimmt werden:</a:t>
             </a:r>
           </a:p>
@@ -24131,7 +24033,7 @@
                 <a:tab pos="8686800" algn="l"/>
               </a:tabLst>
             </a:pPr>
-            <a:endParaRPr lang="de-DE" altLang="de-DE" sz="2400" smtClean="0"/>
+            <a:endParaRPr lang="de-DE" altLang="de-DE" sz="2400"/>
           </a:p>
           <a:p>
             <a:pPr marL="269875" indent="-269875" eaLnBrk="1">
@@ -24156,7 +24058,7 @@
               </a:tabLst>
             </a:pPr>
             <a:r>
-              <a:rPr lang="de-DE" altLang="de-DE" sz="2400" smtClean="0"/>
+              <a:rPr lang="de-DE" altLang="de-DE" sz="2400"/>
               <a:t>Begonnen wird mit einem Bruch, bei dem Zähler und Nenner gleich 1 sind.</a:t>
             </a:r>
           </a:p>
@@ -24183,28 +24085,24 @@
               </a:tabLst>
             </a:pPr>
             <a:r>
-              <a:rPr lang="de-DE" altLang="de-DE" sz="2400" smtClean="0"/>
+              <a:rPr lang="de-DE" altLang="de-DE" sz="2400"/>
               <a:t>Es wird ein neuer Bruch wie folgt ermittelt:</a:t>
             </a:r>
             <a:br>
-              <a:rPr lang="de-DE" altLang="de-DE" sz="2400" smtClean="0"/>
+              <a:rPr lang="de-DE" altLang="de-DE" sz="2400"/>
             </a:br>
-            <a:r>
-              <a:rPr lang="de-DE" altLang="de-DE" sz="2400" smtClean="0"/>
-              <a:t/>
-            </a:r>
             <a:br>
-              <a:rPr lang="de-DE" altLang="de-DE" sz="2400" smtClean="0"/>
+              <a:rPr lang="de-DE" altLang="de-DE" sz="2400"/>
             </a:br>
             <a:r>
-              <a:rPr lang="de-DE" altLang="de-DE" sz="2400" smtClean="0"/>
+              <a:rPr lang="de-DE" altLang="de-DE" sz="2400"/>
               <a:t>neuer Zaehler = alter Nenner</a:t>
             </a:r>
             <a:br>
-              <a:rPr lang="de-DE" altLang="de-DE" sz="2400" smtClean="0"/>
+              <a:rPr lang="de-DE" altLang="de-DE" sz="2400"/>
             </a:br>
             <a:r>
-              <a:rPr lang="de-DE" altLang="de-DE" sz="2400" smtClean="0"/>
+              <a:rPr lang="de-DE" altLang="de-DE" sz="2400"/>
               <a:t>neuer Nenner = alter Nenner + alter Zähler</a:t>
             </a:r>
           </a:p>
@@ -24228,7 +24126,7 @@
                 <a:tab pos="8686800" algn="l"/>
               </a:tabLst>
             </a:pPr>
-            <a:endParaRPr lang="de-DE" altLang="de-DE" sz="2400" smtClean="0"/>
+            <a:endParaRPr lang="de-DE" altLang="de-DE" sz="2400"/>
           </a:p>
           <a:p>
             <a:pPr marL="269875" indent="-269875" eaLnBrk="1">
@@ -24255,7 +24153,7 @@
               </a:tabLst>
             </a:pPr>
             <a:r>
-              <a:rPr lang="de-DE" altLang="de-DE" sz="2400" smtClean="0"/>
+              <a:rPr lang="de-DE" altLang="de-DE" sz="2400"/>
               <a:t>Schritt 2 wird beliebig oft wiederholt, mit jeder Wiederholung wird</a:t>
             </a:r>
           </a:p>
@@ -24284,7 +24182,7 @@
               </a:tabLst>
             </a:pPr>
             <a:r>
-              <a:rPr lang="de-DE" altLang="de-DE" sz="2400" smtClean="0"/>
+              <a:rPr lang="de-DE" altLang="de-DE" sz="2400"/>
               <a:t>das Ergebnis präziser.</a:t>
             </a:r>
           </a:p>
@@ -24312,7 +24210,7 @@
                 <a:tab pos="8686800" algn="l"/>
               </a:tabLst>
             </a:pPr>
-            <a:endParaRPr lang="de-DE" altLang="de-DE" sz="2400" smtClean="0">
+            <a:endParaRPr lang="de-DE" altLang="de-DE" sz="2400">
               <a:hlinkClick r:id="rId3"/>
             </a:endParaRPr>
           </a:p>
@@ -24341,19 +24239,15 @@
               </a:tabLst>
             </a:pPr>
             <a:r>
-              <a:rPr lang="de-DE" altLang="de-DE" sz="2400" smtClean="0">
+              <a:rPr lang="de-DE" altLang="de-DE" sz="2400">
                 <a:hlinkClick r:id="rId3"/>
               </a:rPr>
               <a:t>https://github.com/nordakademie-einfuehrung-java/uebung_4_1</a:t>
             </a:r>
-            <a:r>
-              <a:rPr lang="de-DE" altLang="de-DE" sz="2400" smtClean="0"/>
-              <a:t/>
-            </a:r>
             <a:br>
-              <a:rPr lang="de-DE" altLang="de-DE" sz="2400" smtClean="0"/>
+              <a:rPr lang="de-DE" altLang="de-DE" sz="2400"/>
             </a:br>
-            <a:endParaRPr lang="de-DE" altLang="de-DE" sz="2400" smtClean="0"/>
+            <a:endParaRPr lang="de-DE" altLang="de-DE" sz="2400"/>
           </a:p>
         </p:txBody>
       </p:sp>
@@ -24564,7 +24458,7 @@
               </a:tabLst>
             </a:pPr>
             <a:r>
-              <a:rPr lang="de-DE" altLang="de-DE" sz="4000" smtClean="0">
+              <a:rPr lang="de-DE" altLang="de-DE" sz="4000">
                 <a:solidFill>
                   <a:srgbClr val="FFFFFF"/>
                 </a:solidFill>
@@ -24614,17 +24508,17 @@
               </a:tabLst>
             </a:pPr>
             <a:r>
-              <a:rPr lang="de-DE" altLang="de-DE" sz="2600" smtClean="0"/>
+              <a:rPr lang="de-DE" altLang="de-DE" sz="2600"/>
               <a:t>Schreiben Sie eine Methode </a:t>
             </a:r>
             <a:r>
-              <a:rPr lang="de-DE" altLang="de-DE" sz="2600" smtClean="0">
+              <a:rPr lang="de-DE" altLang="de-DE" sz="2600">
                 <a:latin typeface="Courier New" pitchFamily="49" charset="0"/>
               </a:rPr>
               <a:t>isPrimzahl</a:t>
             </a:r>
             <a:r>
-              <a:rPr lang="de-DE" altLang="de-DE" sz="2600" smtClean="0"/>
+              <a:rPr lang="de-DE" altLang="de-DE" sz="2600"/>
               <a:t>, die einen</a:t>
             </a:r>
           </a:p>
@@ -24649,27 +24543,27 @@
               </a:tabLst>
             </a:pPr>
             <a:r>
-              <a:rPr lang="de-DE" altLang="de-DE" sz="2600" smtClean="0"/>
+              <a:rPr lang="de-DE" altLang="de-DE" sz="2600"/>
               <a:t>Parameter vom Typ </a:t>
             </a:r>
             <a:r>
-              <a:rPr lang="de-DE" altLang="de-DE" sz="2600" smtClean="0">
+              <a:rPr lang="de-DE" altLang="de-DE" sz="2600">
                 <a:latin typeface="Courier New" pitchFamily="49" charset="0"/>
               </a:rPr>
               <a:t>int</a:t>
             </a:r>
             <a:r>
-              <a:rPr lang="de-DE" altLang="de-DE" sz="2600" smtClean="0"/>
+              <a:rPr lang="de-DE" altLang="de-DE" sz="2600"/>
               <a:t> erwartet (</a:t>
             </a:r>
             <a:r>
-              <a:rPr lang="de-DE" altLang="de-DE" sz="2600" smtClean="0">
+              <a:rPr lang="de-DE" altLang="de-DE" sz="2600">
                 <a:latin typeface="Courier New" pitchFamily="49" charset="0"/>
               </a:rPr>
               <a:t>testzahl</a:t>
             </a:r>
             <a:r>
-              <a:rPr lang="de-DE" altLang="de-DE" sz="2600" smtClean="0"/>
+              <a:rPr lang="de-DE" altLang="de-DE" sz="2600"/>
               <a:t>) und als</a:t>
             </a:r>
           </a:p>
@@ -24694,17 +24588,17 @@
               </a:tabLst>
             </a:pPr>
             <a:r>
-              <a:rPr lang="de-DE" altLang="de-DE" sz="2600" smtClean="0"/>
+              <a:rPr lang="de-DE" altLang="de-DE" sz="2600"/>
               <a:t>Ergebnis einen </a:t>
             </a:r>
             <a:r>
-              <a:rPr lang="de-DE" altLang="de-DE" sz="2600" smtClean="0">
+              <a:rPr lang="de-DE" altLang="de-DE" sz="2600">
                 <a:latin typeface="Courier New" pitchFamily="49" charset="0"/>
               </a:rPr>
               <a:t>boolean</a:t>
             </a:r>
             <a:r>
-              <a:rPr lang="de-DE" altLang="de-DE" sz="2600" smtClean="0"/>
+              <a:rPr lang="de-DE" altLang="de-DE" sz="2600"/>
               <a:t> zurückliefert.</a:t>
             </a:r>
           </a:p>
@@ -24728,7 +24622,7 @@
                 <a:tab pos="8686800" algn="l"/>
               </a:tabLst>
             </a:pPr>
-            <a:endParaRPr lang="de-DE" altLang="de-DE" sz="2600" smtClean="0"/>
+            <a:endParaRPr lang="de-DE" altLang="de-DE" sz="2600"/>
           </a:p>
           <a:p>
             <a:pPr marL="269875" indent="-269875" eaLnBrk="1">
@@ -24751,17 +24645,17 @@
               </a:tabLst>
             </a:pPr>
             <a:r>
-              <a:rPr lang="de-DE" altLang="de-DE" sz="2600" smtClean="0"/>
+              <a:rPr lang="de-DE" altLang="de-DE" sz="2600"/>
               <a:t>Diese Methode soll </a:t>
             </a:r>
             <a:r>
-              <a:rPr lang="de-DE" altLang="de-DE" sz="2600" smtClean="0">
+              <a:rPr lang="de-DE" altLang="de-DE" sz="2600">
                 <a:latin typeface="Courier New" pitchFamily="49" charset="0"/>
               </a:rPr>
               <a:t>true</a:t>
             </a:r>
             <a:r>
-              <a:rPr lang="de-DE" altLang="de-DE" sz="2600" smtClean="0"/>
+              <a:rPr lang="de-DE" altLang="de-DE" sz="2600"/>
               <a:t> liefern, wenn die übergebene Zahl</a:t>
             </a:r>
           </a:p>
@@ -24786,17 +24680,17 @@
               </a:tabLst>
             </a:pPr>
             <a:r>
-              <a:rPr lang="de-DE" altLang="de-DE" sz="2600" smtClean="0"/>
+              <a:rPr lang="de-DE" altLang="de-DE" sz="2600"/>
               <a:t>eine Primzahl ist, sonst </a:t>
             </a:r>
             <a:r>
-              <a:rPr lang="de-DE" altLang="de-DE" sz="2600" smtClean="0">
+              <a:rPr lang="de-DE" altLang="de-DE" sz="2600">
                 <a:latin typeface="Courier New" pitchFamily="49" charset="0"/>
               </a:rPr>
               <a:t>false</a:t>
             </a:r>
             <a:r>
-              <a:rPr lang="de-DE" altLang="de-DE" sz="2600" smtClean="0"/>
+              <a:rPr lang="de-DE" altLang="de-DE" sz="2600"/>
               <a:t>.</a:t>
             </a:r>
           </a:p>
@@ -24820,7 +24714,7 @@
                 <a:tab pos="8686800" algn="l"/>
               </a:tabLst>
             </a:pPr>
-            <a:endParaRPr lang="de-DE" altLang="de-DE" sz="2600" smtClean="0"/>
+            <a:endParaRPr lang="de-DE" altLang="de-DE" sz="2600"/>
           </a:p>
           <a:p>
             <a:pPr marL="269875" indent="-269875" eaLnBrk="1">
@@ -24843,17 +24737,17 @@
               </a:tabLst>
             </a:pPr>
             <a:r>
-              <a:rPr lang="de-DE" altLang="de-DE" sz="2600" smtClean="0"/>
+              <a:rPr lang="de-DE" altLang="de-DE" sz="2600"/>
               <a:t>Tipp: Sie müssen für jede Zahl n zwischen </a:t>
             </a:r>
             <a:r>
-              <a:rPr lang="de-DE" altLang="de-DE" sz="2600" smtClean="0">
+              <a:rPr lang="de-DE" altLang="de-DE" sz="2600">
                 <a:latin typeface="Courier New" pitchFamily="49" charset="0"/>
               </a:rPr>
               <a:t>2</a:t>
             </a:r>
             <a:r>
-              <a:rPr lang="de-DE" altLang="de-DE" sz="2600" smtClean="0"/>
+              <a:rPr lang="de-DE" altLang="de-DE" sz="2600"/>
               <a:t> und</a:t>
             </a:r>
           </a:p>
@@ -24881,27 +24775,27 @@
               </a:tabLst>
             </a:pPr>
             <a:r>
-              <a:rPr lang="de-DE" altLang="de-DE" sz="2600" smtClean="0">
+              <a:rPr lang="de-DE" altLang="de-DE" sz="2600">
                 <a:latin typeface="Courier New" pitchFamily="49" charset="0"/>
               </a:rPr>
               <a:t>testZahl-1</a:t>
             </a:r>
             <a:r>
-              <a:rPr lang="de-DE" altLang="de-DE" sz="2600" smtClean="0"/>
+              <a:rPr lang="de-DE" altLang="de-DE" sz="2600"/>
               <a:t> dahingehend prüfen, ob </a:t>
             </a:r>
             <a:r>
-              <a:rPr lang="de-DE" altLang="de-DE" sz="2600" smtClean="0">
+              <a:rPr lang="de-DE" altLang="de-DE" sz="2600">
                 <a:latin typeface="Courier New" pitchFamily="49" charset="0"/>
               </a:rPr>
               <a:t>testZahl</a:t>
             </a:r>
             <a:r>
-              <a:rPr lang="de-DE" altLang="de-DE" sz="2600" smtClean="0"/>
+              <a:rPr lang="de-DE" altLang="de-DE" sz="2600"/>
               <a:t> durch </a:t>
             </a:r>
             <a:r>
-              <a:rPr lang="de-DE" altLang="de-DE" sz="2600" smtClean="0">
+              <a:rPr lang="de-DE" altLang="de-DE" sz="2600">
                 <a:latin typeface="Courier New" pitchFamily="49" charset="0"/>
               </a:rPr>
               <a:t>n</a:t>
@@ -24928,7 +24822,7 @@
               </a:tabLst>
             </a:pPr>
             <a:r>
-              <a:rPr lang="de-DE" altLang="de-DE" sz="2600" smtClean="0"/>
+              <a:rPr lang="de-DE" altLang="de-DE" sz="2600"/>
               <a:t>teilbar ist.</a:t>
             </a:r>
           </a:p>
@@ -24952,7 +24846,7 @@
                 <a:tab pos="8686800" algn="l"/>
               </a:tabLst>
             </a:pPr>
-            <a:endParaRPr lang="de-DE" altLang="de-DE" sz="2600" smtClean="0"/>
+            <a:endParaRPr lang="de-DE" altLang="de-DE" sz="2600"/>
           </a:p>
           <a:p>
             <a:pPr marL="269875" indent="-269875" eaLnBrk="1">
@@ -24975,7 +24869,7 @@
               </a:tabLst>
             </a:pPr>
             <a:r>
-              <a:rPr lang="de-DE" altLang="de-DE" sz="2600" smtClean="0"/>
+              <a:rPr lang="de-DE" altLang="de-DE" sz="2600"/>
               <a:t>Tipp: Für die Prüfung "ist teilbar" eignet sich der</a:t>
             </a:r>
           </a:p>
@@ -25000,17 +24894,17 @@
               </a:tabLst>
             </a:pPr>
             <a:r>
-              <a:rPr lang="de-DE" altLang="de-DE" sz="2600" smtClean="0"/>
+              <a:rPr lang="de-DE" altLang="de-DE" sz="2600"/>
               <a:t>Restberechnungs-Operator </a:t>
             </a:r>
             <a:r>
-              <a:rPr lang="de-DE" altLang="de-DE" sz="2600" smtClean="0">
+              <a:rPr lang="de-DE" altLang="de-DE" sz="2600">
                 <a:latin typeface="Courier New" pitchFamily="49" charset="0"/>
               </a:rPr>
               <a:t>%</a:t>
             </a:r>
             <a:r>
-              <a:rPr lang="de-DE" altLang="de-DE" sz="2600" smtClean="0"/>
+              <a:rPr lang="de-DE" altLang="de-DE" sz="2600"/>
               <a:t>.</a:t>
             </a:r>
           </a:p>
@@ -25034,7 +24928,7 @@
                 <a:tab pos="8686800" algn="l"/>
               </a:tabLst>
             </a:pPr>
-            <a:endParaRPr lang="de-DE" altLang="de-DE" sz="2800" smtClean="0"/>
+            <a:endParaRPr lang="de-DE" altLang="de-DE" sz="2800"/>
           </a:p>
           <a:p>
             <a:pPr marL="269875" indent="-269875" eaLnBrk="1">
@@ -25059,7 +24953,7 @@
                 <a:tab pos="8686800" algn="l"/>
               </a:tabLst>
             </a:pPr>
-            <a:endParaRPr lang="de-DE" altLang="de-DE" smtClean="0"/>
+            <a:endParaRPr lang="de-DE" altLang="de-DE"/>
           </a:p>
           <a:p>
             <a:pPr marL="269875" indent="-269875" eaLnBrk="1">
@@ -25084,7 +24978,7 @@
                 <a:tab pos="8686800" algn="l"/>
               </a:tabLst>
             </a:pPr>
-            <a:endParaRPr lang="de-DE" altLang="de-DE" smtClean="0"/>
+            <a:endParaRPr lang="de-DE" altLang="de-DE"/>
           </a:p>
         </p:txBody>
       </p:sp>
@@ -25295,7 +25189,7 @@
               </a:tabLst>
             </a:pPr>
             <a:r>
-              <a:rPr lang="de-DE" altLang="de-DE" sz="4000" smtClean="0">
+              <a:rPr lang="de-DE" altLang="de-DE" sz="4000">
                 <a:solidFill>
                   <a:srgbClr val="FFFFFF"/>
                 </a:solidFill>
@@ -25348,13 +25242,13 @@
               </a:tabLst>
             </a:pPr>
             <a:r>
-              <a:rPr lang="de-DE" altLang="de-DE" sz="2800" smtClean="0"/>
+              <a:rPr lang="de-DE" altLang="de-DE" sz="2800"/>
               <a:t>Schreiben Sie ein Programm, welches jede Zahl zwischen 2 und 10000 dahingehend prüft, ob sie eine Primzahl ist, und das Ergebnis für jede Zahl anzeigt.</a:t>
             </a:r>
             <a:br>
-              <a:rPr lang="de-DE" altLang="de-DE" sz="2800" smtClean="0"/>
+              <a:rPr lang="de-DE" altLang="de-DE" sz="2800"/>
             </a:br>
-            <a:endParaRPr lang="de-DE" altLang="de-DE" sz="2800" smtClean="0"/>
+            <a:endParaRPr lang="de-DE" altLang="de-DE" sz="2800"/>
           </a:p>
           <a:p>
             <a:pPr marL="269875" indent="-269875" eaLnBrk="1">
@@ -25380,14 +25274,14 @@
               </a:tabLst>
             </a:pPr>
             <a:r>
-              <a:rPr lang="de-DE" altLang="de-DE" sz="2800" smtClean="0"/>
+              <a:rPr lang="de-DE" altLang="de-DE" sz="2800"/>
               <a:t>Verwenden Sie dazu die Methode aus dem vorangegangenen Übungsteil.</a:t>
             </a:r>
             <a:br>
-              <a:rPr lang="de-DE" altLang="de-DE" sz="2800" smtClean="0"/>
+              <a:rPr lang="de-DE" altLang="de-DE" sz="2800"/>
             </a:br>
             <a:r>
-              <a:rPr lang="de-DE" altLang="de-DE" sz="2800" smtClean="0"/>
+              <a:rPr lang="de-DE" altLang="de-DE" sz="2800"/>
               <a:t> </a:t>
             </a:r>
           </a:p>
@@ -25415,7 +25309,7 @@
               </a:tabLst>
             </a:pPr>
             <a:r>
-              <a:rPr lang="de-DE" altLang="de-DE" sz="2800" smtClean="0"/>
+              <a:rPr lang="de-DE" altLang="de-DE" sz="2800"/>
               <a:t>Geben Sie am Ende zusätzlich aus, wieviele Primzahlen gefunden wurden und welchen Anteil in Prozent sie an den getesteten Zahlen haben.</a:t>
             </a:r>
           </a:p>
@@ -25442,7 +25336,7 @@
                 <a:tab pos="8686800" algn="l"/>
               </a:tabLst>
             </a:pPr>
-            <a:endParaRPr lang="de-DE" altLang="de-DE" smtClean="0"/>
+            <a:endParaRPr lang="de-DE" altLang="de-DE"/>
           </a:p>
           <a:p>
             <a:pPr marL="269875" indent="-269875" eaLnBrk="1">
@@ -25467,7 +25361,7 @@
                 <a:tab pos="8686800" algn="l"/>
               </a:tabLst>
             </a:pPr>
-            <a:endParaRPr lang="de-DE" altLang="de-DE" smtClean="0"/>
+            <a:endParaRPr lang="de-DE" altLang="de-DE"/>
           </a:p>
         </p:txBody>
       </p:sp>
@@ -25678,7 +25572,7 @@
               </a:tabLst>
             </a:pPr>
             <a:r>
-              <a:rPr lang="de-DE" altLang="de-DE" sz="4000" smtClean="0">
+              <a:rPr lang="de-DE" altLang="de-DE" sz="4000">
                 <a:solidFill>
                   <a:srgbClr val="FFFFFF"/>
                 </a:solidFill>
@@ -25728,7 +25622,7 @@
               </a:tabLst>
             </a:pPr>
             <a:r>
-              <a:rPr lang="de-DE" altLang="de-DE" sz="2600" smtClean="0"/>
+              <a:rPr lang="de-DE" altLang="de-DE" sz="2600"/>
               <a:t>Schreiben Sie eine Methode</a:t>
             </a:r>
           </a:p>
@@ -25756,13 +25650,13 @@
               </a:tabLst>
             </a:pPr>
             <a:r>
-              <a:rPr lang="de-DE" altLang="de-DE" sz="2600" smtClean="0">
+              <a:rPr lang="de-DE" altLang="de-DE" sz="2600">
                 <a:latin typeface="Courier New" pitchFamily="49" charset="0"/>
               </a:rPr>
               <a:t>ermittleAnzahlPrimzahlen</a:t>
             </a:r>
             <a:r>
-              <a:rPr lang="de-DE" altLang="de-DE" sz="2600" smtClean="0"/>
+              <a:rPr lang="de-DE" altLang="de-DE" sz="2600"/>
               <a:t>, welche zwei Parameter</a:t>
             </a:r>
           </a:p>
@@ -25787,37 +25681,37 @@
               </a:tabLst>
             </a:pPr>
             <a:r>
-              <a:rPr lang="de-DE" altLang="de-DE" sz="2600" smtClean="0"/>
+              <a:rPr lang="de-DE" altLang="de-DE" sz="2600"/>
               <a:t>vom Typ </a:t>
             </a:r>
             <a:r>
-              <a:rPr lang="de-DE" altLang="de-DE" sz="2600" smtClean="0">
+              <a:rPr lang="de-DE" altLang="de-DE" sz="2600">
                 <a:latin typeface="Courier New" pitchFamily="49" charset="0"/>
               </a:rPr>
               <a:t>int</a:t>
             </a:r>
             <a:r>
-              <a:rPr lang="de-DE" altLang="de-DE" sz="2600" smtClean="0"/>
+              <a:rPr lang="de-DE" altLang="de-DE" sz="2600"/>
               <a:t> übergeben bekommt (</a:t>
             </a:r>
             <a:r>
-              <a:rPr lang="de-DE" altLang="de-DE" sz="2600" smtClean="0">
+              <a:rPr lang="de-DE" altLang="de-DE" sz="2600">
                 <a:latin typeface="Courier New" pitchFamily="49" charset="0"/>
               </a:rPr>
               <a:t>von</a:t>
             </a:r>
             <a:r>
-              <a:rPr lang="de-DE" altLang="de-DE" sz="2600" smtClean="0"/>
+              <a:rPr lang="de-DE" altLang="de-DE" sz="2600"/>
               <a:t> und </a:t>
             </a:r>
             <a:r>
-              <a:rPr lang="de-DE" altLang="de-DE" sz="2600" smtClean="0">
+              <a:rPr lang="de-DE" altLang="de-DE" sz="2600">
                 <a:latin typeface="Courier New" pitchFamily="49" charset="0"/>
               </a:rPr>
               <a:t>bis</a:t>
             </a:r>
             <a:r>
-              <a:rPr lang="de-DE" altLang="de-DE" sz="2600" smtClean="0"/>
+              <a:rPr lang="de-DE" altLang="de-DE" sz="2600"/>
               <a:t>) und einen</a:t>
             </a:r>
           </a:p>
@@ -25845,13 +25739,13 @@
               </a:tabLst>
             </a:pPr>
             <a:r>
-              <a:rPr lang="de-DE" altLang="de-DE" sz="2600" smtClean="0">
+              <a:rPr lang="de-DE" altLang="de-DE" sz="2600">
                 <a:latin typeface="Courier New" pitchFamily="49" charset="0"/>
               </a:rPr>
               <a:t>int</a:t>
             </a:r>
             <a:r>
-              <a:rPr lang="de-DE" altLang="de-DE" sz="2600" smtClean="0"/>
+              <a:rPr lang="de-DE" altLang="de-DE" sz="2600"/>
               <a:t> zurückliefert.</a:t>
             </a:r>
           </a:p>
@@ -25875,7 +25769,7 @@
                 <a:tab pos="8686800" algn="l"/>
               </a:tabLst>
             </a:pPr>
-            <a:endParaRPr lang="de-DE" altLang="de-DE" sz="2600" smtClean="0"/>
+            <a:endParaRPr lang="de-DE" altLang="de-DE" sz="2600"/>
           </a:p>
           <a:p>
             <a:pPr marL="269875" indent="-269875" eaLnBrk="1">
@@ -25898,7 +25792,7 @@
               </a:tabLst>
             </a:pPr>
             <a:r>
-              <a:rPr lang="de-DE" altLang="de-DE" sz="2600" smtClean="0"/>
+              <a:rPr lang="de-DE" altLang="de-DE" sz="2600"/>
               <a:t>Diese Methode soll zählen, wieviele Primzahlen es zwischen</a:t>
             </a:r>
           </a:p>
@@ -25926,23 +25820,23 @@
               </a:tabLst>
             </a:pPr>
             <a:r>
-              <a:rPr lang="de-DE" altLang="de-DE" sz="2600" smtClean="0">
+              <a:rPr lang="de-DE" altLang="de-DE" sz="2600">
                 <a:latin typeface="Courier New" pitchFamily="49" charset="0"/>
               </a:rPr>
               <a:t>von</a:t>
             </a:r>
             <a:r>
-              <a:rPr lang="de-DE" altLang="de-DE" sz="2600" smtClean="0"/>
+              <a:rPr lang="de-DE" altLang="de-DE" sz="2600"/>
               <a:t> und </a:t>
             </a:r>
             <a:r>
-              <a:rPr lang="de-DE" altLang="de-DE" sz="2600" smtClean="0">
+              <a:rPr lang="de-DE" altLang="de-DE" sz="2600">
                 <a:latin typeface="Courier New" pitchFamily="49" charset="0"/>
               </a:rPr>
               <a:t>bis</a:t>
             </a:r>
             <a:r>
-              <a:rPr lang="de-DE" altLang="de-DE" sz="2600" smtClean="0"/>
+              <a:rPr lang="de-DE" altLang="de-DE" sz="2600"/>
               <a:t> gibt, und das Ergebnis zurückliefern.</a:t>
             </a:r>
           </a:p>
@@ -25967,7 +25861,7 @@
               </a:tabLst>
             </a:pPr>
             <a:r>
-              <a:rPr lang="de-DE" altLang="de-DE" sz="2600" smtClean="0"/>
+              <a:rPr lang="de-DE" altLang="de-DE" sz="2600"/>
               <a:t> </a:t>
             </a:r>
           </a:p>
@@ -25992,7 +25886,7 @@
               </a:tabLst>
             </a:pPr>
             <a:r>
-              <a:rPr lang="de-DE" altLang="de-DE" sz="2600" smtClean="0"/>
+              <a:rPr lang="de-DE" altLang="de-DE" sz="2600"/>
               <a:t>Wenn dies funktionert, erweitern Sie das Programm, so dass</a:t>
             </a:r>
           </a:p>
@@ -26017,7 +25911,7 @@
               </a:tabLst>
             </a:pPr>
             <a:r>
-              <a:rPr lang="de-DE" altLang="de-DE" sz="2600" smtClean="0"/>
+              <a:rPr lang="de-DE" altLang="de-DE" sz="2600"/>
               <a:t>es jeweils 10 Zahlenblöcke mit jeweils 1000 Zahlen (von 1 bis</a:t>
             </a:r>
           </a:p>
@@ -26042,7 +25936,7 @@
               </a:tabLst>
             </a:pPr>
             <a:r>
-              <a:rPr lang="de-DE" altLang="de-DE" sz="2600" smtClean="0"/>
+              <a:rPr lang="de-DE" altLang="de-DE" sz="2600"/>
               <a:t>1000, 1001 bis 2000 usw.) dahingehend prüft, wieviele</a:t>
             </a:r>
           </a:p>
@@ -26067,7 +25961,7 @@
               </a:tabLst>
             </a:pPr>
             <a:r>
-              <a:rPr lang="de-DE" altLang="de-DE" sz="2600" smtClean="0"/>
+              <a:rPr lang="de-DE" altLang="de-DE" sz="2600"/>
               <a:t>Primzahlen in dem jeweiligen Block existieren.</a:t>
             </a:r>
           </a:p>
@@ -26091,7 +25985,7 @@
                 <a:tab pos="8686800" algn="l"/>
               </a:tabLst>
             </a:pPr>
-            <a:endParaRPr lang="de-DE" altLang="de-DE" sz="2600" smtClean="0"/>
+            <a:endParaRPr lang="de-DE" altLang="de-DE" sz="2600"/>
           </a:p>
           <a:p>
             <a:pPr marL="269875" indent="-269875" eaLnBrk="1">
@@ -26114,12 +26008,12 @@
               </a:tabLst>
             </a:pPr>
             <a:r>
-              <a:rPr lang="de-DE" altLang="de-DE" sz="2400" smtClean="0">
+              <a:rPr lang="de-DE" altLang="de-DE" sz="2400">
                 <a:hlinkClick r:id="rId3"/>
               </a:rPr>
               <a:t>https://github.com/nordakademie-einfuehrung-java/uebung_4_2</a:t>
             </a:r>
-            <a:endParaRPr lang="de-DE" altLang="de-DE" sz="2600" smtClean="0"/>
+            <a:endParaRPr lang="de-DE" altLang="de-DE" sz="2600"/>
           </a:p>
           <a:p>
             <a:pPr marL="269875" indent="-269875" eaLnBrk="1">
@@ -26144,7 +26038,7 @@
                 <a:tab pos="8686800" algn="l"/>
               </a:tabLst>
             </a:pPr>
-            <a:endParaRPr lang="de-DE" altLang="de-DE" smtClean="0"/>
+            <a:endParaRPr lang="de-DE" altLang="de-DE"/>
           </a:p>
           <a:p>
             <a:pPr marL="269875" indent="-269875" eaLnBrk="1">
@@ -26169,7 +26063,7 @@
                 <a:tab pos="8686800" algn="l"/>
               </a:tabLst>
             </a:pPr>
-            <a:endParaRPr lang="de-DE" altLang="de-DE" smtClean="0"/>
+            <a:endParaRPr lang="de-DE" altLang="de-DE"/>
           </a:p>
         </p:txBody>
       </p:sp>
@@ -26380,7 +26274,7 @@
               </a:tabLst>
             </a:pPr>
             <a:r>
-              <a:rPr lang="de-DE" altLang="de-DE" sz="4000" smtClean="0">
+              <a:rPr lang="de-DE" altLang="de-DE" sz="4000">
                 <a:solidFill>
                   <a:srgbClr val="FFFFFF"/>
                 </a:solidFill>
@@ -26388,14 +26282,14 @@
               <a:t>Zusammenfassung:</a:t>
             </a:r>
             <a:br>
-              <a:rPr lang="de-DE" altLang="de-DE" sz="4000" smtClean="0">
+              <a:rPr lang="de-DE" altLang="de-DE" sz="4000">
                 <a:solidFill>
                   <a:srgbClr val="FFFFFF"/>
                 </a:solidFill>
               </a:rPr>
             </a:br>
             <a:r>
-              <a:rPr lang="de-DE" altLang="de-DE" sz="4000" smtClean="0">
+              <a:rPr lang="de-DE" altLang="de-DE" sz="4000">
                 <a:solidFill>
                   <a:srgbClr val="FFFFFF"/>
                 </a:solidFill>
@@ -26403,13 +26297,13 @@
               <a:t>Was haben wir gelernt?</a:t>
             </a:r>
             <a:br>
-              <a:rPr lang="de-DE" altLang="de-DE" sz="4000" smtClean="0">
+              <a:rPr lang="de-DE" altLang="de-DE" sz="4000">
                 <a:solidFill>
                   <a:srgbClr val="FFFFFF"/>
                 </a:solidFill>
               </a:rPr>
             </a:br>
-            <a:endParaRPr lang="de-DE" altLang="de-DE" sz="4000" smtClean="0">
+            <a:endParaRPr lang="de-DE" altLang="de-DE" sz="4000">
               <a:solidFill>
                 <a:srgbClr val="FFFFFF"/>
               </a:solidFill>
@@ -26460,7 +26354,7 @@
               </a:tabLst>
             </a:pPr>
             <a:r>
-              <a:rPr lang="de-DE" altLang="de-DE" smtClean="0"/>
+              <a:rPr lang="de-DE" altLang="de-DE"/>
               <a:t>switch-case-Anweisungen</a:t>
             </a:r>
           </a:p>
@@ -26488,7 +26382,7 @@
               </a:tabLst>
             </a:pPr>
             <a:r>
-              <a:rPr lang="de-DE" altLang="de-DE" smtClean="0"/>
+              <a:rPr lang="de-DE" altLang="de-DE"/>
               <a:t>Programmieren mit Programmschleifen </a:t>
             </a:r>
           </a:p>
@@ -26516,7 +26410,7 @@
               </a:tabLst>
             </a:pPr>
             <a:r>
-              <a:rPr lang="de-DE" altLang="de-DE" smtClean="0"/>
+              <a:rPr lang="de-DE" altLang="de-DE"/>
               <a:t>Schreiben eigener Methoden</a:t>
             </a:r>
           </a:p>
@@ -26543,7 +26437,7 @@
                 <a:tab pos="8686800" algn="l"/>
               </a:tabLst>
             </a:pPr>
-            <a:endParaRPr lang="de-DE" altLang="de-DE" smtClean="0"/>
+            <a:endParaRPr lang="de-DE" altLang="de-DE"/>
           </a:p>
           <a:p>
             <a:pPr marL="269875" indent="-269875" eaLnBrk="1">
@@ -26568,7 +26462,7 @@
                 <a:tab pos="8686800" algn="l"/>
               </a:tabLst>
             </a:pPr>
-            <a:endParaRPr lang="de-DE" altLang="de-DE" smtClean="0"/>
+            <a:endParaRPr lang="de-DE" altLang="de-DE"/>
           </a:p>
           <a:p>
             <a:pPr marL="269875" indent="-269875" eaLnBrk="1">
@@ -26593,7 +26487,7 @@
                 <a:tab pos="8686800" algn="l"/>
               </a:tabLst>
             </a:pPr>
-            <a:endParaRPr lang="de-DE" altLang="de-DE" smtClean="0"/>
+            <a:endParaRPr lang="de-DE" altLang="de-DE"/>
           </a:p>
         </p:txBody>
       </p:sp>
@@ -26804,7 +26698,7 @@
               </a:tabLst>
             </a:pPr>
             <a:r>
-              <a:rPr lang="de-DE" altLang="de-DE" sz="4000" dirty="0" smtClean="0">
+              <a:rPr lang="de-DE" altLang="de-DE" sz="4000" dirty="0">
                 <a:solidFill>
                   <a:srgbClr val="FFFFFF"/>
                 </a:solidFill>
@@ -26857,15 +26751,15 @@
               </a:tabLst>
             </a:pPr>
             <a:r>
-              <a:rPr lang="de-DE" altLang="de-DE" sz="2800" dirty="0" smtClean="0"/>
+              <a:rPr lang="de-DE" altLang="de-DE" sz="2800" dirty="0"/>
               <a:t>Öffnen Sie Ihre </a:t>
             </a:r>
             <a:r>
-              <a:rPr lang="de-DE" altLang="de-DE" sz="2800" dirty="0" err="1" smtClean="0"/>
+              <a:rPr lang="de-DE" altLang="de-DE" sz="2800" dirty="0" err="1"/>
               <a:t>GitHub</a:t>
             </a:r>
             <a:r>
-              <a:rPr lang="de-DE" altLang="de-DE" sz="2800" dirty="0" smtClean="0"/>
+              <a:rPr lang="de-DE" altLang="de-DE" sz="2800" dirty="0"/>
               <a:t>-Einstellungen über „Settings“</a:t>
             </a:r>
           </a:p>
@@ -26893,15 +26787,15 @@
               </a:tabLst>
             </a:pPr>
             <a:r>
-              <a:rPr lang="de-DE" altLang="de-DE" sz="2800" dirty="0" smtClean="0"/>
+              <a:rPr lang="de-DE" altLang="de-DE" sz="2800" dirty="0"/>
               <a:t>Wählen Sie im linken Menü „</a:t>
             </a:r>
             <a:r>
-              <a:rPr lang="de-DE" altLang="de-DE" sz="2800" dirty="0" err="1" smtClean="0"/>
+              <a:rPr lang="de-DE" altLang="de-DE" sz="2800" dirty="0" err="1"/>
               <a:t>Notifications</a:t>
             </a:r>
             <a:r>
-              <a:rPr lang="de-DE" altLang="de-DE" sz="2800" dirty="0" smtClean="0"/>
+              <a:rPr lang="de-DE" altLang="de-DE" sz="2800" dirty="0"/>
               <a:t>“ aus</a:t>
             </a:r>
           </a:p>
@@ -26929,7 +26823,7 @@
               </a:tabLst>
             </a:pPr>
             <a:r>
-              <a:rPr lang="de-DE" altLang="de-DE" sz="2800" dirty="0" smtClean="0"/>
+              <a:rPr lang="de-DE" altLang="de-DE" sz="2800" dirty="0"/>
               <a:t>Hier können Sie steuern, wann Sie Nachrichten bekommen möchten</a:t>
             </a:r>
           </a:p>
@@ -26957,7 +26851,7 @@
               </a:tabLst>
             </a:pPr>
             <a:r>
-              <a:rPr lang="de-DE" altLang="de-DE" sz="2400" dirty="0" smtClean="0"/>
+              <a:rPr lang="de-DE" altLang="de-DE" sz="2400" dirty="0"/>
               <a:t>per Email</a:t>
             </a:r>
           </a:p>
@@ -26985,10 +26879,10 @@
               </a:tabLst>
             </a:pPr>
             <a:r>
-              <a:rPr lang="de-DE" altLang="de-DE" sz="2400" dirty="0" smtClean="0"/>
+              <a:rPr lang="de-DE" altLang="de-DE" sz="2400" dirty="0"/>
               <a:t>per Web-Oberfläche</a:t>
             </a:r>
-            <a:endParaRPr lang="de-DE" altLang="de-DE" dirty="0" smtClean="0"/>
+            <a:endParaRPr lang="de-DE" altLang="de-DE" dirty="0"/>
           </a:p>
           <a:p>
             <a:pPr marL="269875" indent="-269875" eaLnBrk="1">
@@ -27013,7 +26907,7 @@
                 <a:tab pos="8686800" algn="l"/>
               </a:tabLst>
             </a:pPr>
-            <a:endParaRPr lang="de-DE" altLang="de-DE" dirty="0" smtClean="0"/>
+            <a:endParaRPr lang="de-DE" altLang="de-DE" dirty="0"/>
           </a:p>
         </p:txBody>
       </p:sp>
@@ -27263,7 +27157,7 @@
               </a:tabLst>
             </a:pPr>
             <a:r>
-              <a:rPr lang="de-DE" altLang="de-DE" sz="4000" smtClean="0">
+              <a:rPr lang="de-DE" altLang="de-DE" sz="4000">
                 <a:solidFill>
                   <a:srgbClr val="FFFFFF"/>
                 </a:solidFill>
@@ -27316,12 +27210,12 @@
               </a:tabLst>
             </a:pPr>
             <a:r>
-              <a:rPr lang="de-DE" altLang="de-DE" sz="2800" smtClean="0"/>
-              <a:t>Array-Datentypen</a:t>
-            </a:r>
-          </a:p>
-          <a:p>
-            <a:pPr marL="269875" indent="-269875" eaLnBrk="1">
+              <a:rPr lang="de-DE" altLang="de-DE" sz="2800" dirty="0"/>
+              <a:t>Nächste Woche</a:t>
+            </a:r>
+          </a:p>
+          <a:p>
+            <a:pPr marL="669925" lvl="1" indent="-269875" eaLnBrk="1">
               <a:spcAft>
                 <a:spcPct val="0"/>
               </a:spcAft>
@@ -27344,7 +27238,144 @@
               </a:tabLst>
             </a:pPr>
             <a:r>
-              <a:rPr lang="de-DE" altLang="de-DE" sz="2800" smtClean="0"/>
+              <a:rPr lang="de-DE" altLang="de-DE" sz="2400" dirty="0"/>
+              <a:t>Keine neuen Inhalte</a:t>
+            </a:r>
+          </a:p>
+          <a:p>
+            <a:pPr marL="669925" lvl="1" indent="-269875" eaLnBrk="1">
+              <a:spcAft>
+                <a:spcPct val="0"/>
+              </a:spcAft>
+              <a:buSzPct val="45000"/>
+              <a:buFont typeface="Wingdings" charset="2"/>
+              <a:buChar char=""/>
+              <a:tabLst>
+                <a:tab pos="723900" algn="l"/>
+                <a:tab pos="1447800" algn="l"/>
+                <a:tab pos="2171700" algn="l"/>
+                <a:tab pos="2895600" algn="l"/>
+                <a:tab pos="3619500" algn="l"/>
+                <a:tab pos="4343400" algn="l"/>
+                <a:tab pos="5067300" algn="l"/>
+                <a:tab pos="5791200" algn="l"/>
+                <a:tab pos="6515100" algn="l"/>
+                <a:tab pos="7239000" algn="l"/>
+                <a:tab pos="7962900" algn="l"/>
+                <a:tab pos="8686800" algn="l"/>
+              </a:tabLst>
+            </a:pPr>
+            <a:r>
+              <a:rPr lang="de-DE" altLang="de-DE" sz="2400" dirty="0"/>
+              <a:t>Übungsaufgaben zum bisherigen Inhalt (Kapitel 1-4)</a:t>
+            </a:r>
+          </a:p>
+          <a:p>
+            <a:pPr marL="269875" indent="-269875" eaLnBrk="1">
+              <a:spcAft>
+                <a:spcPct val="0"/>
+              </a:spcAft>
+              <a:buSzPct val="45000"/>
+              <a:buFont typeface="Wingdings" charset="2"/>
+              <a:buChar char=""/>
+              <a:tabLst>
+                <a:tab pos="723900" algn="l"/>
+                <a:tab pos="1447800" algn="l"/>
+                <a:tab pos="2171700" algn="l"/>
+                <a:tab pos="2895600" algn="l"/>
+                <a:tab pos="3619500" algn="l"/>
+                <a:tab pos="4343400" algn="l"/>
+                <a:tab pos="5067300" algn="l"/>
+                <a:tab pos="5791200" algn="l"/>
+                <a:tab pos="6515100" algn="l"/>
+                <a:tab pos="7239000" algn="l"/>
+                <a:tab pos="7962900" algn="l"/>
+                <a:tab pos="8686800" algn="l"/>
+              </a:tabLst>
+            </a:pPr>
+            <a:endParaRPr lang="de-DE" altLang="de-DE" sz="2800" dirty="0"/>
+          </a:p>
+          <a:p>
+            <a:pPr marL="269875" indent="-269875" eaLnBrk="1">
+              <a:spcAft>
+                <a:spcPct val="0"/>
+              </a:spcAft>
+              <a:buSzPct val="45000"/>
+              <a:buFont typeface="Wingdings" charset="2"/>
+              <a:buChar char=""/>
+              <a:tabLst>
+                <a:tab pos="723900" algn="l"/>
+                <a:tab pos="1447800" algn="l"/>
+                <a:tab pos="2171700" algn="l"/>
+                <a:tab pos="2895600" algn="l"/>
+                <a:tab pos="3619500" algn="l"/>
+                <a:tab pos="4343400" algn="l"/>
+                <a:tab pos="5067300" algn="l"/>
+                <a:tab pos="5791200" algn="l"/>
+                <a:tab pos="6515100" algn="l"/>
+                <a:tab pos="7239000" algn="l"/>
+                <a:tab pos="7962900" algn="l"/>
+                <a:tab pos="8686800" algn="l"/>
+              </a:tabLst>
+            </a:pPr>
+            <a:r>
+              <a:rPr lang="de-DE" altLang="de-DE" sz="2800" dirty="0"/>
+              <a:t>Übernächste Woche</a:t>
+            </a:r>
+          </a:p>
+          <a:p>
+            <a:pPr marL="669925" lvl="1" indent="-269875" eaLnBrk="1">
+              <a:spcAft>
+                <a:spcPct val="0"/>
+              </a:spcAft>
+              <a:buSzPct val="45000"/>
+              <a:buFont typeface="Wingdings" charset="2"/>
+              <a:buChar char=""/>
+              <a:tabLst>
+                <a:tab pos="723900" algn="l"/>
+                <a:tab pos="1447800" algn="l"/>
+                <a:tab pos="2171700" algn="l"/>
+                <a:tab pos="2895600" algn="l"/>
+                <a:tab pos="3619500" algn="l"/>
+                <a:tab pos="4343400" algn="l"/>
+                <a:tab pos="5067300" algn="l"/>
+                <a:tab pos="5791200" algn="l"/>
+                <a:tab pos="6515100" algn="l"/>
+                <a:tab pos="7239000" algn="l"/>
+                <a:tab pos="7962900" algn="l"/>
+                <a:tab pos="8686800" algn="l"/>
+              </a:tabLst>
+            </a:pPr>
+            <a:r>
+              <a:rPr lang="de-DE" altLang="de-DE" sz="2400" dirty="0"/>
+              <a:t>Array-Datentypen</a:t>
+            </a:r>
+          </a:p>
+          <a:p>
+            <a:pPr marL="669925" lvl="1" indent="-269875" eaLnBrk="1">
+              <a:spcAft>
+                <a:spcPct val="0"/>
+              </a:spcAft>
+              <a:buSzPct val="45000"/>
+              <a:buFont typeface="Wingdings" charset="2"/>
+              <a:buChar char=""/>
+              <a:tabLst>
+                <a:tab pos="723900" algn="l"/>
+                <a:tab pos="1447800" algn="l"/>
+                <a:tab pos="2171700" algn="l"/>
+                <a:tab pos="2895600" algn="l"/>
+                <a:tab pos="3619500" algn="l"/>
+                <a:tab pos="4343400" algn="l"/>
+                <a:tab pos="5067300" algn="l"/>
+                <a:tab pos="5791200" algn="l"/>
+                <a:tab pos="6515100" algn="l"/>
+                <a:tab pos="7239000" algn="l"/>
+                <a:tab pos="7962900" algn="l"/>
+                <a:tab pos="8686800" algn="l"/>
+              </a:tabLst>
+            </a:pPr>
+            <a:r>
+              <a:rPr lang="de-DE" altLang="de-DE" sz="2400" dirty="0"/>
               <a:t>Einführung in die Objektorientierung</a:t>
             </a:r>
           </a:p>
@@ -27371,7 +27402,7 @@
                 <a:tab pos="8686800" algn="l"/>
               </a:tabLst>
             </a:pPr>
-            <a:endParaRPr lang="de-DE" altLang="de-DE" smtClean="0"/>
+            <a:endParaRPr lang="de-DE" altLang="de-DE" dirty="0"/>
           </a:p>
           <a:p>
             <a:pPr marL="269875" indent="-269875" eaLnBrk="1">
@@ -27396,7 +27427,7 @@
                 <a:tab pos="8686800" algn="l"/>
               </a:tabLst>
             </a:pPr>
-            <a:endParaRPr lang="de-DE" altLang="de-DE" smtClean="0"/>
+            <a:endParaRPr lang="de-DE" altLang="de-DE" dirty="0"/>
           </a:p>
         </p:txBody>
       </p:sp>
@@ -27607,7 +27638,7 @@
               </a:tabLst>
             </a:pPr>
             <a:r>
-              <a:rPr lang="de-DE" altLang="de-DE" sz="4000" dirty="0" smtClean="0">
+              <a:rPr lang="de-DE" altLang="de-DE" sz="4000" dirty="0">
                 <a:solidFill>
                   <a:srgbClr val="FFFFFF"/>
                 </a:solidFill>
@@ -27615,7 +27646,7 @@
               <a:t>Mitkriegen was auf </a:t>
             </a:r>
             <a:r>
-              <a:rPr lang="de-DE" altLang="de-DE" sz="4000" dirty="0" err="1" smtClean="0">
+              <a:rPr lang="de-DE" altLang="de-DE" sz="4000" dirty="0" err="1">
                 <a:solidFill>
                   <a:srgbClr val="FFFFFF"/>
                 </a:solidFill>
@@ -27623,7 +27654,7 @@
               <a:t>GitHub</a:t>
             </a:r>
             <a:r>
-              <a:rPr lang="de-DE" altLang="de-DE" sz="4000" dirty="0" smtClean="0">
+              <a:rPr lang="de-DE" altLang="de-DE" sz="4000" dirty="0">
                 <a:solidFill>
                   <a:srgbClr val="FFFFFF"/>
                 </a:solidFill>
@@ -27676,7 +27707,7 @@
               </a:tabLst>
             </a:pPr>
             <a:r>
-              <a:rPr lang="de-DE" altLang="de-DE" sz="2800" dirty="0" smtClean="0"/>
+              <a:rPr lang="de-DE" altLang="de-DE" sz="2800" dirty="0"/>
               <a:t>Wenn Sie über Aktivitäten</a:t>
             </a:r>
           </a:p>
@@ -27704,7 +27735,7 @@
               </a:tabLst>
             </a:pPr>
             <a:r>
-              <a:rPr lang="de-DE" altLang="de-DE" dirty="0" smtClean="0"/>
+              <a:rPr lang="de-DE" altLang="de-DE" dirty="0"/>
               <a:t>ihrer Kommilitonen</a:t>
             </a:r>
           </a:p>
@@ -27732,7 +27763,7 @@
               </a:tabLst>
             </a:pPr>
             <a:r>
-              <a:rPr lang="de-DE" altLang="de-DE" dirty="0" smtClean="0"/>
+              <a:rPr lang="de-DE" altLang="de-DE" dirty="0"/>
               <a:t>ihres Dozenten</a:t>
             </a:r>
           </a:p>
@@ -27760,14 +27791,14 @@
               </a:tabLst>
             </a:pPr>
             <a:r>
-              <a:rPr lang="de-DE" altLang="de-DE" dirty="0" smtClean="0"/>
+              <a:rPr lang="de-DE" altLang="de-DE" dirty="0"/>
               <a:t>auf für Sie relevanten </a:t>
             </a:r>
             <a:r>
-              <a:rPr lang="de-DE" altLang="de-DE" dirty="0" err="1" smtClean="0"/>
+              <a:rPr lang="de-DE" altLang="de-DE" dirty="0" err="1"/>
               <a:t>Repositories</a:t>
             </a:r>
-            <a:endParaRPr lang="de-DE" altLang="de-DE" dirty="0" smtClean="0"/>
+            <a:endParaRPr lang="de-DE" altLang="de-DE" dirty="0"/>
           </a:p>
           <a:p>
             <a:pPr marL="269875" indent="-269875" eaLnBrk="1">
@@ -27791,7 +27822,7 @@
               </a:tabLst>
             </a:pPr>
             <a:r>
-              <a:rPr lang="de-DE" altLang="de-DE" sz="2800" dirty="0" smtClean="0"/>
+              <a:rPr lang="de-DE" altLang="de-DE" sz="2800" dirty="0"/>
               <a:t>	auf dem Laufenden bleiben möchten, können Sie dies über das Dashboard tun</a:t>
             </a:r>
           </a:p>
@@ -27816,7 +27847,7 @@
                 <a:tab pos="8686800" algn="l"/>
               </a:tabLst>
             </a:pPr>
-            <a:endParaRPr lang="de-DE" altLang="de-DE" sz="2800" dirty="0" smtClean="0"/>
+            <a:endParaRPr lang="de-DE" altLang="de-DE" sz="2800" dirty="0"/>
           </a:p>
           <a:p>
             <a:pPr marL="269875" indent="-269875" eaLnBrk="1">
@@ -27842,17 +27873,17 @@
               </a:tabLst>
             </a:pPr>
             <a:r>
-              <a:rPr lang="de-DE" altLang="de-DE" sz="2800" dirty="0" smtClean="0"/>
+              <a:rPr lang="de-DE" altLang="de-DE" sz="2800" dirty="0"/>
               <a:t>Das Dashboard sehen Sie bei Aufruf von </a:t>
             </a:r>
             <a:r>
-              <a:rPr lang="de-DE" altLang="de-DE" sz="2800" dirty="0" smtClean="0">
+              <a:rPr lang="de-DE" altLang="de-DE" sz="2800" dirty="0">
                 <a:hlinkClick r:id="rId3"/>
               </a:rPr>
               <a:t>http://github.com</a:t>
             </a:r>
             <a:r>
-              <a:rPr lang="de-DE" altLang="de-DE" sz="2800" dirty="0" smtClean="0"/>
+              <a:rPr lang="de-DE" altLang="de-DE" sz="2800" dirty="0"/>
               <a:t> in angemeldetem Zustand</a:t>
             </a:r>
           </a:p>
@@ -28105,7 +28136,7 @@
               </a:tabLst>
             </a:pPr>
             <a:r>
-              <a:rPr lang="de-DE" altLang="de-DE" sz="4000" dirty="0" smtClean="0">
+              <a:rPr lang="de-DE" altLang="de-DE" sz="4000" dirty="0">
                 <a:solidFill>
                   <a:srgbClr val="FFFFFF"/>
                 </a:solidFill>
@@ -28113,7 +28144,7 @@
               <a:t>Übung: </a:t>
             </a:r>
             <a:r>
-              <a:rPr lang="de-DE" altLang="de-DE" sz="4000" dirty="0" err="1" smtClean="0">
+              <a:rPr lang="de-DE" altLang="de-DE" sz="4000" dirty="0" err="1">
                 <a:solidFill>
                   <a:srgbClr val="FFFFFF"/>
                 </a:solidFill>
@@ -28121,7 +28152,7 @@
               <a:t>GitHub</a:t>
             </a:r>
             <a:r>
-              <a:rPr lang="de-DE" altLang="de-DE" sz="4000" dirty="0" smtClean="0">
+              <a:rPr lang="de-DE" altLang="de-DE" sz="4000" dirty="0">
                 <a:solidFill>
                   <a:srgbClr val="FFFFFF"/>
                 </a:solidFill>
@@ -28174,17 +28205,17 @@
               </a:tabLst>
             </a:pPr>
             <a:r>
-              <a:rPr lang="de-DE" altLang="de-DE" sz="2800" dirty="0" smtClean="0"/>
+              <a:rPr lang="de-DE" altLang="de-DE" sz="2800" dirty="0"/>
               <a:t>Besuchen Sie das Profil des Dozenten unter </a:t>
             </a:r>
             <a:r>
-              <a:rPr lang="de-DE" altLang="de-DE" sz="2800" dirty="0" smtClean="0">
+              <a:rPr lang="de-DE" altLang="de-DE" sz="2800" dirty="0">
                 <a:hlinkClick r:id="rId3"/>
               </a:rPr>
               <a:t>http://github.com/bkimminich</a:t>
             </a:r>
             <a:r>
-              <a:rPr lang="de-DE" altLang="de-DE" sz="2800" dirty="0" smtClean="0"/>
+              <a:rPr lang="de-DE" altLang="de-DE" sz="2800" dirty="0"/>
               <a:t> und Klicken Sie „Follow“</a:t>
             </a:r>
           </a:p>
@@ -28211,7 +28242,7 @@
                 <a:tab pos="8686800" algn="l"/>
               </a:tabLst>
             </a:pPr>
-            <a:endParaRPr lang="de-DE" altLang="de-DE" sz="2800" dirty="0" smtClean="0"/>
+            <a:endParaRPr lang="de-DE" altLang="de-DE" sz="2800" dirty="0"/>
           </a:p>
           <a:p>
             <a:pPr marL="269875" indent="-269875" eaLnBrk="1">
@@ -28237,7 +28268,7 @@
               </a:tabLst>
             </a:pPr>
             <a:r>
-              <a:rPr lang="de-DE" altLang="de-DE" sz="2800" dirty="0" smtClean="0"/>
+              <a:rPr lang="de-DE" altLang="de-DE" sz="2800" dirty="0"/>
               <a:t>Das gleiche können Sie beliebig bei</a:t>
             </a:r>
           </a:p>
@@ -28265,7 +28296,7 @@
               </a:tabLst>
             </a:pPr>
             <a:r>
-              <a:rPr lang="de-DE" altLang="de-DE" sz="2400" dirty="0" smtClean="0"/>
+              <a:rPr lang="de-DE" altLang="de-DE" sz="2400" dirty="0"/>
               <a:t>Ihren Kommilitonen</a:t>
             </a:r>
           </a:p>
@@ -28293,7 +28324,7 @@
               </a:tabLst>
             </a:pPr>
             <a:r>
-              <a:rPr lang="de-DE" altLang="de-DE" sz="2400" dirty="0" smtClean="0"/>
+              <a:rPr lang="de-DE" altLang="de-DE" sz="2400" dirty="0"/>
               <a:t>oder auch bei wildfremden Menschen</a:t>
             </a:r>
           </a:p>
@@ -28319,15 +28350,15 @@
               </a:tabLst>
             </a:pPr>
             <a:r>
-              <a:rPr lang="de-DE" altLang="de-DE" sz="2800" dirty="0" smtClean="0"/>
+              <a:rPr lang="de-DE" altLang="de-DE" sz="2800" dirty="0"/>
               <a:t>	tun, so wie Sie das von </a:t>
             </a:r>
             <a:r>
-              <a:rPr lang="de-DE" altLang="de-DE" sz="2800" dirty="0" err="1" smtClean="0"/>
+              <a:rPr lang="de-DE" altLang="de-DE" sz="2800" dirty="0" err="1"/>
               <a:t>Facebook</a:t>
             </a:r>
             <a:r>
-              <a:rPr lang="de-DE" altLang="de-DE" sz="2800" dirty="0" smtClean="0"/>
+              <a:rPr lang="de-DE" altLang="de-DE" sz="2800" dirty="0"/>
               <a:t> gewohnt sind</a:t>
             </a:r>
           </a:p>
@@ -28352,7 +28383,7 @@
                 <a:tab pos="8686800" algn="l"/>
               </a:tabLst>
             </a:pPr>
-            <a:endParaRPr lang="de-DE" altLang="de-DE" sz="2800" dirty="0" smtClean="0"/>
+            <a:endParaRPr lang="de-DE" altLang="de-DE" sz="2800" dirty="0"/>
           </a:p>
           <a:p>
             <a:pPr marL="269875" indent="-269875" eaLnBrk="1">
@@ -28378,15 +28409,15 @@
               </a:tabLst>
             </a:pPr>
             <a:r>
-              <a:rPr lang="de-DE" altLang="de-DE" sz="2800" dirty="0" smtClean="0"/>
+              <a:rPr lang="de-DE" altLang="de-DE" sz="2800" dirty="0"/>
               <a:t>Aktionen auf öffentlichen </a:t>
             </a:r>
             <a:r>
-              <a:rPr lang="de-DE" altLang="de-DE" sz="2800" dirty="0" err="1" smtClean="0"/>
+              <a:rPr lang="de-DE" altLang="de-DE" sz="2800" dirty="0" err="1"/>
               <a:t>Repositories</a:t>
             </a:r>
             <a:r>
-              <a:rPr lang="de-DE" altLang="de-DE" sz="2800" dirty="0" smtClean="0"/>
+              <a:rPr lang="de-DE" altLang="de-DE" sz="2800" dirty="0"/>
               <a:t> der User, denen Sie folgen, werden von nun an auf Ihrem Dashboard dargestellt, z.B.</a:t>
             </a:r>
           </a:p>
@@ -28414,14 +28445,14 @@
               </a:tabLst>
             </a:pPr>
             <a:r>
-              <a:rPr lang="de-DE" altLang="de-DE" sz="2000" dirty="0" smtClean="0"/>
+              <a:rPr lang="de-DE" altLang="de-DE" sz="2000" dirty="0"/>
               <a:t>Erstellen von </a:t>
             </a:r>
             <a:r>
-              <a:rPr lang="de-DE" altLang="de-DE" sz="2000" dirty="0" err="1" smtClean="0"/>
+              <a:rPr lang="de-DE" altLang="de-DE" sz="2000" dirty="0" err="1"/>
               <a:t>Repositories</a:t>
             </a:r>
-            <a:endParaRPr lang="de-DE" altLang="de-DE" sz="2000" dirty="0" smtClean="0"/>
+            <a:endParaRPr lang="de-DE" altLang="de-DE" sz="2000" dirty="0"/>
           </a:p>
           <a:p>
             <a:pPr marL="669925" lvl="1" indent="-269875" eaLnBrk="1">
@@ -28447,14 +28478,14 @@
               </a:tabLst>
             </a:pPr>
             <a:r>
-              <a:rPr lang="de-DE" altLang="de-DE" sz="2000" dirty="0" smtClean="0"/>
+              <a:rPr lang="de-DE" altLang="de-DE" sz="2000" dirty="0"/>
               <a:t>Forken von </a:t>
             </a:r>
             <a:r>
-              <a:rPr lang="de-DE" altLang="de-DE" sz="2000" dirty="0" err="1" smtClean="0"/>
+              <a:rPr lang="de-DE" altLang="de-DE" sz="2000" dirty="0" err="1"/>
               <a:t>Repositories</a:t>
             </a:r>
-            <a:endParaRPr lang="de-DE" altLang="de-DE" sz="2000" dirty="0" smtClean="0"/>
+            <a:endParaRPr lang="de-DE" altLang="de-DE" sz="2000" dirty="0"/>
           </a:p>
           <a:p>
             <a:pPr marL="669925" lvl="1" indent="-269875" eaLnBrk="1">
@@ -28480,7 +28511,7 @@
               </a:tabLst>
             </a:pPr>
             <a:r>
-              <a:rPr lang="de-DE" altLang="de-DE" sz="2000" dirty="0" smtClean="0"/>
+              <a:rPr lang="de-DE" altLang="de-DE" sz="2000" dirty="0"/>
               <a:t>Stern für Repository vergeben</a:t>
             </a:r>
           </a:p>
@@ -28505,7 +28536,7 @@
                 <a:tab pos="8686800" algn="l"/>
               </a:tabLst>
             </a:pPr>
-            <a:endParaRPr lang="de-DE" altLang="de-DE" sz="2800" dirty="0" smtClean="0"/>
+            <a:endParaRPr lang="de-DE" altLang="de-DE" sz="2800" dirty="0"/>
           </a:p>
         </p:txBody>
       </p:sp>
@@ -28753,7 +28784,7 @@
               </a:tabLst>
             </a:pPr>
             <a:r>
-              <a:rPr lang="de-DE" altLang="de-DE" sz="4000" dirty="0" smtClean="0">
+              <a:rPr lang="de-DE" altLang="de-DE" sz="4000" dirty="0">
                 <a:solidFill>
                   <a:srgbClr val="FFFFFF"/>
                 </a:solidFill>
@@ -28761,7 +28792,7 @@
               <a:t>Übung: Glanzvolle </a:t>
             </a:r>
             <a:r>
-              <a:rPr lang="de-DE" altLang="de-DE" sz="4000" dirty="0" err="1" smtClean="0">
+              <a:rPr lang="de-DE" altLang="de-DE" sz="4000" dirty="0" err="1">
                 <a:solidFill>
                   <a:srgbClr val="FFFFFF"/>
                 </a:solidFill>
@@ -28769,7 +28800,7 @@
               <a:t>GitHub</a:t>
             </a:r>
             <a:r>
-              <a:rPr lang="de-DE" altLang="de-DE" sz="4000" dirty="0" smtClean="0">
+              <a:rPr lang="de-DE" altLang="de-DE" sz="4000" dirty="0">
                 <a:solidFill>
                   <a:srgbClr val="FFFFFF"/>
                 </a:solidFill>
@@ -28822,25 +28853,25 @@
               </a:tabLst>
             </a:pPr>
             <a:r>
-              <a:rPr lang="de-DE" altLang="de-DE" sz="2800" dirty="0" smtClean="0"/>
+              <a:rPr lang="de-DE" altLang="de-DE" sz="2800" dirty="0"/>
               <a:t>Besuchen Sie ein für Sie interessantes Repository, z.B. </a:t>
             </a:r>
             <a:r>
-              <a:rPr lang="de-DE" altLang="de-DE" sz="2000" dirty="0" smtClean="0">
+              <a:rPr lang="de-DE" altLang="de-DE" sz="2000" dirty="0">
                 <a:hlinkClick r:id="rId3"/>
               </a:rPr>
               <a:t>https://github.com/nordakademie-einfuehrung-java/vorlesungsskript</a:t>
             </a:r>
             <a:r>
-              <a:rPr lang="de-DE" altLang="de-DE" sz="2800" dirty="0" smtClean="0"/>
+              <a:rPr lang="de-DE" altLang="de-DE" sz="2800" dirty="0"/>
               <a:t> und lassen Sie sich über dortige Aktivitäten in wählbarer Häufigkeit informieren über „Watch/</a:t>
             </a:r>
             <a:r>
-              <a:rPr lang="de-DE" altLang="de-DE" sz="2800" dirty="0" err="1" smtClean="0"/>
+              <a:rPr lang="de-DE" altLang="de-DE" sz="2800" dirty="0" err="1"/>
               <a:t>Unwatch</a:t>
             </a:r>
             <a:r>
-              <a:rPr lang="de-DE" altLang="de-DE" sz="2800" dirty="0" smtClean="0"/>
+              <a:rPr lang="de-DE" altLang="de-DE" sz="2800" dirty="0"/>
               <a:t>“</a:t>
             </a:r>
           </a:p>
@@ -28867,7 +28898,7 @@
                 <a:tab pos="8686800" algn="l"/>
               </a:tabLst>
             </a:pPr>
-            <a:endParaRPr lang="de-DE" altLang="de-DE" sz="2800" dirty="0" smtClean="0"/>
+            <a:endParaRPr lang="de-DE" altLang="de-DE" sz="2800" dirty="0"/>
           </a:p>
           <a:p>
             <a:pPr marL="269875" indent="-269875" eaLnBrk="1">
@@ -28892,7 +28923,7 @@
                 <a:tab pos="8686800" algn="l"/>
               </a:tabLst>
             </a:pPr>
-            <a:endParaRPr lang="de-DE" altLang="de-DE" sz="2800" dirty="0" smtClean="0"/>
+            <a:endParaRPr lang="de-DE" altLang="de-DE" sz="2800" dirty="0"/>
           </a:p>
           <a:p>
             <a:pPr marL="269875" indent="-269875" eaLnBrk="1">
@@ -28917,7 +28948,7 @@
                 <a:tab pos="8686800" algn="l"/>
               </a:tabLst>
             </a:pPr>
-            <a:endParaRPr lang="de-DE" altLang="de-DE" sz="2800" dirty="0" smtClean="0"/>
+            <a:endParaRPr lang="de-DE" altLang="de-DE" sz="2800" dirty="0"/>
           </a:p>
           <a:p>
             <a:pPr marL="269875" indent="-269875" eaLnBrk="1">
@@ -28942,7 +28973,7 @@
                 <a:tab pos="8686800" algn="l"/>
               </a:tabLst>
             </a:pPr>
-            <a:endParaRPr lang="de-DE" altLang="de-DE" sz="2800" dirty="0" smtClean="0"/>
+            <a:endParaRPr lang="de-DE" altLang="de-DE" sz="2800" dirty="0"/>
           </a:p>
           <a:p>
             <a:pPr marL="269875" indent="-269875" eaLnBrk="1">
@@ -28967,7 +28998,7 @@
                 <a:tab pos="8686800" algn="l"/>
               </a:tabLst>
             </a:pPr>
-            <a:endParaRPr lang="de-DE" altLang="de-DE" sz="2800" dirty="0" smtClean="0"/>
+            <a:endParaRPr lang="de-DE" altLang="de-DE" sz="2800" dirty="0"/>
           </a:p>
           <a:p>
             <a:pPr marL="269875" indent="-269875" eaLnBrk="1">
@@ -28992,7 +29023,7 @@
                 <a:tab pos="8686800" algn="l"/>
               </a:tabLst>
             </a:pPr>
-            <a:endParaRPr lang="de-DE" altLang="de-DE" sz="2800" dirty="0" smtClean="0"/>
+            <a:endParaRPr lang="de-DE" altLang="de-DE" sz="2800" dirty="0"/>
           </a:p>
           <a:p>
             <a:pPr marL="269875" indent="-269875" eaLnBrk="1">
@@ -29018,7 +29049,7 @@
               </a:tabLst>
             </a:pPr>
             <a:r>
-              <a:rPr lang="de-DE" altLang="de-DE" sz="2800" dirty="0" smtClean="0"/>
+              <a:rPr lang="de-DE" altLang="de-DE" sz="2800" dirty="0"/>
               <a:t>Finden Sie ein Repository besonders toll, oder wollen es sich für später „merken“, können Sie es mit einem Sternchen versehen</a:t>
             </a:r>
           </a:p>
@@ -29271,7 +29302,7 @@
               </a:tabLst>
             </a:pPr>
             <a:r>
-              <a:rPr lang="de-DE" altLang="de-DE" sz="4000" smtClean="0">
+              <a:rPr lang="de-DE" altLang="de-DE" sz="4000">
                 <a:solidFill>
                   <a:srgbClr val="FFFFFF"/>
                 </a:solidFill>
@@ -29320,7 +29351,7 @@
                 <a:tab pos="8686800" algn="l"/>
               </a:tabLst>
             </a:pPr>
-            <a:endParaRPr lang="de-DE" altLang="de-DE" smtClean="0"/>
+            <a:endParaRPr lang="de-DE" altLang="de-DE"/>
           </a:p>
           <a:p>
             <a:pPr marL="269875" indent="-269875" algn="ctr" eaLnBrk="1">
@@ -29343,7 +29374,7 @@
               </a:tabLst>
             </a:pPr>
             <a:r>
-              <a:rPr lang="de-DE" altLang="de-DE" smtClean="0"/>
+              <a:rPr lang="de-DE" altLang="de-DE"/>
               <a:t>switch-case-Anweisung</a:t>
             </a:r>
           </a:p>
@@ -29367,7 +29398,7 @@
                 <a:tab pos="8686800" algn="l"/>
               </a:tabLst>
             </a:pPr>
-            <a:endParaRPr lang="de-DE" altLang="de-DE" smtClean="0"/>
+            <a:endParaRPr lang="de-DE" altLang="de-DE"/>
           </a:p>
           <a:p>
             <a:pPr marL="269875" indent="-269875" algn="ctr" eaLnBrk="1">
@@ -29390,7 +29421,7 @@
               </a:tabLst>
             </a:pPr>
             <a:r>
-              <a:rPr lang="de-DE" altLang="de-DE" smtClean="0"/>
+              <a:rPr lang="de-DE" altLang="de-DE"/>
               <a:t>Programmschleifen</a:t>
             </a:r>
           </a:p>
@@ -29414,7 +29445,7 @@
                 <a:tab pos="8686800" algn="l"/>
               </a:tabLst>
             </a:pPr>
-            <a:endParaRPr lang="de-DE" altLang="de-DE" smtClean="0"/>
+            <a:endParaRPr lang="de-DE" altLang="de-DE"/>
           </a:p>
           <a:p>
             <a:pPr marL="269875" indent="-269875" algn="ctr" eaLnBrk="1">
@@ -29437,7 +29468,7 @@
               </a:tabLst>
             </a:pPr>
             <a:r>
-              <a:rPr lang="de-DE" altLang="de-DE" smtClean="0"/>
+              <a:rPr lang="de-DE" altLang="de-DE"/>
               <a:t>eigene Methoden schreiben</a:t>
             </a:r>
           </a:p>
@@ -29461,7 +29492,7 @@
                 <a:tab pos="8686800" algn="l"/>
               </a:tabLst>
             </a:pPr>
-            <a:endParaRPr lang="de-DE" altLang="de-DE" smtClean="0"/>
+            <a:endParaRPr lang="de-DE" altLang="de-DE"/>
           </a:p>
           <a:p>
             <a:pPr marL="269875" indent="-269875" algn="ctr" eaLnBrk="1">
@@ -29486,7 +29517,7 @@
                 <a:tab pos="8686800" algn="l"/>
               </a:tabLst>
             </a:pPr>
-            <a:endParaRPr lang="de-DE" altLang="de-DE" smtClean="0"/>
+            <a:endParaRPr lang="de-DE" altLang="de-DE"/>
           </a:p>
         </p:txBody>
       </p:sp>
@@ -29697,7 +29728,7 @@
               </a:tabLst>
             </a:pPr>
             <a:r>
-              <a:rPr lang="de-DE" altLang="de-DE" sz="4000" smtClean="0">
+              <a:rPr lang="de-DE" altLang="de-DE" sz="4000">
                 <a:solidFill>
                   <a:srgbClr val="FFFFFF"/>
                 </a:solidFill>
@@ -29750,21 +29781,21 @@
               </a:tabLst>
             </a:pPr>
             <a:r>
-              <a:rPr lang="de-DE" altLang="de-DE" sz="2800" smtClean="0"/>
+              <a:rPr lang="de-DE" altLang="de-DE" sz="2800"/>
               <a:t>Die switch-case-Anweisung soll stark verschachtelte </a:t>
             </a:r>
             <a:br>
-              <a:rPr lang="de-DE" altLang="de-DE" sz="2800" smtClean="0"/>
+              <a:rPr lang="de-DE" altLang="de-DE" sz="2800"/>
             </a:br>
             <a:r>
-              <a:rPr lang="de-DE" altLang="de-DE" sz="2800" smtClean="0"/>
+              <a:rPr lang="de-DE" altLang="de-DE" sz="2800"/>
               <a:t>if-Anweisungen vereinfachen.</a:t>
             </a:r>
             <a:br>
-              <a:rPr lang="de-DE" altLang="de-DE" sz="2800" smtClean="0"/>
+              <a:rPr lang="de-DE" altLang="de-DE" sz="2800"/>
             </a:br>
             <a:r>
-              <a:rPr lang="de-DE" altLang="de-DE" sz="2800" smtClean="0"/>
+              <a:rPr lang="de-DE" altLang="de-DE" sz="2800"/>
               <a:t> </a:t>
             </a:r>
           </a:p>
@@ -29792,42 +29823,34 @@
               </a:tabLst>
             </a:pPr>
             <a:r>
-              <a:rPr lang="de-DE" altLang="de-DE" sz="2800" smtClean="0"/>
+              <a:rPr lang="de-DE" altLang="de-DE" sz="2800"/>
               <a:t>Die Vereinfachung hat jedoch zur Folge, dass sie auch nur auf sehr einfache Probleme anwendbar ist:</a:t>
             </a:r>
             <a:br>
-              <a:rPr lang="de-DE" altLang="de-DE" sz="2800" smtClean="0"/>
+              <a:rPr lang="de-DE" altLang="de-DE" sz="2800"/>
             </a:br>
-            <a:r>
-              <a:rPr lang="de-DE" altLang="de-DE" sz="2800" smtClean="0"/>
-              <a:t/>
-            </a:r>
             <a:br>
-              <a:rPr lang="de-DE" altLang="de-DE" sz="2800" smtClean="0"/>
+              <a:rPr lang="de-DE" altLang="de-DE" sz="2800"/>
             </a:br>
             <a:r>
-              <a:rPr lang="de-DE" altLang="de-DE" sz="2600" smtClean="0"/>
+              <a:rPr lang="de-DE" altLang="de-DE" sz="2600"/>
               <a:t>switch-case unterliegt erheblichen Einschränkungen gegenüber verschachtelten if-Anweisungen.</a:t>
             </a:r>
             <a:br>
-              <a:rPr lang="de-DE" altLang="de-DE" sz="2600" smtClean="0"/>
+              <a:rPr lang="de-DE" altLang="de-DE" sz="2600"/>
             </a:br>
-            <a:r>
-              <a:rPr lang="de-DE" altLang="de-DE" sz="2600" smtClean="0"/>
-              <a:t/>
-            </a:r>
             <a:br>
-              <a:rPr lang="de-DE" altLang="de-DE" sz="2600" smtClean="0"/>
+              <a:rPr lang="de-DE" altLang="de-DE" sz="2600"/>
             </a:br>
             <a:r>
-              <a:rPr lang="de-DE" altLang="de-DE" sz="2600" smtClean="0"/>
+              <a:rPr lang="de-DE" altLang="de-DE" sz="2600"/>
               <a:t>Jedes switch-case kann immer durch entsprechende </a:t>
             </a:r>
             <a:br>
-              <a:rPr lang="de-DE" altLang="de-DE" sz="2600" smtClean="0"/>
+              <a:rPr lang="de-DE" altLang="de-DE" sz="2600"/>
             </a:br>
             <a:r>
-              <a:rPr lang="de-DE" altLang="de-DE" sz="2600" smtClean="0"/>
+              <a:rPr lang="de-DE" altLang="de-DE" sz="2600"/>
               <a:t>if-Anweisungen ersetzt werden, umgekehrt jedoch nicht.</a:t>
             </a:r>
           </a:p>
@@ -29854,7 +29877,7 @@
                 <a:tab pos="8686800" algn="l"/>
               </a:tabLst>
             </a:pPr>
-            <a:endParaRPr lang="de-DE" altLang="de-DE" sz="2800" smtClean="0"/>
+            <a:endParaRPr lang="de-DE" altLang="de-DE" sz="2800"/>
           </a:p>
           <a:p>
             <a:pPr marL="269875" indent="-269875" eaLnBrk="1">
@@ -29879,7 +29902,7 @@
                 <a:tab pos="8686800" algn="l"/>
               </a:tabLst>
             </a:pPr>
-            <a:endParaRPr lang="de-DE" altLang="de-DE" smtClean="0"/>
+            <a:endParaRPr lang="de-DE" altLang="de-DE"/>
           </a:p>
           <a:p>
             <a:pPr marL="269875" indent="-269875" eaLnBrk="1">
@@ -29904,7 +29927,7 @@
                 <a:tab pos="8686800" algn="l"/>
               </a:tabLst>
             </a:pPr>
-            <a:endParaRPr lang="de-DE" altLang="de-DE" smtClean="0"/>
+            <a:endParaRPr lang="de-DE" altLang="de-DE"/>
           </a:p>
         </p:txBody>
       </p:sp>
